--- a/Slides 2020/0. Introduction OSS.pptx
+++ b/Slides 2020/0. Introduction OSS.pptx
@@ -5,7 +5,7 @@
     <p:sldMasterId id="2147483660" r:id="rId1"/>
   </p:sldMasterIdLst>
   <p:notesMasterIdLst>
-    <p:notesMasterId r:id="rId24"/>
+    <p:notesMasterId r:id="rId25"/>
   </p:notesMasterIdLst>
   <p:sldIdLst>
     <p:sldId id="399" r:id="rId2"/>
@@ -26,10 +26,11 @@
     <p:sldId id="385" r:id="rId17"/>
     <p:sldId id="261" r:id="rId18"/>
     <p:sldId id="372" r:id="rId19"/>
-    <p:sldId id="339" r:id="rId20"/>
-    <p:sldId id="318" r:id="rId21"/>
-    <p:sldId id="258" r:id="rId22"/>
-    <p:sldId id="283" r:id="rId23"/>
+    <p:sldId id="401" r:id="rId20"/>
+    <p:sldId id="402" r:id="rId21"/>
+    <p:sldId id="400" r:id="rId22"/>
+    <p:sldId id="258" r:id="rId23"/>
+    <p:sldId id="283" r:id="rId24"/>
   </p:sldIdLst>
   <p:sldSz cx="9144000" cy="6858000" type="screen4x3"/>
   <p:notesSz cx="6858000" cy="9144000"/>
@@ -218,7 +219,7 @@
           <a:p>
             <a:fld id="{3A51E6CB-1B67-49CD-819C-CBD1F8F15839}" type="datetimeFigureOut">
               <a:rPr lang="ko-KR" altLang="en-US" smtClean="0"/>
-              <a:t>2019-09-05</a:t>
+              <a:t>2020-09-02</a:t>
             </a:fld>
             <a:endParaRPr lang="ko-KR" altLang="en-US"/>
           </a:p>
@@ -700,7 +701,7 @@
           <a:p>
             <a:fld id="{1EA80F27-E9B9-4A8E-9A59-01CCB3F43850}" type="datetime1">
               <a:rPr lang="ko-KR" altLang="en-US" smtClean="0"/>
-              <a:t>2019-09-05</a:t>
+              <a:t>2020-09-02</a:t>
             </a:fld>
             <a:endParaRPr lang="ko-KR" altLang="en-US"/>
           </a:p>
@@ -916,7 +917,7 @@
           <a:p>
             <a:fld id="{7E5363F8-22A8-407F-82B0-EFC1D1C22895}" type="datetime1">
               <a:rPr lang="ko-KR" altLang="en-US" smtClean="0"/>
-              <a:t>2019-09-05</a:t>
+              <a:t>2020-09-02</a:t>
             </a:fld>
             <a:endParaRPr lang="ko-KR" altLang="en-US"/>
           </a:p>
@@ -1096,7 +1097,7 @@
           <a:p>
             <a:fld id="{8187739B-8E74-4F06-BBD0-F6D670C1F7A1}" type="datetime1">
               <a:rPr lang="ko-KR" altLang="en-US" smtClean="0"/>
-              <a:t>2019-09-05</a:t>
+              <a:t>2020-09-02</a:t>
             </a:fld>
             <a:endParaRPr lang="ko-KR" altLang="en-US"/>
           </a:p>
@@ -1266,7 +1267,7 @@
           <a:p>
             <a:fld id="{947C39E4-F1C0-46F5-93CB-857C8C3AEB8D}" type="datetime1">
               <a:rPr lang="ko-KR" altLang="en-US" smtClean="0"/>
-              <a:t>2019-09-05</a:t>
+              <a:t>2020-09-02</a:t>
             </a:fld>
             <a:endParaRPr lang="ko-KR" altLang="en-US"/>
           </a:p>
@@ -1510,7 +1511,7 @@
           <a:p>
             <a:fld id="{7818271D-E6C7-4286-B2FD-D9AA53F1E428}" type="datetime1">
               <a:rPr lang="ko-KR" altLang="en-US" smtClean="0"/>
-              <a:t>2019-09-05</a:t>
+              <a:t>2020-09-02</a:t>
             </a:fld>
             <a:endParaRPr lang="ko-KR" altLang="en-US"/>
           </a:p>
@@ -1742,7 +1743,7 @@
           <a:p>
             <a:fld id="{8CE3C26B-F624-420D-BF9D-391E2E695B27}" type="datetime1">
               <a:rPr lang="ko-KR" altLang="en-US" smtClean="0"/>
-              <a:t>2019-09-05</a:t>
+              <a:t>2020-09-02</a:t>
             </a:fld>
             <a:endParaRPr lang="ko-KR" altLang="en-US"/>
           </a:p>
@@ -2109,7 +2110,7 @@
           <a:p>
             <a:fld id="{A1FC83CE-7AD5-4A20-9998-54C7F9F05545}" type="datetime1">
               <a:rPr lang="ko-KR" altLang="en-US" smtClean="0"/>
-              <a:t>2019-09-05</a:t>
+              <a:t>2020-09-02</a:t>
             </a:fld>
             <a:endParaRPr lang="ko-KR" altLang="en-US"/>
           </a:p>
@@ -2227,7 +2228,7 @@
           <a:p>
             <a:fld id="{3A3E22EA-EB96-4ADF-ABA9-A693E5F7BB1E}" type="datetime1">
               <a:rPr lang="ko-KR" altLang="en-US" smtClean="0"/>
-              <a:t>2019-09-05</a:t>
+              <a:t>2020-09-02</a:t>
             </a:fld>
             <a:endParaRPr lang="ko-KR" altLang="en-US"/>
           </a:p>
@@ -2322,7 +2323,7 @@
           <a:p>
             <a:fld id="{0D5BD961-86A8-440A-8C4E-52B6CA6FECED}" type="datetime1">
               <a:rPr lang="ko-KR" altLang="en-US" smtClean="0"/>
-              <a:t>2019-09-05</a:t>
+              <a:t>2020-09-02</a:t>
             </a:fld>
             <a:endParaRPr lang="ko-KR" altLang="en-US"/>
           </a:p>
@@ -2599,7 +2600,7 @@
           <a:p>
             <a:fld id="{CD151CC0-1347-483B-8708-01772054FA68}" type="datetime1">
               <a:rPr lang="ko-KR" altLang="en-US" smtClean="0"/>
-              <a:t>2019-09-05</a:t>
+              <a:t>2020-09-02</a:t>
             </a:fld>
             <a:endParaRPr lang="ko-KR" altLang="en-US"/>
           </a:p>
@@ -2856,7 +2857,7 @@
           <a:p>
             <a:fld id="{57185993-49E6-4096-BF26-930E741DA796}" type="datetime1">
               <a:rPr lang="ko-KR" altLang="en-US" smtClean="0"/>
-              <a:t>2019-09-05</a:t>
+              <a:t>2020-09-02</a:t>
             </a:fld>
             <a:endParaRPr lang="ko-KR" altLang="en-US"/>
           </a:p>
@@ -3072,7 +3073,7 @@
           <a:p>
             <a:fld id="{170798F3-F6A9-4876-8D5A-30BE2843F4A2}" type="datetime1">
               <a:rPr lang="ko-KR" altLang="en-US" smtClean="0"/>
-              <a:t>2019-09-05</a:t>
+              <a:t>2020-09-02</a:t>
             </a:fld>
             <a:endParaRPr lang="ko-KR" altLang="en-US"/>
           </a:p>
@@ -3646,7 +3647,7 @@
             </a:r>
             <a:r>
               <a:rPr lang="en-US" altLang="ko-KR" sz="3200" dirty="0"/>
-              <a:t> semester, 2019</a:t>
+              <a:t> semester, 2020</a:t>
             </a:r>
             <a:endParaRPr lang="ko-KR" altLang="en-US" sz="4400" dirty="0"/>
           </a:p>
@@ -3720,7 +3721,7 @@
                   <a:prstClr val="black"/>
                 </a:solidFill>
               </a:rPr>
-              <a:t>Chonbuk</a:t>
+              <a:t>Jeonbuk</a:t>
             </a:r>
             <a:r>
               <a:rPr lang="en-US" altLang="ko-KR" sz="2000" dirty="0">
@@ -5273,7 +5274,7 @@
             </a:r>
             <a:r>
               <a:rPr lang="en-US" altLang="ko-KR" dirty="0"/>
-              <a:t>2-3</a:t>
+              <a:t>2</a:t>
             </a:r>
             <a:r>
               <a:rPr lang="ko-KR" altLang="en-US" dirty="0"/>
@@ -5383,11 +5384,7 @@
             </a:r>
             <a:r>
               <a:rPr lang="en-US" altLang="ko-KR" dirty="0"/>
-              <a:t>Test </a:t>
-            </a:r>
-            <a:r>
-              <a:rPr lang="en-US" altLang="ko-KR" dirty="0" err="1"/>
-              <a:t>projec</a:t>
+              <a:t>Test project </a:t>
             </a:r>
             <a:r>
               <a:rPr lang="ko-KR" altLang="ko-KR" dirty="0"/>
@@ -5810,14 +5807,14 @@
             <p:ph idx="1"/>
             <p:extLst>
               <p:ext uri="{D42A27DB-BD31-4B8C-83A1-F6EECF244321}">
-                <p14:modId xmlns:p14="http://schemas.microsoft.com/office/powerpoint/2010/main" val="1015214368"/>
+                <p14:modId xmlns:p14="http://schemas.microsoft.com/office/powerpoint/2010/main" val="335588805"/>
               </p:ext>
             </p:extLst>
           </p:nvPr>
         </p:nvGraphicFramePr>
         <p:xfrm>
           <a:off x="395288" y="1058863"/>
-          <a:ext cx="8353176" cy="3808411"/>
+          <a:ext cx="8353176" cy="2133600"/>
         </p:xfrm>
         <a:graphic>
           <a:graphicData uri="http://schemas.openxmlformats.org/drawingml/2006/table">
@@ -5841,7 +5838,7 @@
                   </a:extLst>
                 </a:gridCol>
               </a:tblGrid>
-              <a:tr h="668551">
+              <a:tr h="322244">
                 <a:tc>
                   <a:txBody>
                     <a:bodyPr/>
@@ -5849,7 +5846,7 @@
                     <a:p>
                       <a:pPr algn="ctr" latinLnBrk="1"/>
                       <a:r>
-                        <a:rPr lang="ko-KR" altLang="en-US" sz="2400" dirty="0"/>
+                        <a:rPr lang="ko-KR" altLang="en-US" sz="2000" dirty="0"/>
                         <a:t>항목</a:t>
                       </a:r>
                     </a:p>
@@ -5863,7 +5860,7 @@
                     <a:p>
                       <a:pPr algn="ctr" latinLnBrk="1"/>
                       <a:r>
-                        <a:rPr lang="ko-KR" altLang="en-US" sz="2400" dirty="0"/>
+                        <a:rPr lang="ko-KR" altLang="en-US" sz="2000" dirty="0"/>
                         <a:t>비중</a:t>
                       </a:r>
                     </a:p>
@@ -5876,7 +5873,7 @@
                   </a:ext>
                 </a:extLst>
               </a:tr>
-              <a:tr h="784965">
+              <a:tr h="451142">
                 <a:tc>
                   <a:txBody>
                     <a:bodyPr/>
@@ -5884,7 +5881,7 @@
                     <a:p>
                       <a:pPr algn="ctr" latinLnBrk="1"/>
                       <a:r>
-                        <a:rPr lang="ko-KR" altLang="en-US" sz="2400" dirty="0"/>
+                        <a:rPr lang="ko-KR" altLang="en-US" sz="2000" dirty="0"/>
                         <a:t>중간 고사</a:t>
                       </a:r>
                     </a:p>
@@ -5898,10 +5895,10 @@
                     <a:p>
                       <a:pPr algn="ctr" latinLnBrk="1"/>
                       <a:r>
-                        <a:rPr lang="en-US" altLang="ko-KR" sz="3600" dirty="0"/>
+                        <a:rPr lang="en-US" altLang="ko-KR" sz="3200" dirty="0"/>
                         <a:t>20%</a:t>
                       </a:r>
-                      <a:endParaRPr lang="ko-KR" altLang="en-US" sz="3600" dirty="0"/>
+                      <a:endParaRPr lang="ko-KR" altLang="en-US" sz="3200" dirty="0"/>
                     </a:p>
                   </a:txBody>
                   <a:tcPr anchor="ctr"/>
@@ -5912,7 +5909,7 @@
                   </a:ext>
                 </a:extLst>
               </a:tr>
-              <a:tr h="784965">
+              <a:tr h="451142">
                 <a:tc>
                   <a:txBody>
                     <a:bodyPr/>
@@ -5920,13 +5917,42 @@
                     <a:p>
                       <a:pPr algn="ctr" latinLnBrk="1"/>
                       <a:r>
-                        <a:rPr lang="ko-KR" altLang="en-US" sz="2400" b="0" dirty="0">
+                        <a:rPr lang="ko-KR" altLang="en-US" sz="2000" b="0" dirty="0">
                           <a:solidFill>
                             <a:srgbClr val="FF0000"/>
                           </a:solidFill>
                         </a:rPr>
-                        <a:t>개인별 실습 과제</a:t>
-                      </a:r>
+                        <a:t>개인별 실습 과제 </a:t>
+                      </a:r>
+                      <a:r>
+                        <a:rPr lang="en-US" altLang="ko-KR" sz="2000" b="0" dirty="0">
+                          <a:solidFill>
+                            <a:srgbClr val="FF0000"/>
+                          </a:solidFill>
+                        </a:rPr>
+                        <a:t>(</a:t>
+                      </a:r>
+                      <a:r>
+                        <a:rPr lang="ko-KR" altLang="en-US" sz="2000" b="0" dirty="0">
+                          <a:solidFill>
+                            <a:srgbClr val="FF0000"/>
+                          </a:solidFill>
+                        </a:rPr>
+                        <a:t>출석 포함</a:t>
+                      </a:r>
+                      <a:r>
+                        <a:rPr lang="en-US" altLang="ko-KR" sz="2000" b="0" dirty="0">
+                          <a:solidFill>
+                            <a:srgbClr val="FF0000"/>
+                          </a:solidFill>
+                        </a:rPr>
+                        <a:t>)</a:t>
+                      </a:r>
+                      <a:endParaRPr lang="ko-KR" altLang="en-US" sz="2000" b="0" dirty="0">
+                        <a:solidFill>
+                          <a:srgbClr val="FF0000"/>
+                        </a:solidFill>
+                      </a:endParaRPr>
                     </a:p>
                   </a:txBody>
                   <a:tcPr anchor="ctr"/>
@@ -5938,14 +5964,14 @@
                     <a:p>
                       <a:pPr algn="ctr" latinLnBrk="1"/>
                       <a:r>
-                        <a:rPr lang="en-US" altLang="ko-KR" sz="3600" b="0" dirty="0">
+                        <a:rPr lang="en-US" altLang="ko-KR" sz="3200" b="0" dirty="0">
                           <a:solidFill>
                             <a:srgbClr val="FF0000"/>
                           </a:solidFill>
                         </a:rPr>
-                        <a:t>30%</a:t>
-                      </a:r>
-                      <a:endParaRPr lang="ko-KR" altLang="en-US" sz="3600" b="0" dirty="0">
+                        <a:t>35%</a:t>
+                      </a:r>
+                      <a:endParaRPr lang="ko-KR" altLang="en-US" sz="3200" b="0" dirty="0">
                         <a:solidFill>
                           <a:srgbClr val="FF0000"/>
                         </a:solidFill>
@@ -5960,7 +5986,7 @@
                   </a:ext>
                 </a:extLst>
               </a:tr>
-              <a:tr h="784965">
+              <a:tr h="451142">
                 <a:tc>
                   <a:txBody>
                     <a:bodyPr/>
@@ -5968,7 +5994,7 @@
                     <a:p>
                       <a:pPr algn="ctr" latinLnBrk="1"/>
                       <a:r>
-                        <a:rPr lang="ko-KR" altLang="en-US" sz="2400" b="1" dirty="0">
+                        <a:rPr lang="ko-KR" altLang="en-US" sz="2000" b="1" dirty="0">
                           <a:solidFill>
                             <a:srgbClr val="FF0000"/>
                           </a:solidFill>
@@ -5986,14 +6012,14 @@
                     <a:p>
                       <a:pPr algn="ctr" latinLnBrk="1"/>
                       <a:r>
-                        <a:rPr lang="en-US" altLang="ko-KR" sz="3600" b="1" dirty="0">
+                        <a:rPr lang="en-US" altLang="ko-KR" sz="3200" b="1" dirty="0">
                           <a:solidFill>
                             <a:srgbClr val="FF0000"/>
                           </a:solidFill>
                         </a:rPr>
-                        <a:t>40%</a:t>
-                      </a:r>
-                      <a:endParaRPr lang="ko-KR" altLang="en-US" sz="3600" b="1" dirty="0">
+                        <a:t>45%</a:t>
+                      </a:r>
+                      <a:endParaRPr lang="ko-KR" altLang="en-US" sz="3200" b="1" dirty="0">
                         <a:solidFill>
                           <a:srgbClr val="FF0000"/>
                         </a:solidFill>
@@ -6005,50 +6031,6 @@
                 <a:extLst>
                   <a:ext uri="{0D108BD9-81ED-4DB2-BD59-A6C34878D82A}">
                     <a16:rowId xmlns:a16="http://schemas.microsoft.com/office/drawing/2014/main" val="2605977631"/>
-                  </a:ext>
-                </a:extLst>
-              </a:tr>
-              <a:tr h="784965">
-                <a:tc>
-                  <a:txBody>
-                    <a:bodyPr/>
-                    <a:lstStyle/>
-                    <a:p>
-                      <a:pPr algn="ctr" latinLnBrk="1"/>
-                      <a:r>
-                        <a:rPr lang="ko-KR" altLang="en-US" sz="2400" dirty="0"/>
-                        <a:t>출석</a:t>
-                      </a:r>
-                      <a:r>
-                        <a:rPr lang="en-US" altLang="ko-KR" sz="2400" dirty="0"/>
-                        <a:t>/</a:t>
-                      </a:r>
-                      <a:r>
-                        <a:rPr lang="ko-KR" altLang="en-US" sz="2400" dirty="0"/>
-                        <a:t>참여율</a:t>
-                      </a:r>
-                    </a:p>
-                  </a:txBody>
-                  <a:tcPr anchor="ctr"/>
-                </a:tc>
-                <a:tc>
-                  <a:txBody>
-                    <a:bodyPr/>
-                    <a:lstStyle/>
-                    <a:p>
-                      <a:pPr algn="ctr" latinLnBrk="1"/>
-                      <a:r>
-                        <a:rPr lang="en-US" altLang="ko-KR" sz="3600" dirty="0"/>
-                        <a:t>10%</a:t>
-                      </a:r>
-                      <a:endParaRPr lang="ko-KR" altLang="en-US" sz="3600" dirty="0"/>
-                    </a:p>
-                  </a:txBody>
-                  <a:tcPr anchor="ctr"/>
-                </a:tc>
-                <a:extLst>
-                  <a:ext uri="{0D108BD9-81ED-4DB2-BD59-A6C34878D82A}">
-                    <a16:rowId xmlns:a16="http://schemas.microsoft.com/office/drawing/2014/main" val="3718898599"/>
                   </a:ext>
                 </a:extLst>
               </a:tr>
@@ -6271,6 +6253,431 @@
           </a:p>
         </p:txBody>
       </p:sp>
+      <p:sp>
+        <p:nvSpPr>
+          <p:cNvPr id="6" name="내용 개체 틀 2">
+            <a:extLst>
+              <a:ext uri="{FF2B5EF4-FFF2-40B4-BE49-F238E27FC236}">
+                <a16:creationId xmlns:a16="http://schemas.microsoft.com/office/drawing/2014/main" id="{99F5A4D6-4E36-496B-AF90-A8E05D7E7D4E}"/>
+              </a:ext>
+            </a:extLst>
+          </p:cNvPr>
+          <p:cNvSpPr txBox="1">
+            <a:spLocks/>
+          </p:cNvSpPr>
+          <p:nvPr/>
+        </p:nvSpPr>
+        <p:spPr>
+          <a:xfrm>
+            <a:off x="395536" y="3264569"/>
+            <a:ext cx="8352928" cy="3096035"/>
+          </a:xfrm>
+          <a:prstGeom prst="rect">
+            <a:avLst/>
+          </a:prstGeom>
+        </p:spPr>
+        <p:txBody>
+          <a:bodyPr vert="horz" lIns="91440" tIns="45720" rIns="91440" bIns="45720" rtlCol="0">
+            <a:noAutofit/>
+          </a:bodyPr>
+          <a:lstStyle>
+            <a:lvl1pPr marL="228600" indent="-228600" algn="l" defTabSz="914400" rtl="0" eaLnBrk="1" latinLnBrk="1" hangingPunct="1">
+              <a:lnSpc>
+                <a:spcPct val="120000"/>
+              </a:lnSpc>
+              <a:spcBef>
+                <a:spcPts val="1000"/>
+              </a:spcBef>
+              <a:buFont typeface="Arial" panose="020B0604020202020204" pitchFamily="34" charset="0"/>
+              <a:buChar char="•"/>
+              <a:defRPr sz="2400" kern="1200">
+                <a:solidFill>
+                  <a:schemeClr val="tx1"/>
+                </a:solidFill>
+                <a:latin typeface="+mn-lt"/>
+                <a:ea typeface="+mn-ea"/>
+                <a:cs typeface="+mn-cs"/>
+              </a:defRPr>
+            </a:lvl1pPr>
+            <a:lvl2pPr marL="685800" indent="-228600" algn="l" defTabSz="914400" rtl="0" eaLnBrk="1" latinLnBrk="1" hangingPunct="1">
+              <a:lnSpc>
+                <a:spcPct val="120000"/>
+              </a:lnSpc>
+              <a:spcBef>
+                <a:spcPts val="500"/>
+              </a:spcBef>
+              <a:buFont typeface="Arial" panose="020B0604020202020204" pitchFamily="34" charset="0"/>
+              <a:buChar char="•"/>
+              <a:defRPr sz="2000" kern="1200">
+                <a:solidFill>
+                  <a:schemeClr val="tx1"/>
+                </a:solidFill>
+                <a:latin typeface="+mn-lt"/>
+                <a:ea typeface="+mn-ea"/>
+                <a:cs typeface="+mn-cs"/>
+              </a:defRPr>
+            </a:lvl2pPr>
+            <a:lvl3pPr marL="1143000" indent="-228600" algn="l" defTabSz="914400" rtl="0" eaLnBrk="1" latinLnBrk="1" hangingPunct="1">
+              <a:lnSpc>
+                <a:spcPct val="120000"/>
+              </a:lnSpc>
+              <a:spcBef>
+                <a:spcPts val="500"/>
+              </a:spcBef>
+              <a:buFont typeface="Arial" panose="020B0604020202020204" pitchFamily="34" charset="0"/>
+              <a:buChar char="•"/>
+              <a:defRPr sz="1800" kern="1200">
+                <a:solidFill>
+                  <a:schemeClr val="tx1"/>
+                </a:solidFill>
+                <a:latin typeface="+mn-lt"/>
+                <a:ea typeface="+mn-ea"/>
+                <a:cs typeface="+mn-cs"/>
+              </a:defRPr>
+            </a:lvl3pPr>
+            <a:lvl4pPr marL="1600200" indent="-228600" algn="l" defTabSz="914400" rtl="0" eaLnBrk="1" latinLnBrk="1" hangingPunct="1">
+              <a:lnSpc>
+                <a:spcPct val="120000"/>
+              </a:lnSpc>
+              <a:spcBef>
+                <a:spcPts val="500"/>
+              </a:spcBef>
+              <a:buFont typeface="Arial" panose="020B0604020202020204" pitchFamily="34" charset="0"/>
+              <a:buChar char="•"/>
+              <a:defRPr sz="1600" kern="1200">
+                <a:solidFill>
+                  <a:schemeClr val="tx1"/>
+                </a:solidFill>
+                <a:latin typeface="+mn-lt"/>
+                <a:ea typeface="+mn-ea"/>
+                <a:cs typeface="+mn-cs"/>
+              </a:defRPr>
+            </a:lvl4pPr>
+            <a:lvl5pPr marL="2057400" indent="-228600" algn="l" defTabSz="914400" rtl="0" eaLnBrk="1" latinLnBrk="1" hangingPunct="1">
+              <a:lnSpc>
+                <a:spcPct val="120000"/>
+              </a:lnSpc>
+              <a:spcBef>
+                <a:spcPts val="500"/>
+              </a:spcBef>
+              <a:buFont typeface="Arial" panose="020B0604020202020204" pitchFamily="34" charset="0"/>
+              <a:buChar char="•"/>
+              <a:defRPr sz="1600" kern="1200">
+                <a:solidFill>
+                  <a:schemeClr val="tx1"/>
+                </a:solidFill>
+                <a:latin typeface="+mn-lt"/>
+                <a:ea typeface="+mn-ea"/>
+                <a:cs typeface="+mn-cs"/>
+              </a:defRPr>
+            </a:lvl5pPr>
+            <a:lvl6pPr marL="2514600" indent="-228600" algn="l" defTabSz="914400" rtl="0" eaLnBrk="1" latinLnBrk="1" hangingPunct="1">
+              <a:lnSpc>
+                <a:spcPct val="90000"/>
+              </a:lnSpc>
+              <a:spcBef>
+                <a:spcPts val="500"/>
+              </a:spcBef>
+              <a:buFont typeface="Arial" panose="020B0604020202020204" pitchFamily="34" charset="0"/>
+              <a:buChar char="•"/>
+              <a:defRPr sz="1800" kern="1200">
+                <a:solidFill>
+                  <a:schemeClr val="tx1"/>
+                </a:solidFill>
+                <a:latin typeface="+mn-lt"/>
+                <a:ea typeface="+mn-ea"/>
+                <a:cs typeface="+mn-cs"/>
+              </a:defRPr>
+            </a:lvl6pPr>
+            <a:lvl7pPr marL="2971800" indent="-228600" algn="l" defTabSz="914400" rtl="0" eaLnBrk="1" latinLnBrk="1" hangingPunct="1">
+              <a:lnSpc>
+                <a:spcPct val="90000"/>
+              </a:lnSpc>
+              <a:spcBef>
+                <a:spcPts val="500"/>
+              </a:spcBef>
+              <a:buFont typeface="Arial" panose="020B0604020202020204" pitchFamily="34" charset="0"/>
+              <a:buChar char="•"/>
+              <a:defRPr sz="1800" kern="1200">
+                <a:solidFill>
+                  <a:schemeClr val="tx1"/>
+                </a:solidFill>
+                <a:latin typeface="+mn-lt"/>
+                <a:ea typeface="+mn-ea"/>
+                <a:cs typeface="+mn-cs"/>
+              </a:defRPr>
+            </a:lvl7pPr>
+            <a:lvl8pPr marL="3429000" indent="-228600" algn="l" defTabSz="914400" rtl="0" eaLnBrk="1" latinLnBrk="1" hangingPunct="1">
+              <a:lnSpc>
+                <a:spcPct val="90000"/>
+              </a:lnSpc>
+              <a:spcBef>
+                <a:spcPts val="500"/>
+              </a:spcBef>
+              <a:buFont typeface="Arial" panose="020B0604020202020204" pitchFamily="34" charset="0"/>
+              <a:buChar char="•"/>
+              <a:defRPr sz="1800" kern="1200">
+                <a:solidFill>
+                  <a:schemeClr val="tx1"/>
+                </a:solidFill>
+                <a:latin typeface="+mn-lt"/>
+                <a:ea typeface="+mn-ea"/>
+                <a:cs typeface="+mn-cs"/>
+              </a:defRPr>
+            </a:lvl8pPr>
+            <a:lvl9pPr marL="3886200" indent="-228600" algn="l" defTabSz="914400" rtl="0" eaLnBrk="1" latinLnBrk="1" hangingPunct="1">
+              <a:lnSpc>
+                <a:spcPct val="90000"/>
+              </a:lnSpc>
+              <a:spcBef>
+                <a:spcPts val="500"/>
+              </a:spcBef>
+              <a:buFont typeface="Arial" panose="020B0604020202020204" pitchFamily="34" charset="0"/>
+              <a:buChar char="•"/>
+              <a:defRPr sz="1800" kern="1200">
+                <a:solidFill>
+                  <a:schemeClr val="tx1"/>
+                </a:solidFill>
+                <a:latin typeface="+mn-lt"/>
+                <a:ea typeface="+mn-ea"/>
+                <a:cs typeface="+mn-cs"/>
+              </a:defRPr>
+            </a:lvl9pPr>
+          </a:lstStyle>
+          <a:p>
+            <a:r>
+              <a:rPr lang="ko-KR" altLang="en-US" sz="2000" dirty="0"/>
+              <a:t>개인 과제 평가</a:t>
+            </a:r>
+            <a:endParaRPr lang="en-US" altLang="ko-KR" sz="2000" dirty="0"/>
+          </a:p>
+          <a:p>
+            <a:pPr lvl="1"/>
+            <a:r>
+              <a:rPr lang="ko-KR" altLang="en-US" b="1" dirty="0">
+                <a:solidFill>
+                  <a:srgbClr val="FF0000"/>
+                </a:solidFill>
+              </a:rPr>
+              <a:t>주안점</a:t>
+            </a:r>
+            <a:r>
+              <a:rPr lang="en-US" altLang="ko-KR" b="1" dirty="0">
+                <a:solidFill>
+                  <a:srgbClr val="FF0000"/>
+                </a:solidFill>
+              </a:rPr>
+              <a:t>: “</a:t>
+            </a:r>
+            <a:r>
+              <a:rPr lang="ko-KR" altLang="en-US" b="1" dirty="0">
+                <a:solidFill>
+                  <a:srgbClr val="FF0000"/>
+                </a:solidFill>
+              </a:rPr>
+              <a:t>수업 진도를 꾸준히</a:t>
+            </a:r>
+            <a:r>
+              <a:rPr lang="en-US" altLang="ko-KR" b="1" dirty="0">
+                <a:solidFill>
+                  <a:srgbClr val="FF0000"/>
+                </a:solidFill>
+              </a:rPr>
+              <a:t>,</a:t>
+            </a:r>
+            <a:r>
+              <a:rPr lang="ko-KR" altLang="en-US" b="1" dirty="0">
+                <a:solidFill>
+                  <a:srgbClr val="FF0000"/>
+                </a:solidFill>
+              </a:rPr>
+              <a:t> 열심히 따라올 것</a:t>
+            </a:r>
+            <a:r>
+              <a:rPr lang="en-US" altLang="ko-KR" b="1" dirty="0">
+                <a:solidFill>
+                  <a:srgbClr val="FF0000"/>
+                </a:solidFill>
+              </a:rPr>
+              <a:t>!!”</a:t>
+            </a:r>
+          </a:p>
+          <a:p>
+            <a:pPr lvl="1"/>
+            <a:r>
+              <a:rPr lang="ko-KR" altLang="en-US" sz="1800" dirty="0"/>
+              <a:t>제출</a:t>
+            </a:r>
+            <a:r>
+              <a:rPr lang="en-US" altLang="ko-KR" sz="1800" dirty="0"/>
+              <a:t>: LMS (</a:t>
+            </a:r>
+            <a:r>
+              <a:rPr lang="ko-KR" altLang="en-US" sz="1800" dirty="0" err="1"/>
+              <a:t>구버전</a:t>
+            </a:r>
+            <a:r>
+              <a:rPr lang="en-US" altLang="ko-KR" sz="1800" dirty="0"/>
+              <a:t>), </a:t>
+            </a:r>
+            <a:r>
+              <a:rPr lang="ko-KR" altLang="en-US" sz="1800" dirty="0"/>
+              <a:t>시간 체크는 </a:t>
+            </a:r>
+            <a:r>
+              <a:rPr lang="en-US" altLang="ko-KR" sz="1800" dirty="0"/>
+              <a:t>LMS </a:t>
+            </a:r>
+            <a:r>
+              <a:rPr lang="ko-KR" altLang="en-US" sz="1800" dirty="0"/>
+              <a:t>시간 기준</a:t>
+            </a:r>
+            <a:endParaRPr lang="en-US" altLang="ko-KR" sz="1800" dirty="0"/>
+          </a:p>
+          <a:p>
+            <a:pPr lvl="1"/>
+            <a:r>
+              <a:rPr lang="ko-KR" altLang="en-US" sz="1800" dirty="0"/>
+              <a:t>제출 기한</a:t>
+            </a:r>
+            <a:r>
+              <a:rPr lang="en-US" altLang="ko-KR" sz="1800" dirty="0"/>
+              <a:t>: </a:t>
+            </a:r>
+            <a:r>
+              <a:rPr lang="ko-KR" altLang="en-US" sz="1800" dirty="0"/>
+              <a:t>과제 제출 이후 </a:t>
+            </a:r>
+            <a:r>
+              <a:rPr lang="en-US" altLang="ko-KR" sz="1800" dirty="0"/>
+              <a:t>1</a:t>
+            </a:r>
+            <a:r>
+              <a:rPr lang="ko-KR" altLang="en-US" sz="1800" dirty="0"/>
+              <a:t>주일 </a:t>
+            </a:r>
+            <a:r>
+              <a:rPr lang="en-US" altLang="ko-KR" sz="1800" dirty="0"/>
+              <a:t>(</a:t>
+            </a:r>
+            <a:r>
+              <a:rPr lang="ko-KR" altLang="en-US" sz="1800" dirty="0"/>
+              <a:t>이후 제출 불가</a:t>
+            </a:r>
+            <a:r>
+              <a:rPr lang="en-US" altLang="ko-KR" sz="1800" dirty="0"/>
+              <a:t>)</a:t>
+            </a:r>
+          </a:p>
+          <a:p>
+            <a:pPr lvl="1"/>
+            <a:r>
+              <a:rPr lang="ko-KR" altLang="en-US" sz="1800" dirty="0"/>
+              <a:t>제출 기한 이후 감점 정책</a:t>
+            </a:r>
+            <a:r>
+              <a:rPr lang="en-US" altLang="ko-KR" sz="1800" dirty="0"/>
+              <a:t>: 12</a:t>
+            </a:r>
+            <a:r>
+              <a:rPr lang="ko-KR" altLang="en-US" sz="1800" dirty="0"/>
+              <a:t>시간 단위로 </a:t>
+            </a:r>
+            <a:r>
+              <a:rPr lang="en-US" altLang="ko-KR" sz="1800" dirty="0"/>
+              <a:t>5%p </a:t>
+            </a:r>
+            <a:r>
+              <a:rPr lang="ko-KR" altLang="en-US" sz="1800" dirty="0"/>
+              <a:t>씩 감점</a:t>
+            </a:r>
+            <a:endParaRPr lang="en-US" altLang="ko-KR" sz="1800" dirty="0"/>
+          </a:p>
+          <a:p>
+            <a:pPr lvl="2"/>
+            <a:r>
+              <a:rPr lang="ko-KR" altLang="en-US" sz="1600" dirty="0"/>
+              <a:t>예</a:t>
+            </a:r>
+            <a:r>
+              <a:rPr lang="en-US" altLang="ko-KR" sz="1600" dirty="0"/>
+              <a:t>) </a:t>
+            </a:r>
+            <a:r>
+              <a:rPr lang="ko-KR" altLang="en-US" sz="1600" dirty="0"/>
+              <a:t>만점 </a:t>
+            </a:r>
+            <a:r>
+              <a:rPr lang="en-US" altLang="ko-KR" sz="1600" dirty="0"/>
+              <a:t>10</a:t>
+            </a:r>
+            <a:r>
+              <a:rPr lang="ko-KR" altLang="en-US" sz="1600" dirty="0"/>
+              <a:t>점 과제의 경우</a:t>
+            </a:r>
+            <a:r>
+              <a:rPr lang="en-US" altLang="ko-KR" sz="1600" dirty="0"/>
+              <a:t>, </a:t>
+            </a:r>
+            <a:r>
+              <a:rPr lang="ko-KR" altLang="en-US" sz="1600" dirty="0"/>
+              <a:t>동일한 기준으로 채점 진행 후</a:t>
+            </a:r>
+            <a:r>
+              <a:rPr lang="en-US" altLang="ko-KR" sz="1600" dirty="0"/>
+              <a:t>, </a:t>
+            </a:r>
+          </a:p>
+          <a:p>
+            <a:pPr lvl="2"/>
+            <a:r>
+              <a:rPr lang="en-US" altLang="ko-KR" sz="1600" dirty="0"/>
+              <a:t>1</a:t>
+            </a:r>
+            <a:r>
+              <a:rPr lang="ko-KR" altLang="en-US" sz="1600" dirty="0"/>
+              <a:t>분 지각</a:t>
+            </a:r>
+            <a:r>
+              <a:rPr lang="en-US" altLang="ko-KR" sz="1600" dirty="0"/>
+              <a:t>: 0.5</a:t>
+            </a:r>
+            <a:r>
+              <a:rPr lang="ko-KR" altLang="en-US" sz="1600" dirty="0"/>
+              <a:t>점 감점</a:t>
+            </a:r>
+            <a:endParaRPr lang="en-US" altLang="ko-KR" sz="1600" dirty="0"/>
+          </a:p>
+          <a:p>
+            <a:pPr lvl="2"/>
+            <a:r>
+              <a:rPr lang="en-US" altLang="ko-KR" sz="1600" dirty="0"/>
+              <a:t>12</a:t>
+            </a:r>
+            <a:r>
+              <a:rPr lang="ko-KR" altLang="en-US" sz="1600" dirty="0"/>
+              <a:t>시간 </a:t>
+            </a:r>
+            <a:r>
+              <a:rPr lang="en-US" altLang="ko-KR" sz="1600" dirty="0"/>
+              <a:t>10</a:t>
+            </a:r>
+            <a:r>
+              <a:rPr lang="ko-KR" altLang="en-US" sz="1600" dirty="0"/>
+              <a:t>분 지각</a:t>
+            </a:r>
+            <a:r>
+              <a:rPr lang="en-US" altLang="ko-KR" sz="1600" dirty="0"/>
+              <a:t>: 1</a:t>
+            </a:r>
+            <a:r>
+              <a:rPr lang="ko-KR" altLang="en-US" sz="1600" dirty="0"/>
+              <a:t>점 감점</a:t>
+            </a:r>
+            <a:endParaRPr lang="en-US" altLang="ko-KR" sz="1600" dirty="0"/>
+          </a:p>
+        </p:txBody>
+      </p:sp>
     </p:spTree>
     <p:extLst>
       <p:ext uri="{BB962C8B-B14F-4D97-AF65-F5344CB8AC3E}">
@@ -6331,6 +6738,11 @@
           </p:cNvGraphicFramePr>
           <p:nvPr>
             <p:ph idx="1"/>
+            <p:extLst>
+              <p:ext uri="{D42A27DB-BD31-4B8C-83A1-F6EECF244321}">
+                <p14:modId xmlns:p14="http://schemas.microsoft.com/office/powerpoint/2010/main" val="667102816"/>
+              </p:ext>
+            </p:extLst>
           </p:nvPr>
         </p:nvGraphicFramePr>
         <p:xfrm>
@@ -7985,154 +8397,2422 @@
         </p:nvSpPr>
         <p:spPr/>
         <p:txBody>
-          <a:bodyPr>
-            <a:normAutofit/>
-          </a:bodyPr>
+          <a:bodyPr/>
           <a:lstStyle/>
           <a:p>
             <a:r>
               <a:rPr lang="ko-KR" altLang="en-US" dirty="0"/>
-              <a:t>강의 공지 및 자료</a:t>
+              <a:t>강의 일정</a:t>
             </a:r>
           </a:p>
         </p:txBody>
       </p:sp>
+      <p:graphicFrame>
+        <p:nvGraphicFramePr>
+          <p:cNvPr id="4" name="내용 개체 틀 3"/>
+          <p:cNvGraphicFramePr>
+            <a:graphicFrameLocks noGrp="1"/>
+          </p:cNvGraphicFramePr>
+          <p:nvPr>
+            <p:ph idx="1"/>
+            <p:extLst>
+              <p:ext uri="{D42A27DB-BD31-4B8C-83A1-F6EECF244321}">
+                <p14:modId xmlns:p14="http://schemas.microsoft.com/office/powerpoint/2010/main" val="555911398"/>
+              </p:ext>
+            </p:extLst>
+          </p:nvPr>
+        </p:nvGraphicFramePr>
+        <p:xfrm>
+          <a:off x="387405" y="1078658"/>
+          <a:ext cx="8353426" cy="5236400"/>
+        </p:xfrm>
+        <a:graphic>
+          <a:graphicData uri="http://schemas.openxmlformats.org/drawingml/2006/table">
+            <a:tbl>
+              <a:tblPr firstRow="1" bandRow="1">
+                <a:tableStyleId>{5C22544A-7EE6-4342-B048-85BDC9FD1C3A}</a:tableStyleId>
+              </a:tblPr>
+              <a:tblGrid>
+                <a:gridCol w="794719">
+                  <a:extLst>
+                    <a:ext uri="{9D8B030D-6E8A-4147-A177-3AD203B41FA5}">
+                      <a16:colId xmlns:a16="http://schemas.microsoft.com/office/drawing/2014/main" val="4079619587"/>
+                    </a:ext>
+                  </a:extLst>
+                </a:gridCol>
+                <a:gridCol w="2519569">
+                  <a:extLst>
+                    <a:ext uri="{9D8B030D-6E8A-4147-A177-3AD203B41FA5}">
+                      <a16:colId xmlns:a16="http://schemas.microsoft.com/office/drawing/2014/main" val="2625429840"/>
+                    </a:ext>
+                  </a:extLst>
+                </a:gridCol>
+                <a:gridCol w="2519569">
+                  <a:extLst>
+                    <a:ext uri="{9D8B030D-6E8A-4147-A177-3AD203B41FA5}">
+                      <a16:colId xmlns:a16="http://schemas.microsoft.com/office/drawing/2014/main" val="1599299322"/>
+                    </a:ext>
+                  </a:extLst>
+                </a:gridCol>
+                <a:gridCol w="2519569">
+                  <a:extLst>
+                    <a:ext uri="{9D8B030D-6E8A-4147-A177-3AD203B41FA5}">
+                      <a16:colId xmlns:a16="http://schemas.microsoft.com/office/drawing/2014/main" val="724868072"/>
+                    </a:ext>
+                  </a:extLst>
+                </a:gridCol>
+              </a:tblGrid>
+              <a:tr h="361775">
+                <a:tc>
+                  <a:txBody>
+                    <a:bodyPr/>
+                    <a:lstStyle/>
+                    <a:p>
+                      <a:pPr algn="ctr" latinLnBrk="1"/>
+                      <a:r>
+                        <a:rPr lang="ko-KR" altLang="en-US" sz="1400" dirty="0"/>
+                        <a:t>주차</a:t>
+                      </a:r>
+                    </a:p>
+                  </a:txBody>
+                  <a:tcPr anchor="ctr"/>
+                </a:tc>
+                <a:tc>
+                  <a:txBody>
+                    <a:bodyPr/>
+                    <a:lstStyle/>
+                    <a:p>
+                      <a:pPr algn="ctr" latinLnBrk="1"/>
+                      <a:r>
+                        <a:rPr lang="ko-KR" altLang="en-US" sz="1400" dirty="0"/>
+                        <a:t>월 </a:t>
+                      </a:r>
+                      <a:r>
+                        <a:rPr lang="en-US" altLang="ko-KR" sz="1400" dirty="0"/>
+                        <a:t>(100</a:t>
+                      </a:r>
+                      <a:r>
+                        <a:rPr lang="ko-KR" altLang="en-US" sz="1400" dirty="0"/>
+                        <a:t>분</a:t>
+                      </a:r>
+                      <a:r>
+                        <a:rPr lang="en-US" altLang="ko-KR" sz="1400" dirty="0"/>
+                        <a:t>)</a:t>
+                      </a:r>
+                      <a:endParaRPr lang="ko-KR" altLang="en-US" sz="1400" dirty="0"/>
+                    </a:p>
+                  </a:txBody>
+                  <a:tcPr anchor="ctr"/>
+                </a:tc>
+                <a:tc>
+                  <a:txBody>
+                    <a:bodyPr/>
+                    <a:lstStyle/>
+                    <a:p>
+                      <a:pPr algn="ctr" latinLnBrk="1"/>
+                      <a:r>
+                        <a:rPr lang="ko-KR" altLang="en-US" sz="1400" dirty="0"/>
+                        <a:t>수 </a:t>
+                      </a:r>
+                      <a:r>
+                        <a:rPr lang="en-US" altLang="ko-KR" sz="1400" dirty="0"/>
+                        <a:t>(50</a:t>
+                      </a:r>
+                      <a:r>
+                        <a:rPr lang="ko-KR" altLang="en-US" sz="1400" dirty="0"/>
+                        <a:t>분</a:t>
+                      </a:r>
+                      <a:r>
+                        <a:rPr lang="en-US" altLang="ko-KR" sz="1400" dirty="0"/>
+                        <a:t>)</a:t>
+                      </a:r>
+                      <a:endParaRPr lang="ko-KR" altLang="en-US" sz="1400" dirty="0"/>
+                    </a:p>
+                  </a:txBody>
+                  <a:tcPr anchor="ctr"/>
+                </a:tc>
+                <a:tc>
+                  <a:txBody>
+                    <a:bodyPr/>
+                    <a:lstStyle/>
+                    <a:p>
+                      <a:pPr algn="ctr" latinLnBrk="1"/>
+                      <a:r>
+                        <a:rPr lang="ko-KR" altLang="en-US" sz="1400" dirty="0"/>
+                        <a:t>과제</a:t>
+                      </a:r>
+                    </a:p>
+                  </a:txBody>
+                  <a:tcPr anchor="ctr"/>
+                </a:tc>
+                <a:extLst>
+                  <a:ext uri="{0D108BD9-81ED-4DB2-BD59-A6C34878D82A}">
+                    <a16:rowId xmlns:a16="http://schemas.microsoft.com/office/drawing/2014/main" val="276385721"/>
+                  </a:ext>
+                </a:extLst>
+              </a:tr>
+              <a:tr h="316051">
+                <a:tc>
+                  <a:txBody>
+                    <a:bodyPr/>
+                    <a:lstStyle/>
+                    <a:p>
+                      <a:pPr algn="r" fontAlgn="ctr"/>
+                      <a:r>
+                        <a:rPr lang="en-US" altLang="ko-KR" sz="1100" b="0" i="0" u="none" strike="noStrike" dirty="0">
+                          <a:solidFill>
+                            <a:srgbClr val="000000"/>
+                          </a:solidFill>
+                          <a:effectLst/>
+                          <a:latin typeface="맑은 고딕" panose="020B0503020000020004" pitchFamily="50" charset="-127"/>
+                          <a:ea typeface="맑은 고딕" panose="020B0503020000020004" pitchFamily="50" charset="-127"/>
+                        </a:rPr>
+                        <a:t>1 (8/31)</a:t>
+                      </a:r>
+                    </a:p>
+                  </a:txBody>
+                  <a:tcPr marL="9525" marR="9525" marT="9525" marB="0" anchor="ctr"/>
+                </a:tc>
+                <a:tc>
+                  <a:txBody>
+                    <a:bodyPr/>
+                    <a:lstStyle/>
+                    <a:p>
+                      <a:pPr algn="ctr" fontAlgn="ctr"/>
+                      <a:r>
+                        <a:rPr lang="en-US" sz="1100" b="0" i="0" u="none" strike="noStrike" dirty="0">
+                          <a:solidFill>
+                            <a:srgbClr val="000000"/>
+                          </a:solidFill>
+                          <a:effectLst/>
+                          <a:latin typeface="맑은 고딕" panose="020B0503020000020004" pitchFamily="50" charset="-127"/>
+                          <a:ea typeface="맑은 고딕" panose="020B0503020000020004" pitchFamily="50" charset="-127"/>
+                        </a:rPr>
+                        <a:t>-</a:t>
+                      </a:r>
+                    </a:p>
+                  </a:txBody>
+                  <a:tcPr marL="9525" marR="9525" marT="9525" marB="0" anchor="ctr"/>
+                </a:tc>
+                <a:tc>
+                  <a:txBody>
+                    <a:bodyPr/>
+                    <a:lstStyle/>
+                    <a:p>
+                      <a:pPr algn="ctr" fontAlgn="ctr"/>
+                      <a:r>
+                        <a:rPr lang="en-US" altLang="ko-KR" sz="1100" b="0" i="0" u="none" strike="noStrike" dirty="0">
+                          <a:solidFill>
+                            <a:srgbClr val="000000"/>
+                          </a:solidFill>
+                          <a:effectLst/>
+                          <a:latin typeface="맑은 고딕" panose="020B0503020000020004" pitchFamily="50" charset="-127"/>
+                          <a:ea typeface="맑은 고딕" panose="020B0503020000020004" pitchFamily="50" charset="-127"/>
+                        </a:rPr>
+                        <a:t>Introduction</a:t>
+                      </a:r>
+                    </a:p>
+                  </a:txBody>
+                  <a:tcPr marL="9525" marR="9525" marT="9525" marB="0" anchor="ctr"/>
+                </a:tc>
+                <a:tc>
+                  <a:txBody>
+                    <a:bodyPr/>
+                    <a:lstStyle/>
+                    <a:p>
+                      <a:pPr algn="ctr" fontAlgn="ctr"/>
+                      <a:r>
+                        <a:rPr lang="en-US" altLang="ko-KR" sz="1100" b="0" i="0" u="none" strike="noStrike" dirty="0">
+                          <a:solidFill>
+                            <a:srgbClr val="000000"/>
+                          </a:solidFill>
+                          <a:effectLst/>
+                          <a:latin typeface="맑은 고딕" panose="020B0503020000020004" pitchFamily="50" charset="-127"/>
+                          <a:ea typeface="맑은 고딕" panose="020B0503020000020004" pitchFamily="50" charset="-127"/>
+                        </a:rPr>
+                        <a:t>-</a:t>
+                      </a:r>
+                    </a:p>
+                  </a:txBody>
+                  <a:tcPr marL="9525" marR="9525" marT="9525" marB="0" anchor="ctr"/>
+                </a:tc>
+                <a:extLst>
+                  <a:ext uri="{0D108BD9-81ED-4DB2-BD59-A6C34878D82A}">
+                    <a16:rowId xmlns:a16="http://schemas.microsoft.com/office/drawing/2014/main" val="475938863"/>
+                  </a:ext>
+                </a:extLst>
+              </a:tr>
+              <a:tr h="316051">
+                <a:tc>
+                  <a:txBody>
+                    <a:bodyPr/>
+                    <a:lstStyle/>
+                    <a:p>
+                      <a:pPr algn="r" fontAlgn="ctr"/>
+                      <a:r>
+                        <a:rPr lang="en-US" altLang="ko-KR" sz="1100" b="0" i="0" u="none" strike="noStrike" dirty="0">
+                          <a:solidFill>
+                            <a:srgbClr val="000000"/>
+                          </a:solidFill>
+                          <a:effectLst/>
+                          <a:latin typeface="맑은 고딕" panose="020B0503020000020004" pitchFamily="50" charset="-127"/>
+                          <a:ea typeface="맑은 고딕" panose="020B0503020000020004" pitchFamily="50" charset="-127"/>
+                        </a:rPr>
+                        <a:t>2 (9/7)</a:t>
+                      </a:r>
+                    </a:p>
+                  </a:txBody>
+                  <a:tcPr marL="9525" marR="9525" marT="9525" marB="0" anchor="ctr"/>
+                </a:tc>
+                <a:tc>
+                  <a:txBody>
+                    <a:bodyPr/>
+                    <a:lstStyle/>
+                    <a:p>
+                      <a:pPr algn="ctr" fontAlgn="ctr"/>
+                      <a:r>
+                        <a:rPr lang="ko-KR" altLang="en-US" sz="1100" b="0" i="0" u="none" strike="noStrike" dirty="0">
+                          <a:solidFill>
+                            <a:srgbClr val="000000"/>
+                          </a:solidFill>
+                          <a:effectLst/>
+                          <a:latin typeface="맑은 고딕" panose="020B0503020000020004" pitchFamily="50" charset="-127"/>
+                          <a:ea typeface="+mn-ea"/>
+                        </a:rPr>
+                        <a:t>오픈소스 </a:t>
+                      </a:r>
+                      <a:r>
+                        <a:rPr lang="en-US" altLang="ko-KR" sz="1100" b="0" i="0" u="none" strike="noStrike" dirty="0">
+                          <a:solidFill>
+                            <a:srgbClr val="000000"/>
+                          </a:solidFill>
+                          <a:effectLst/>
+                          <a:latin typeface="맑은 고딕" panose="020B0503020000020004" pitchFamily="50" charset="-127"/>
+                          <a:ea typeface="+mn-ea"/>
+                        </a:rPr>
+                        <a:t>SW</a:t>
+                      </a:r>
+                      <a:r>
+                        <a:rPr lang="ko-KR" altLang="en-US" sz="1100" b="0" i="0" u="none" strike="noStrike" dirty="0">
+                          <a:solidFill>
+                            <a:srgbClr val="000000"/>
+                          </a:solidFill>
+                          <a:effectLst/>
+                          <a:latin typeface="맑은 고딕" panose="020B0503020000020004" pitchFamily="50" charset="-127"/>
+                          <a:ea typeface="+mn-ea"/>
+                        </a:rPr>
+                        <a:t> 개요</a:t>
+                      </a:r>
+                      <a:endParaRPr lang="en-US" altLang="ko-KR" sz="1100" b="0" i="0" u="none" strike="noStrike" dirty="0">
+                        <a:solidFill>
+                          <a:srgbClr val="000000"/>
+                        </a:solidFill>
+                        <a:effectLst/>
+                        <a:latin typeface="맑은 고딕" panose="020B0503020000020004" pitchFamily="50" charset="-127"/>
+                        <a:ea typeface="+mn-ea"/>
+                      </a:endParaRPr>
+                    </a:p>
+                  </a:txBody>
+                  <a:tcPr marL="9525" marR="9525" marT="9525" marB="0" anchor="ctr"/>
+                </a:tc>
+                <a:tc>
+                  <a:txBody>
+                    <a:bodyPr/>
+                    <a:lstStyle/>
+                    <a:p>
+                      <a:pPr algn="ctr" fontAlgn="ctr"/>
+                      <a:r>
+                        <a:rPr lang="ko-KR" altLang="en-US" sz="1100" b="0" i="0" u="none" strike="noStrike" dirty="0">
+                          <a:solidFill>
+                            <a:srgbClr val="000000"/>
+                          </a:solidFill>
+                          <a:effectLst/>
+                          <a:latin typeface="맑은 고딕" panose="020B0503020000020004" pitchFamily="50" charset="-127"/>
+                          <a:ea typeface="+mn-ea"/>
+                        </a:rPr>
+                        <a:t>오픈소스 </a:t>
+                      </a:r>
+                      <a:r>
+                        <a:rPr lang="en-US" altLang="ko-KR" sz="1100" b="0" i="0" u="none" strike="noStrike" dirty="0">
+                          <a:solidFill>
+                            <a:srgbClr val="000000"/>
+                          </a:solidFill>
+                          <a:effectLst/>
+                          <a:latin typeface="맑은 고딕" panose="020B0503020000020004" pitchFamily="50" charset="-127"/>
+                          <a:ea typeface="+mn-ea"/>
+                        </a:rPr>
+                        <a:t>SW </a:t>
+                      </a:r>
+                      <a:r>
+                        <a:rPr lang="ko-KR" altLang="en-US" sz="1100" b="0" i="0" u="none" strike="noStrike" dirty="0">
+                          <a:solidFill>
+                            <a:srgbClr val="000000"/>
+                          </a:solidFill>
+                          <a:effectLst/>
+                          <a:latin typeface="맑은 고딕" panose="020B0503020000020004" pitchFamily="50" charset="-127"/>
+                          <a:ea typeface="+mn-ea"/>
+                        </a:rPr>
+                        <a:t>개발 방법</a:t>
+                      </a:r>
+                      <a:endParaRPr lang="en-US" altLang="ko-KR" sz="1100" b="0" i="0" u="none" strike="noStrike" dirty="0">
+                        <a:solidFill>
+                          <a:srgbClr val="000000"/>
+                        </a:solidFill>
+                        <a:effectLst/>
+                        <a:latin typeface="맑은 고딕" panose="020B0503020000020004" pitchFamily="50" charset="-127"/>
+                        <a:ea typeface="+mn-ea"/>
+                      </a:endParaRPr>
+                    </a:p>
+                  </a:txBody>
+                  <a:tcPr marL="9525" marR="9525" marT="9525" marB="0" anchor="ctr"/>
+                </a:tc>
+                <a:tc>
+                  <a:txBody>
+                    <a:bodyPr/>
+                    <a:lstStyle/>
+                    <a:p>
+                      <a:pPr marL="0" marR="0" lvl="0" indent="0" algn="ctr" defTabSz="914400" rtl="0" eaLnBrk="1" fontAlgn="ctr" latinLnBrk="1" hangingPunct="1">
+                        <a:lnSpc>
+                          <a:spcPct val="100000"/>
+                        </a:lnSpc>
+                        <a:spcBef>
+                          <a:spcPts val="0"/>
+                        </a:spcBef>
+                        <a:spcAft>
+                          <a:spcPts val="0"/>
+                        </a:spcAft>
+                        <a:buClrTx/>
+                        <a:buSzTx/>
+                        <a:buFontTx/>
+                        <a:buNone/>
+                        <a:tabLst/>
+                        <a:defRPr/>
+                      </a:pPr>
+                      <a:r>
+                        <a:rPr lang="en-US" altLang="ko-KR" sz="1100" b="0" i="0" u="none" strike="noStrike" dirty="0">
+                          <a:solidFill>
+                            <a:schemeClr val="tx1"/>
+                          </a:solidFill>
+                          <a:effectLst/>
+                          <a:latin typeface="맑은 고딕" panose="020B0503020000020004" pitchFamily="50" charset="-127"/>
+                          <a:ea typeface="+mn-ea"/>
+                        </a:rPr>
+                        <a:t>-</a:t>
+                      </a:r>
+                      <a:endParaRPr lang="ko-KR" altLang="en-US" sz="1100" b="0" i="0" u="none" strike="noStrike" dirty="0">
+                        <a:solidFill>
+                          <a:schemeClr val="tx1"/>
+                        </a:solidFill>
+                        <a:effectLst/>
+                        <a:latin typeface="맑은 고딕" panose="020B0503020000020004" pitchFamily="50" charset="-127"/>
+                        <a:ea typeface="+mn-ea"/>
+                      </a:endParaRPr>
+                    </a:p>
+                  </a:txBody>
+                  <a:tcPr marL="9525" marR="9525" marT="9525" marB="0" anchor="ctr"/>
+                </a:tc>
+                <a:extLst>
+                  <a:ext uri="{0D108BD9-81ED-4DB2-BD59-A6C34878D82A}">
+                    <a16:rowId xmlns:a16="http://schemas.microsoft.com/office/drawing/2014/main" val="2700577287"/>
+                  </a:ext>
+                </a:extLst>
+              </a:tr>
+              <a:tr h="316051">
+                <a:tc>
+                  <a:txBody>
+                    <a:bodyPr/>
+                    <a:lstStyle/>
+                    <a:p>
+                      <a:pPr algn="r" fontAlgn="ctr"/>
+                      <a:r>
+                        <a:rPr lang="en-US" altLang="ko-KR" sz="1100" b="0" i="0" u="none" strike="noStrike" dirty="0">
+                          <a:solidFill>
+                            <a:srgbClr val="000000"/>
+                          </a:solidFill>
+                          <a:effectLst/>
+                          <a:latin typeface="맑은 고딕" panose="020B0503020000020004" pitchFamily="50" charset="-127"/>
+                          <a:ea typeface="맑은 고딕" panose="020B0503020000020004" pitchFamily="50" charset="-127"/>
+                        </a:rPr>
+                        <a:t>3 (9/14)</a:t>
+                      </a:r>
+                    </a:p>
+                  </a:txBody>
+                  <a:tcPr marL="9525" marR="9525" marT="9525" marB="0" anchor="ctr"/>
+                </a:tc>
+                <a:tc>
+                  <a:txBody>
+                    <a:bodyPr/>
+                    <a:lstStyle/>
+                    <a:p>
+                      <a:pPr algn="ctr" fontAlgn="ctr"/>
+                      <a:r>
+                        <a:rPr lang="ko-KR" altLang="en-US" sz="1100" b="0" i="0" u="none" strike="noStrike" dirty="0">
+                          <a:solidFill>
+                            <a:srgbClr val="000000"/>
+                          </a:solidFill>
+                          <a:effectLst/>
+                          <a:latin typeface="맑은 고딕" panose="020B0503020000020004" pitchFamily="50" charset="-127"/>
+                          <a:ea typeface="+mn-ea"/>
+                        </a:rPr>
+                        <a:t>오픈소스 커뮤니티</a:t>
+                      </a:r>
+                      <a:endParaRPr lang="en-US" altLang="ko-KR" sz="1100" b="0" i="0" u="none" strike="noStrike" dirty="0">
+                        <a:solidFill>
+                          <a:srgbClr val="000000"/>
+                        </a:solidFill>
+                        <a:effectLst/>
+                        <a:latin typeface="맑은 고딕" panose="020B0503020000020004" pitchFamily="50" charset="-127"/>
+                        <a:ea typeface="+mn-ea"/>
+                      </a:endParaRPr>
+                    </a:p>
+                  </a:txBody>
+                  <a:tcPr marL="9525" marR="9525" marT="9525" marB="0" anchor="ctr"/>
+                </a:tc>
+                <a:tc>
+                  <a:txBody>
+                    <a:bodyPr/>
+                    <a:lstStyle/>
+                    <a:p>
+                      <a:pPr algn="ctr" fontAlgn="ctr"/>
+                      <a:r>
+                        <a:rPr lang="ko-KR" altLang="en-US" sz="1100" b="0" i="0" u="none" strike="noStrike" dirty="0">
+                          <a:solidFill>
+                            <a:srgbClr val="000000"/>
+                          </a:solidFill>
+                          <a:effectLst/>
+                          <a:latin typeface="맑은 고딕" panose="020B0503020000020004" pitchFamily="50" charset="-127"/>
+                          <a:ea typeface="+mn-ea"/>
+                        </a:rPr>
+                        <a:t>오픈소스 라이선스</a:t>
+                      </a:r>
+                    </a:p>
+                  </a:txBody>
+                  <a:tcPr marL="9525" marR="9525" marT="9525" marB="0" anchor="ctr"/>
+                </a:tc>
+                <a:tc>
+                  <a:txBody>
+                    <a:bodyPr/>
+                    <a:lstStyle/>
+                    <a:p>
+                      <a:pPr marL="0" marR="0" lvl="0" indent="0" algn="ctr" defTabSz="914400" rtl="0" eaLnBrk="1" fontAlgn="ctr" latinLnBrk="1" hangingPunct="1">
+                        <a:lnSpc>
+                          <a:spcPct val="100000"/>
+                        </a:lnSpc>
+                        <a:spcBef>
+                          <a:spcPts val="0"/>
+                        </a:spcBef>
+                        <a:spcAft>
+                          <a:spcPts val="0"/>
+                        </a:spcAft>
+                        <a:buClrTx/>
+                        <a:buSzTx/>
+                        <a:buFontTx/>
+                        <a:buNone/>
+                        <a:tabLst/>
+                        <a:defRPr/>
+                      </a:pPr>
+                      <a:r>
+                        <a:rPr lang="ko-KR" altLang="en-US" sz="1100" b="1" i="0" u="none" strike="noStrike" dirty="0">
+                          <a:solidFill>
+                            <a:schemeClr val="tx1"/>
+                          </a:solidFill>
+                          <a:effectLst/>
+                          <a:latin typeface="맑은 고딕" panose="020B0503020000020004" pitchFamily="50" charset="-127"/>
+                          <a:ea typeface="+mn-ea"/>
+                        </a:rPr>
+                        <a:t>개인과제 </a:t>
+                      </a:r>
+                      <a:r>
+                        <a:rPr lang="en-US" altLang="ko-KR" sz="1100" b="1" i="0" u="none" strike="noStrike" dirty="0">
+                          <a:solidFill>
+                            <a:schemeClr val="tx1"/>
+                          </a:solidFill>
+                          <a:effectLst/>
+                          <a:latin typeface="맑은 고딕" panose="020B0503020000020004" pitchFamily="50" charset="-127"/>
+                          <a:ea typeface="+mn-ea"/>
+                        </a:rPr>
+                        <a:t>1</a:t>
+                      </a:r>
+                      <a:endParaRPr lang="ko-KR" altLang="en-US" sz="1100" b="1" i="0" u="none" strike="noStrike" dirty="0">
+                        <a:solidFill>
+                          <a:schemeClr val="tx1"/>
+                        </a:solidFill>
+                        <a:effectLst/>
+                        <a:latin typeface="맑은 고딕" panose="020B0503020000020004" pitchFamily="50" charset="-127"/>
+                        <a:ea typeface="+mn-ea"/>
+                      </a:endParaRPr>
+                    </a:p>
+                  </a:txBody>
+                  <a:tcPr marL="9525" marR="9525" marT="9525" marB="0" anchor="ctr"/>
+                </a:tc>
+                <a:extLst>
+                  <a:ext uri="{0D108BD9-81ED-4DB2-BD59-A6C34878D82A}">
+                    <a16:rowId xmlns:a16="http://schemas.microsoft.com/office/drawing/2014/main" val="4062224445"/>
+                  </a:ext>
+                </a:extLst>
+              </a:tr>
+              <a:tr h="316051">
+                <a:tc>
+                  <a:txBody>
+                    <a:bodyPr/>
+                    <a:lstStyle/>
+                    <a:p>
+                      <a:pPr algn="r" fontAlgn="ctr"/>
+                      <a:r>
+                        <a:rPr lang="en-US" altLang="ko-KR" sz="1100" b="0" i="0" u="none" strike="noStrike" dirty="0">
+                          <a:solidFill>
+                            <a:srgbClr val="000000"/>
+                          </a:solidFill>
+                          <a:effectLst/>
+                          <a:latin typeface="맑은 고딕" panose="020B0503020000020004" pitchFamily="50" charset="-127"/>
+                          <a:ea typeface="맑은 고딕" panose="020B0503020000020004" pitchFamily="50" charset="-127"/>
+                        </a:rPr>
+                        <a:t>4 (9/21)</a:t>
+                      </a:r>
+                    </a:p>
+                  </a:txBody>
+                  <a:tcPr marL="9525" marR="9525" marT="9525" marB="0" anchor="ctr"/>
+                </a:tc>
+                <a:tc>
+                  <a:txBody>
+                    <a:bodyPr/>
+                    <a:lstStyle/>
+                    <a:p>
+                      <a:pPr algn="ctr" fontAlgn="ctr"/>
+                      <a:r>
+                        <a:rPr lang="ko-KR" altLang="en-US" sz="1100" b="0" i="0" u="none" strike="noStrike" dirty="0">
+                          <a:solidFill>
+                            <a:srgbClr val="000000"/>
+                          </a:solidFill>
+                          <a:effectLst/>
+                          <a:latin typeface="맑은 고딕" panose="020B0503020000020004" pitchFamily="50" charset="-127"/>
+                          <a:ea typeface="맑은 고딕" panose="020B0503020000020004" pitchFamily="50" charset="-127"/>
+                        </a:rPr>
+                        <a:t>버전 관리 도구 </a:t>
+                      </a:r>
+                      <a:r>
+                        <a:rPr lang="en-US" altLang="ko-KR" sz="1100" b="0" i="0" u="none" strike="noStrike" dirty="0">
+                          <a:solidFill>
+                            <a:srgbClr val="000000"/>
+                          </a:solidFill>
+                          <a:effectLst/>
+                          <a:latin typeface="맑은 고딕" panose="020B0503020000020004" pitchFamily="50" charset="-127"/>
+                          <a:ea typeface="맑은 고딕" panose="020B0503020000020004" pitchFamily="50" charset="-127"/>
+                        </a:rPr>
+                        <a:t>Git</a:t>
+                      </a:r>
+                      <a:r>
+                        <a:rPr lang="ko-KR" altLang="en-US" sz="1100" b="0" i="0" u="none" strike="noStrike" dirty="0">
+                          <a:solidFill>
+                            <a:srgbClr val="000000"/>
+                          </a:solidFill>
+                          <a:effectLst/>
+                          <a:latin typeface="맑은 고딕" panose="020B0503020000020004" pitchFamily="50" charset="-127"/>
+                          <a:ea typeface="맑은 고딕" panose="020B0503020000020004" pitchFamily="50" charset="-127"/>
+                        </a:rPr>
+                        <a:t> </a:t>
+                      </a:r>
+                      <a:r>
+                        <a:rPr lang="en-US" altLang="ko-KR" sz="1100" b="0" i="0" u="none" strike="noStrike" dirty="0">
+                          <a:solidFill>
+                            <a:srgbClr val="000000"/>
+                          </a:solidFill>
+                          <a:effectLst/>
+                          <a:latin typeface="맑은 고딕" panose="020B0503020000020004" pitchFamily="50" charset="-127"/>
+                          <a:ea typeface="맑은 고딕" panose="020B0503020000020004" pitchFamily="50" charset="-127"/>
+                        </a:rPr>
+                        <a:t>1</a:t>
+                      </a:r>
+                    </a:p>
+                  </a:txBody>
+                  <a:tcPr marL="9525" marR="9525" marT="9525" marB="0" anchor="ctr"/>
+                </a:tc>
+                <a:tc>
+                  <a:txBody>
+                    <a:bodyPr/>
+                    <a:lstStyle/>
+                    <a:p>
+                      <a:pPr algn="ctr" fontAlgn="ctr"/>
+                      <a:r>
+                        <a:rPr lang="ko-KR" altLang="en-US" sz="1100" b="0" i="0" u="none" strike="noStrike" dirty="0">
+                          <a:solidFill>
+                            <a:srgbClr val="000000"/>
+                          </a:solidFill>
+                          <a:effectLst/>
+                          <a:latin typeface="맑은 고딕" panose="020B0503020000020004" pitchFamily="50" charset="-127"/>
+                          <a:ea typeface="+mn-ea"/>
+                        </a:rPr>
+                        <a:t>버전 관리 도구 </a:t>
+                      </a:r>
+                      <a:r>
+                        <a:rPr lang="en-US" altLang="ko-KR" sz="1100" b="0" i="0" u="none" strike="noStrike" dirty="0">
+                          <a:solidFill>
+                            <a:srgbClr val="000000"/>
+                          </a:solidFill>
+                          <a:effectLst/>
+                          <a:latin typeface="맑은 고딕" panose="020B0503020000020004" pitchFamily="50" charset="-127"/>
+                          <a:ea typeface="+mn-ea"/>
+                        </a:rPr>
+                        <a:t>Git 2</a:t>
+                      </a:r>
+                    </a:p>
+                  </a:txBody>
+                  <a:tcPr marL="9525" marR="9525" marT="9525" marB="0" anchor="ctr"/>
+                </a:tc>
+                <a:tc>
+                  <a:txBody>
+                    <a:bodyPr/>
+                    <a:lstStyle/>
+                    <a:p>
+                      <a:pPr marL="0" marR="0" lvl="0" indent="0" algn="ctr" defTabSz="914400" rtl="0" eaLnBrk="1" fontAlgn="ctr" latinLnBrk="1" hangingPunct="1">
+                        <a:lnSpc>
+                          <a:spcPct val="100000"/>
+                        </a:lnSpc>
+                        <a:spcBef>
+                          <a:spcPts val="0"/>
+                        </a:spcBef>
+                        <a:spcAft>
+                          <a:spcPts val="0"/>
+                        </a:spcAft>
+                        <a:buClrTx/>
+                        <a:buSzTx/>
+                        <a:buFontTx/>
+                        <a:buNone/>
+                        <a:tabLst/>
+                        <a:defRPr/>
+                      </a:pPr>
+                      <a:r>
+                        <a:rPr lang="ko-KR" altLang="en-US" sz="1100" b="1" i="0" u="none" strike="noStrike" dirty="0">
+                          <a:solidFill>
+                            <a:schemeClr val="tx1"/>
+                          </a:solidFill>
+                          <a:effectLst/>
+                          <a:latin typeface="맑은 고딕" panose="020B0503020000020004" pitchFamily="50" charset="-127"/>
+                          <a:ea typeface="+mn-ea"/>
+                        </a:rPr>
+                        <a:t>개인과제 </a:t>
+                      </a:r>
+                      <a:r>
+                        <a:rPr lang="en-US" altLang="ko-KR" sz="1100" b="1" i="0" u="none" strike="noStrike" dirty="0">
+                          <a:solidFill>
+                            <a:schemeClr val="tx1"/>
+                          </a:solidFill>
+                          <a:effectLst/>
+                          <a:latin typeface="맑은 고딕" panose="020B0503020000020004" pitchFamily="50" charset="-127"/>
+                          <a:ea typeface="맑은 고딕" panose="020B0503020000020004" pitchFamily="50" charset="-127"/>
+                        </a:rPr>
+                        <a:t>2</a:t>
+                      </a:r>
+                      <a:endParaRPr lang="ko-KR" altLang="en-US" sz="1100" b="1" i="0" u="none" strike="noStrike" dirty="0">
+                        <a:solidFill>
+                          <a:schemeClr val="tx1"/>
+                        </a:solidFill>
+                        <a:effectLst/>
+                        <a:latin typeface="맑은 고딕" panose="020B0503020000020004" pitchFamily="50" charset="-127"/>
+                        <a:ea typeface="+mn-ea"/>
+                      </a:endParaRPr>
+                    </a:p>
+                  </a:txBody>
+                  <a:tcPr marL="9525" marR="9525" marT="9525" marB="0" anchor="ctr"/>
+                </a:tc>
+                <a:extLst>
+                  <a:ext uri="{0D108BD9-81ED-4DB2-BD59-A6C34878D82A}">
+                    <a16:rowId xmlns:a16="http://schemas.microsoft.com/office/drawing/2014/main" val="2748419094"/>
+                  </a:ext>
+                </a:extLst>
+              </a:tr>
+              <a:tr h="316051">
+                <a:tc>
+                  <a:txBody>
+                    <a:bodyPr/>
+                    <a:lstStyle/>
+                    <a:p>
+                      <a:pPr algn="r" fontAlgn="ctr"/>
+                      <a:r>
+                        <a:rPr lang="en-US" altLang="ko-KR" sz="1100" b="0" i="0" u="none" strike="noStrike" dirty="0">
+                          <a:solidFill>
+                            <a:srgbClr val="000000"/>
+                          </a:solidFill>
+                          <a:effectLst/>
+                          <a:latin typeface="맑은 고딕" panose="020B0503020000020004" pitchFamily="50" charset="-127"/>
+                          <a:ea typeface="맑은 고딕" panose="020B0503020000020004" pitchFamily="50" charset="-127"/>
+                        </a:rPr>
+                        <a:t>5 (9/28)</a:t>
+                      </a:r>
+                    </a:p>
+                  </a:txBody>
+                  <a:tcPr marL="9525" marR="9525" marT="9525" marB="0" anchor="ctr"/>
+                </a:tc>
+                <a:tc>
+                  <a:txBody>
+                    <a:bodyPr/>
+                    <a:lstStyle/>
+                    <a:p>
+                      <a:pPr algn="ctr" fontAlgn="ctr"/>
+                      <a:r>
+                        <a:rPr lang="ko-KR" altLang="en-US" sz="1100" b="0" i="0" u="none" strike="noStrike" dirty="0">
+                          <a:solidFill>
+                            <a:srgbClr val="000000"/>
+                          </a:solidFill>
+                          <a:effectLst/>
+                          <a:latin typeface="맑은 고딕" panose="020B0503020000020004" pitchFamily="50" charset="-127"/>
+                          <a:ea typeface="+mn-ea"/>
+                        </a:rPr>
+                        <a:t>버전 관리 도구 </a:t>
+                      </a:r>
+                      <a:r>
+                        <a:rPr lang="en-US" altLang="ko-KR" sz="1100" b="0" i="0" u="none" strike="noStrike" dirty="0">
+                          <a:solidFill>
+                            <a:srgbClr val="000000"/>
+                          </a:solidFill>
+                          <a:effectLst/>
+                          <a:latin typeface="맑은 고딕" panose="020B0503020000020004" pitchFamily="50" charset="-127"/>
+                          <a:ea typeface="+mn-ea"/>
+                        </a:rPr>
+                        <a:t>Git</a:t>
+                      </a:r>
+                      <a:r>
+                        <a:rPr lang="ko-KR" altLang="en-US" sz="1100" b="0" i="0" u="none" strike="noStrike" dirty="0">
+                          <a:solidFill>
+                            <a:srgbClr val="000000"/>
+                          </a:solidFill>
+                          <a:effectLst/>
+                          <a:latin typeface="맑은 고딕" panose="020B0503020000020004" pitchFamily="50" charset="-127"/>
+                          <a:ea typeface="+mn-ea"/>
+                        </a:rPr>
+                        <a:t> </a:t>
+                      </a:r>
+                      <a:r>
+                        <a:rPr lang="en-US" altLang="ko-KR" sz="1100" b="0" i="0" u="none" strike="noStrike" dirty="0">
+                          <a:solidFill>
+                            <a:srgbClr val="000000"/>
+                          </a:solidFill>
+                          <a:effectLst/>
+                          <a:latin typeface="맑은 고딕" panose="020B0503020000020004" pitchFamily="50" charset="-127"/>
+                          <a:ea typeface="+mn-ea"/>
+                        </a:rPr>
+                        <a:t>3</a:t>
+                      </a:r>
+                    </a:p>
+                  </a:txBody>
+                  <a:tcPr marL="9525" marR="9525" marT="9525" marB="0" anchor="ctr"/>
+                </a:tc>
+                <a:tc>
+                  <a:txBody>
+                    <a:bodyPr/>
+                    <a:lstStyle/>
+                    <a:p>
+                      <a:pPr algn="ctr" fontAlgn="ctr"/>
+                      <a:r>
+                        <a:rPr lang="ko-KR" altLang="en-US" sz="1100" b="0" i="0" u="none" strike="noStrike" dirty="0">
+                          <a:solidFill>
+                            <a:srgbClr val="FF0000"/>
+                          </a:solidFill>
+                          <a:effectLst/>
+                          <a:latin typeface="맑은 고딕" panose="020B0503020000020004" pitchFamily="50" charset="-127"/>
+                          <a:ea typeface="+mn-ea"/>
+                        </a:rPr>
+                        <a:t>추석</a:t>
+                      </a:r>
+                    </a:p>
+                  </a:txBody>
+                  <a:tcPr marL="9525" marR="9525" marT="9525" marB="0" anchor="ctr"/>
+                </a:tc>
+                <a:tc>
+                  <a:txBody>
+                    <a:bodyPr/>
+                    <a:lstStyle/>
+                    <a:p>
+                      <a:pPr marL="0" marR="0" lvl="0" indent="0" algn="ctr" defTabSz="914400" rtl="0" eaLnBrk="1" fontAlgn="ctr" latinLnBrk="1" hangingPunct="1">
+                        <a:lnSpc>
+                          <a:spcPct val="100000"/>
+                        </a:lnSpc>
+                        <a:spcBef>
+                          <a:spcPts val="0"/>
+                        </a:spcBef>
+                        <a:spcAft>
+                          <a:spcPts val="0"/>
+                        </a:spcAft>
+                        <a:buClrTx/>
+                        <a:buSzTx/>
+                        <a:buFontTx/>
+                        <a:buNone/>
+                        <a:tabLst/>
+                        <a:defRPr/>
+                      </a:pPr>
+                      <a:r>
+                        <a:rPr lang="ko-KR" altLang="en-US" sz="1100" b="1" i="0" u="none" strike="noStrike" dirty="0">
+                          <a:solidFill>
+                            <a:schemeClr val="tx1"/>
+                          </a:solidFill>
+                          <a:effectLst/>
+                          <a:latin typeface="맑은 고딕" panose="020B0503020000020004" pitchFamily="50" charset="-127"/>
+                          <a:ea typeface="+mn-ea"/>
+                        </a:rPr>
+                        <a:t>개인과제 </a:t>
+                      </a:r>
+                      <a:r>
+                        <a:rPr lang="en-US" altLang="ko-KR" sz="1100" b="1" i="0" u="none" strike="noStrike" dirty="0">
+                          <a:solidFill>
+                            <a:schemeClr val="tx1"/>
+                          </a:solidFill>
+                          <a:effectLst/>
+                          <a:latin typeface="맑은 고딕" panose="020B0503020000020004" pitchFamily="50" charset="-127"/>
+                          <a:ea typeface="+mn-ea"/>
+                        </a:rPr>
+                        <a:t>3</a:t>
+                      </a:r>
+                      <a:endParaRPr lang="ko-KR" altLang="en-US" sz="1100" b="1" i="0" u="none" strike="noStrike" dirty="0">
+                        <a:solidFill>
+                          <a:schemeClr val="tx1"/>
+                        </a:solidFill>
+                        <a:effectLst/>
+                        <a:latin typeface="맑은 고딕" panose="020B0503020000020004" pitchFamily="50" charset="-127"/>
+                        <a:ea typeface="+mn-ea"/>
+                      </a:endParaRPr>
+                    </a:p>
+                  </a:txBody>
+                  <a:tcPr marL="9525" marR="9525" marT="9525" marB="0" anchor="ctr"/>
+                </a:tc>
+                <a:extLst>
+                  <a:ext uri="{0D108BD9-81ED-4DB2-BD59-A6C34878D82A}">
+                    <a16:rowId xmlns:a16="http://schemas.microsoft.com/office/drawing/2014/main" val="814556900"/>
+                  </a:ext>
+                </a:extLst>
+              </a:tr>
+              <a:tr h="316051">
+                <a:tc>
+                  <a:txBody>
+                    <a:bodyPr/>
+                    <a:lstStyle/>
+                    <a:p>
+                      <a:pPr algn="r" fontAlgn="ctr"/>
+                      <a:r>
+                        <a:rPr lang="en-US" altLang="ko-KR" sz="1100" b="0" i="0" u="none" strike="noStrike" dirty="0">
+                          <a:solidFill>
+                            <a:srgbClr val="000000"/>
+                          </a:solidFill>
+                          <a:effectLst/>
+                          <a:latin typeface="맑은 고딕" panose="020B0503020000020004" pitchFamily="50" charset="-127"/>
+                          <a:ea typeface="맑은 고딕" panose="020B0503020000020004" pitchFamily="50" charset="-127"/>
+                        </a:rPr>
+                        <a:t>6 (10/5)</a:t>
+                      </a:r>
+                    </a:p>
+                  </a:txBody>
+                  <a:tcPr marL="9525" marR="9525" marT="9525" marB="0" anchor="ctr"/>
+                </a:tc>
+                <a:tc>
+                  <a:txBody>
+                    <a:bodyPr/>
+                    <a:lstStyle/>
+                    <a:p>
+                      <a:pPr algn="ctr" fontAlgn="ctr"/>
+                      <a:r>
+                        <a:rPr lang="ko-KR" altLang="en-US" sz="1100" b="0" i="0" u="none" strike="noStrike" dirty="0">
+                          <a:solidFill>
+                            <a:srgbClr val="000000"/>
+                          </a:solidFill>
+                          <a:effectLst/>
+                          <a:latin typeface="맑은 고딕" panose="020B0503020000020004" pitchFamily="50" charset="-127"/>
+                          <a:ea typeface="+mn-ea"/>
+                        </a:rPr>
+                        <a:t>개인 </a:t>
+                      </a:r>
+                      <a:r>
+                        <a:rPr lang="ko-KR" altLang="en-US" sz="1100" b="0" i="0" u="none" strike="noStrike" kern="1200" dirty="0">
+                          <a:solidFill>
+                            <a:srgbClr val="000000"/>
+                          </a:solidFill>
+                          <a:effectLst/>
+                          <a:latin typeface="맑은 고딕" panose="020B0503020000020004" pitchFamily="50" charset="-127"/>
+                          <a:ea typeface="맑은 고딕" panose="020B0503020000020004" pitchFamily="50" charset="-127"/>
+                          <a:cs typeface="+mn-cs"/>
+                        </a:rPr>
+                        <a:t>프로젝트 </a:t>
+                      </a:r>
+                      <a:r>
+                        <a:rPr lang="en-US" altLang="ko-KR" sz="1100" b="0" i="0" u="none" strike="noStrike" kern="1200" dirty="0">
+                          <a:solidFill>
+                            <a:srgbClr val="000000"/>
+                          </a:solidFill>
+                          <a:effectLst/>
+                          <a:latin typeface="맑은 고딕" panose="020B0503020000020004" pitchFamily="50" charset="-127"/>
+                          <a:ea typeface="맑은 고딕" panose="020B0503020000020004" pitchFamily="50" charset="-127"/>
+                          <a:cs typeface="+mn-cs"/>
+                        </a:rPr>
+                        <a:t>1: </a:t>
+                      </a:r>
+                      <a:r>
+                        <a:rPr lang="ko-KR" altLang="en-US" sz="1100" b="0" i="0" u="none" strike="noStrike" kern="1200" dirty="0">
+                          <a:solidFill>
+                            <a:srgbClr val="000000"/>
+                          </a:solidFill>
+                          <a:effectLst/>
+                          <a:latin typeface="맑은 고딕" panose="020B0503020000020004" pitchFamily="50" charset="-127"/>
+                          <a:ea typeface="맑은 고딕" panose="020B0503020000020004" pitchFamily="50" charset="-127"/>
+                          <a:cs typeface="+mn-cs"/>
+                        </a:rPr>
+                        <a:t>프로젝트 선정 및 계획</a:t>
+                      </a:r>
+                      <a:endParaRPr lang="en-US" altLang="ko-KR" sz="1100" b="0" i="0" u="none" strike="noStrike" kern="1200" dirty="0">
+                        <a:solidFill>
+                          <a:srgbClr val="000000"/>
+                        </a:solidFill>
+                        <a:effectLst/>
+                        <a:latin typeface="맑은 고딕" panose="020B0503020000020004" pitchFamily="50" charset="-127"/>
+                        <a:ea typeface="맑은 고딕" panose="020B0503020000020004" pitchFamily="50" charset="-127"/>
+                        <a:cs typeface="+mn-cs"/>
+                      </a:endParaRPr>
+                    </a:p>
+                  </a:txBody>
+                  <a:tcPr marL="9525" marR="9525" marT="9525" marB="0" anchor="ctr">
+                    <a:solidFill>
+                      <a:schemeClr val="accent4"/>
+                    </a:solidFill>
+                  </a:tcPr>
+                </a:tc>
+                <a:tc>
+                  <a:txBody>
+                    <a:bodyPr/>
+                    <a:lstStyle/>
+                    <a:p>
+                      <a:pPr algn="ctr" fontAlgn="ctr"/>
+                      <a:r>
+                        <a:rPr lang="ko-KR" altLang="en-US" sz="1100" b="0" i="0" u="none" strike="noStrike" dirty="0">
+                          <a:solidFill>
+                            <a:srgbClr val="000000"/>
+                          </a:solidFill>
+                          <a:effectLst/>
+                          <a:latin typeface="맑은 고딕" panose="020B0503020000020004" pitchFamily="50" charset="-127"/>
+                          <a:ea typeface="+mn-ea"/>
+                        </a:rPr>
+                        <a:t>코드 분석 </a:t>
+                      </a:r>
+                      <a:r>
+                        <a:rPr lang="en-US" altLang="ko-KR" sz="1100" b="0" i="0" u="none" strike="noStrike" dirty="0">
+                          <a:solidFill>
+                            <a:srgbClr val="000000"/>
+                          </a:solidFill>
+                          <a:effectLst/>
+                          <a:latin typeface="맑은 고딕" panose="020B0503020000020004" pitchFamily="50" charset="-127"/>
+                          <a:ea typeface="+mn-ea"/>
+                        </a:rPr>
+                        <a:t>1</a:t>
+                      </a:r>
+                    </a:p>
+                  </a:txBody>
+                  <a:tcPr marL="9525" marR="9525" marT="9525" marB="0" anchor="ctr"/>
+                </a:tc>
+                <a:tc>
+                  <a:txBody>
+                    <a:bodyPr/>
+                    <a:lstStyle/>
+                    <a:p>
+                      <a:pPr marL="0" marR="0" lvl="0" indent="0" algn="ctr" defTabSz="914400" rtl="0" eaLnBrk="1" fontAlgn="ctr" latinLnBrk="1" hangingPunct="1">
+                        <a:lnSpc>
+                          <a:spcPct val="100000"/>
+                        </a:lnSpc>
+                        <a:spcBef>
+                          <a:spcPts val="0"/>
+                        </a:spcBef>
+                        <a:spcAft>
+                          <a:spcPts val="0"/>
+                        </a:spcAft>
+                        <a:buClrTx/>
+                        <a:buSzTx/>
+                        <a:buFontTx/>
+                        <a:buNone/>
+                        <a:tabLst/>
+                        <a:defRPr/>
+                      </a:pPr>
+                      <a:r>
+                        <a:rPr lang="ko-KR" altLang="en-US" sz="1100" b="1" i="0" u="none" strike="noStrike" dirty="0">
+                          <a:solidFill>
+                            <a:schemeClr val="tx1"/>
+                          </a:solidFill>
+                          <a:effectLst/>
+                          <a:latin typeface="맑은 고딕" panose="020B0503020000020004" pitchFamily="50" charset="-127"/>
+                          <a:ea typeface="+mn-ea"/>
+                        </a:rPr>
+                        <a:t>개인과제 </a:t>
+                      </a:r>
+                      <a:r>
+                        <a:rPr lang="en-US" altLang="ko-KR" sz="1100" b="1" i="0" u="none" strike="noStrike" dirty="0">
+                          <a:solidFill>
+                            <a:schemeClr val="tx1"/>
+                          </a:solidFill>
+                          <a:effectLst/>
+                          <a:latin typeface="맑은 고딕" panose="020B0503020000020004" pitchFamily="50" charset="-127"/>
+                          <a:ea typeface="+mn-ea"/>
+                        </a:rPr>
+                        <a:t>4 (project)</a:t>
+                      </a:r>
+                    </a:p>
+                  </a:txBody>
+                  <a:tcPr marL="9525" marR="9525" marT="9525" marB="0" anchor="ctr"/>
+                </a:tc>
+                <a:extLst>
+                  <a:ext uri="{0D108BD9-81ED-4DB2-BD59-A6C34878D82A}">
+                    <a16:rowId xmlns:a16="http://schemas.microsoft.com/office/drawing/2014/main" val="2908590043"/>
+                  </a:ext>
+                </a:extLst>
+              </a:tr>
+              <a:tr h="316051">
+                <a:tc>
+                  <a:txBody>
+                    <a:bodyPr/>
+                    <a:lstStyle/>
+                    <a:p>
+                      <a:pPr algn="r" fontAlgn="ctr"/>
+                      <a:r>
+                        <a:rPr lang="en-US" altLang="ko-KR" sz="1100" b="0" i="0" u="none" strike="noStrike" dirty="0">
+                          <a:solidFill>
+                            <a:srgbClr val="000000"/>
+                          </a:solidFill>
+                          <a:effectLst/>
+                          <a:latin typeface="맑은 고딕" panose="020B0503020000020004" pitchFamily="50" charset="-127"/>
+                          <a:ea typeface="맑은 고딕" panose="020B0503020000020004" pitchFamily="50" charset="-127"/>
+                        </a:rPr>
+                        <a:t>7 (10/12)</a:t>
+                      </a:r>
+                    </a:p>
+                  </a:txBody>
+                  <a:tcPr marL="9525" marR="9525" marT="9525" marB="0" anchor="ctr"/>
+                </a:tc>
+                <a:tc rowSpan="2" gridSpan="2">
+                  <a:txBody>
+                    <a:bodyPr/>
+                    <a:lstStyle/>
+                    <a:p>
+                      <a:pPr marL="0" marR="0" lvl="0" indent="0" algn="ctr" defTabSz="914400" rtl="0" eaLnBrk="1" fontAlgn="ctr" latinLnBrk="1" hangingPunct="1">
+                        <a:lnSpc>
+                          <a:spcPct val="100000"/>
+                        </a:lnSpc>
+                        <a:spcBef>
+                          <a:spcPts val="0"/>
+                        </a:spcBef>
+                        <a:spcAft>
+                          <a:spcPts val="0"/>
+                        </a:spcAft>
+                        <a:buClrTx/>
+                        <a:buSzTx/>
+                        <a:buFontTx/>
+                        <a:buNone/>
+                        <a:tabLst/>
+                        <a:defRPr/>
+                      </a:pPr>
+                      <a:r>
+                        <a:rPr lang="en-US" altLang="ko-KR" sz="1400" b="0" i="0" kern="1200" dirty="0">
+                          <a:solidFill>
+                            <a:schemeClr val="dk1"/>
+                          </a:solidFill>
+                          <a:effectLst/>
+                          <a:latin typeface="+mn-lt"/>
+                          <a:ea typeface="+mn-ea"/>
+                          <a:cs typeface="+mn-cs"/>
+                        </a:rPr>
+                        <a:t>2020 </a:t>
+                      </a:r>
+                      <a:r>
+                        <a:rPr lang="ko-KR" altLang="en-US" sz="1400" b="0" i="0" kern="1200" dirty="0">
+                          <a:solidFill>
+                            <a:schemeClr val="dk1"/>
+                          </a:solidFill>
+                          <a:effectLst/>
+                          <a:latin typeface="+mn-lt"/>
+                          <a:ea typeface="+mn-ea"/>
+                          <a:cs typeface="+mn-cs"/>
+                        </a:rPr>
+                        <a:t>공개</a:t>
+                      </a:r>
+                      <a:r>
+                        <a:rPr lang="en-US" altLang="ko-KR" sz="1400" b="0" i="0" kern="1200" dirty="0">
+                          <a:solidFill>
+                            <a:schemeClr val="dk1"/>
+                          </a:solidFill>
+                          <a:effectLst/>
+                          <a:latin typeface="+mn-lt"/>
+                          <a:ea typeface="+mn-ea"/>
+                          <a:cs typeface="+mn-cs"/>
+                        </a:rPr>
+                        <a:t>SW </a:t>
+                      </a:r>
+                      <a:r>
+                        <a:rPr lang="ko-KR" altLang="en-US" sz="1400" b="0" i="0" kern="1200" dirty="0">
+                          <a:solidFill>
+                            <a:schemeClr val="dk1"/>
+                          </a:solidFill>
+                          <a:effectLst/>
+                          <a:latin typeface="+mn-lt"/>
+                          <a:ea typeface="+mn-ea"/>
+                          <a:cs typeface="+mn-cs"/>
+                        </a:rPr>
+                        <a:t>대학생 체험캠프 참여 </a:t>
+                      </a:r>
+                      <a:r>
+                        <a:rPr lang="en-US" altLang="ko-KR" sz="1400" b="0" i="0" kern="1200" dirty="0">
+                          <a:solidFill>
+                            <a:schemeClr val="dk1"/>
+                          </a:solidFill>
+                          <a:effectLst/>
+                          <a:latin typeface="+mn-lt"/>
+                          <a:ea typeface="+mn-ea"/>
+                          <a:cs typeface="+mn-cs"/>
+                        </a:rPr>
+                        <a:t>(online)</a:t>
+                      </a:r>
+                      <a:endParaRPr lang="en-US" altLang="ko-KR" sz="1400" b="0" i="0" u="none" strike="noStrike" dirty="0">
+                        <a:solidFill>
+                          <a:srgbClr val="000000"/>
+                        </a:solidFill>
+                        <a:effectLst/>
+                        <a:latin typeface="맑은 고딕" panose="020B0503020000020004" pitchFamily="50" charset="-127"/>
+                        <a:ea typeface="맑은 고딕" panose="020B0503020000020004" pitchFamily="50" charset="-127"/>
+                      </a:endParaRPr>
+                    </a:p>
+                  </a:txBody>
+                  <a:tcPr marL="9525" marR="9525" marT="9525" marB="0" anchor="ctr"/>
+                </a:tc>
+                <a:tc rowSpan="2" hMerge="1">
+                  <a:txBody>
+                    <a:bodyPr/>
+                    <a:lstStyle/>
+                    <a:p>
+                      <a:pPr algn="ctr" fontAlgn="ctr"/>
+                      <a:endParaRPr lang="en-US" altLang="ko-KR" sz="1100" b="0" i="0" u="none" strike="noStrike" dirty="0">
+                        <a:solidFill>
+                          <a:srgbClr val="000000"/>
+                        </a:solidFill>
+                        <a:effectLst/>
+                        <a:latin typeface="맑은 고딕" panose="020B0503020000020004" pitchFamily="50" charset="-127"/>
+                        <a:ea typeface="+mn-ea"/>
+                      </a:endParaRPr>
+                    </a:p>
+                  </a:txBody>
+                  <a:tcPr marL="9525" marR="9525" marT="9525" marB="0" anchor="ctr"/>
+                </a:tc>
+                <a:tc>
+                  <a:txBody>
+                    <a:bodyPr/>
+                    <a:lstStyle/>
+                    <a:p>
+                      <a:pPr marL="0" marR="0" lvl="0" indent="0" algn="ctr" defTabSz="914400" rtl="0" eaLnBrk="1" fontAlgn="ctr" latinLnBrk="1" hangingPunct="1">
+                        <a:lnSpc>
+                          <a:spcPct val="100000"/>
+                        </a:lnSpc>
+                        <a:spcBef>
+                          <a:spcPts val="0"/>
+                        </a:spcBef>
+                        <a:spcAft>
+                          <a:spcPts val="0"/>
+                        </a:spcAft>
+                        <a:buClrTx/>
+                        <a:buSzTx/>
+                        <a:buFontTx/>
+                        <a:buNone/>
+                        <a:tabLst/>
+                        <a:defRPr/>
+                      </a:pPr>
+                      <a:r>
+                        <a:rPr lang="ko-KR" altLang="en-US" sz="1100" b="1" i="0" u="none" strike="noStrike" dirty="0">
+                          <a:solidFill>
+                            <a:schemeClr val="tx1"/>
+                          </a:solidFill>
+                          <a:effectLst/>
+                          <a:latin typeface="맑은 고딕" panose="020B0503020000020004" pitchFamily="50" charset="-127"/>
+                          <a:ea typeface="+mn-ea"/>
+                        </a:rPr>
+                        <a:t>개인과제 </a:t>
+                      </a:r>
+                      <a:r>
+                        <a:rPr lang="en-US" altLang="ko-KR" sz="1100" b="1" i="0" u="none" strike="noStrike" dirty="0">
+                          <a:solidFill>
+                            <a:schemeClr val="tx1"/>
+                          </a:solidFill>
+                          <a:effectLst/>
+                          <a:latin typeface="맑은 고딕" panose="020B0503020000020004" pitchFamily="50" charset="-127"/>
+                          <a:ea typeface="+mn-ea"/>
+                        </a:rPr>
+                        <a:t>5</a:t>
+                      </a:r>
+                      <a:endParaRPr lang="ko-KR" altLang="en-US" sz="1100" b="1" i="0" u="none" strike="noStrike" dirty="0">
+                        <a:solidFill>
+                          <a:schemeClr val="tx1"/>
+                        </a:solidFill>
+                        <a:effectLst/>
+                        <a:latin typeface="맑은 고딕" panose="020B0503020000020004" pitchFamily="50" charset="-127"/>
+                        <a:ea typeface="+mn-ea"/>
+                      </a:endParaRPr>
+                    </a:p>
+                  </a:txBody>
+                  <a:tcPr marL="9525" marR="9525" marT="9525" marB="0" anchor="ctr"/>
+                </a:tc>
+                <a:extLst>
+                  <a:ext uri="{0D108BD9-81ED-4DB2-BD59-A6C34878D82A}">
+                    <a16:rowId xmlns:a16="http://schemas.microsoft.com/office/drawing/2014/main" val="4222617544"/>
+                  </a:ext>
+                </a:extLst>
+              </a:tr>
+              <a:tr h="316051">
+                <a:tc>
+                  <a:txBody>
+                    <a:bodyPr/>
+                    <a:lstStyle/>
+                    <a:p>
+                      <a:pPr algn="r" fontAlgn="ctr"/>
+                      <a:r>
+                        <a:rPr lang="en-US" altLang="ko-KR" sz="1100" b="0" i="0" u="none" strike="noStrike" dirty="0">
+                          <a:solidFill>
+                            <a:srgbClr val="000000"/>
+                          </a:solidFill>
+                          <a:effectLst/>
+                          <a:latin typeface="맑은 고딕" panose="020B0503020000020004" pitchFamily="50" charset="-127"/>
+                          <a:ea typeface="맑은 고딕" panose="020B0503020000020004" pitchFamily="50" charset="-127"/>
+                        </a:rPr>
+                        <a:t>8 (10/19)</a:t>
+                      </a:r>
+                    </a:p>
+                  </a:txBody>
+                  <a:tcPr marL="9525" marR="9525" marT="9525" marB="0" anchor="ctr"/>
+                </a:tc>
+                <a:tc gridSpan="2" vMerge="1">
+                  <a:txBody>
+                    <a:bodyPr/>
+                    <a:lstStyle/>
+                    <a:p>
+                      <a:pPr algn="ctr" fontAlgn="ctr"/>
+                      <a:endParaRPr lang="en-US" altLang="ko-KR" sz="1100" b="0" i="0" u="none" strike="noStrike" dirty="0">
+                        <a:solidFill>
+                          <a:srgbClr val="000000"/>
+                        </a:solidFill>
+                        <a:effectLst/>
+                        <a:latin typeface="맑은 고딕" panose="020B0503020000020004" pitchFamily="50" charset="-127"/>
+                        <a:ea typeface="+mn-ea"/>
+                      </a:endParaRPr>
+                    </a:p>
+                  </a:txBody>
+                  <a:tcPr marL="9525" marR="9525" marT="9525" marB="0" anchor="ctr"/>
+                </a:tc>
+                <a:tc hMerge="1" vMerge="1">
+                  <a:txBody>
+                    <a:bodyPr/>
+                    <a:lstStyle/>
+                    <a:p>
+                      <a:pPr algn="ctr" fontAlgn="ctr"/>
+                      <a:endParaRPr lang="en-US" altLang="ko-KR" sz="1100" b="0" i="0" u="none" strike="noStrike" dirty="0">
+                        <a:solidFill>
+                          <a:srgbClr val="000000"/>
+                        </a:solidFill>
+                        <a:effectLst/>
+                        <a:latin typeface="맑은 고딕" panose="020B0503020000020004" pitchFamily="50" charset="-127"/>
+                        <a:ea typeface="+mn-ea"/>
+                      </a:endParaRPr>
+                    </a:p>
+                  </a:txBody>
+                  <a:tcPr marL="9525" marR="9525" marT="9525" marB="0" anchor="ctr"/>
+                </a:tc>
+                <a:tc>
+                  <a:txBody>
+                    <a:bodyPr/>
+                    <a:lstStyle/>
+                    <a:p>
+                      <a:pPr marL="0" marR="0" lvl="0" indent="0" algn="ctr" defTabSz="914400" rtl="0" eaLnBrk="1" fontAlgn="ctr" latinLnBrk="1" hangingPunct="1">
+                        <a:lnSpc>
+                          <a:spcPct val="100000"/>
+                        </a:lnSpc>
+                        <a:spcBef>
+                          <a:spcPts val="0"/>
+                        </a:spcBef>
+                        <a:spcAft>
+                          <a:spcPts val="0"/>
+                        </a:spcAft>
+                        <a:buClrTx/>
+                        <a:buSzTx/>
+                        <a:buFontTx/>
+                        <a:buNone/>
+                        <a:tabLst/>
+                        <a:defRPr/>
+                      </a:pPr>
+                      <a:r>
+                        <a:rPr lang="ko-KR" altLang="en-US" sz="1100" b="1" i="0" u="none" strike="noStrike" dirty="0">
+                          <a:solidFill>
+                            <a:schemeClr val="tx1"/>
+                          </a:solidFill>
+                          <a:effectLst/>
+                          <a:latin typeface="맑은 고딕" panose="020B0503020000020004" pitchFamily="50" charset="-127"/>
+                          <a:ea typeface="+mn-ea"/>
+                        </a:rPr>
+                        <a:t>개인과제 </a:t>
+                      </a:r>
+                      <a:r>
+                        <a:rPr lang="en-US" altLang="ko-KR" sz="1100" b="1" i="0" u="none" strike="noStrike" dirty="0">
+                          <a:solidFill>
+                            <a:schemeClr val="tx1"/>
+                          </a:solidFill>
+                          <a:effectLst/>
+                          <a:latin typeface="맑은 고딕" panose="020B0503020000020004" pitchFamily="50" charset="-127"/>
+                          <a:ea typeface="+mn-ea"/>
+                        </a:rPr>
+                        <a:t>6</a:t>
+                      </a:r>
+                      <a:endParaRPr lang="ko-KR" altLang="en-US" sz="1100" b="1" i="0" u="none" strike="noStrike" dirty="0">
+                        <a:solidFill>
+                          <a:schemeClr val="tx1"/>
+                        </a:solidFill>
+                        <a:effectLst/>
+                        <a:latin typeface="맑은 고딕" panose="020B0503020000020004" pitchFamily="50" charset="-127"/>
+                        <a:ea typeface="+mn-ea"/>
+                      </a:endParaRPr>
+                    </a:p>
+                  </a:txBody>
+                  <a:tcPr marL="9525" marR="9525" marT="9525" marB="0" anchor="ctr"/>
+                </a:tc>
+                <a:extLst>
+                  <a:ext uri="{0D108BD9-81ED-4DB2-BD59-A6C34878D82A}">
+                    <a16:rowId xmlns:a16="http://schemas.microsoft.com/office/drawing/2014/main" val="2117078907"/>
+                  </a:ext>
+                </a:extLst>
+              </a:tr>
+              <a:tr h="368604">
+                <a:tc>
+                  <a:txBody>
+                    <a:bodyPr/>
+                    <a:lstStyle/>
+                    <a:p>
+                      <a:pPr marL="0" marR="0" lvl="0" indent="0" algn="r" defTabSz="914400" rtl="0" eaLnBrk="1" fontAlgn="ctr" latinLnBrk="1" hangingPunct="1">
+                        <a:lnSpc>
+                          <a:spcPct val="100000"/>
+                        </a:lnSpc>
+                        <a:spcBef>
+                          <a:spcPts val="0"/>
+                        </a:spcBef>
+                        <a:spcAft>
+                          <a:spcPts val="0"/>
+                        </a:spcAft>
+                        <a:buClrTx/>
+                        <a:buSzTx/>
+                        <a:buFontTx/>
+                        <a:buNone/>
+                        <a:tabLst/>
+                        <a:defRPr/>
+                      </a:pPr>
+                      <a:r>
+                        <a:rPr lang="en-US" altLang="ko-KR" sz="1100" b="0" i="0" u="none" strike="noStrike" dirty="0">
+                          <a:solidFill>
+                            <a:srgbClr val="000000"/>
+                          </a:solidFill>
+                          <a:effectLst/>
+                          <a:latin typeface="맑은 고딕" panose="020B0503020000020004" pitchFamily="50" charset="-127"/>
+                          <a:ea typeface="+mn-ea"/>
+                        </a:rPr>
+                        <a:t>9 (10/26)</a:t>
+                      </a:r>
+                    </a:p>
+                  </a:txBody>
+                  <a:tcPr marL="9525" marR="9525" marT="9525" marB="0" anchor="ctr"/>
+                </a:tc>
+                <a:tc>
+                  <a:txBody>
+                    <a:bodyPr/>
+                    <a:lstStyle/>
+                    <a:p>
+                      <a:pPr algn="ctr" fontAlgn="ctr"/>
+                      <a:r>
+                        <a:rPr lang="ko-KR" altLang="en-US" sz="1100" b="0" i="0" u="none" strike="noStrike" dirty="0">
+                          <a:solidFill>
+                            <a:srgbClr val="000000"/>
+                          </a:solidFill>
+                          <a:effectLst/>
+                          <a:latin typeface="맑은 고딕" panose="020B0503020000020004" pitchFamily="50" charset="-127"/>
+                          <a:ea typeface="맑은 고딕" panose="020B0503020000020004" pitchFamily="50" charset="-127"/>
+                        </a:rPr>
+                        <a:t>코드 분석 </a:t>
+                      </a:r>
+                      <a:r>
+                        <a:rPr lang="en-US" altLang="ko-KR" sz="1100" b="0" i="0" u="none" strike="noStrike" dirty="0">
+                          <a:solidFill>
+                            <a:srgbClr val="000000"/>
+                          </a:solidFill>
+                          <a:effectLst/>
+                          <a:latin typeface="맑은 고딕" panose="020B0503020000020004" pitchFamily="50" charset="-127"/>
+                          <a:ea typeface="맑은 고딕" panose="020B0503020000020004" pitchFamily="50" charset="-127"/>
+                        </a:rPr>
+                        <a:t>1</a:t>
+                      </a:r>
+                    </a:p>
+                  </a:txBody>
+                  <a:tcPr marL="9525" marR="9525" marT="9525" marB="0" anchor="ctr"/>
+                </a:tc>
+                <a:tc>
+                  <a:txBody>
+                    <a:bodyPr/>
+                    <a:lstStyle/>
+                    <a:p>
+                      <a:pPr algn="ctr" fontAlgn="ctr"/>
+                      <a:r>
+                        <a:rPr lang="ko-KR" altLang="en-US" sz="1100" b="0" i="0" u="none" strike="noStrike" dirty="0">
+                          <a:solidFill>
+                            <a:srgbClr val="000000"/>
+                          </a:solidFill>
+                          <a:effectLst/>
+                          <a:latin typeface="맑은 고딕" panose="020B0503020000020004" pitchFamily="50" charset="-127"/>
+                          <a:ea typeface="+mn-ea"/>
+                        </a:rPr>
+                        <a:t>코드 분석 </a:t>
+                      </a:r>
+                      <a:r>
+                        <a:rPr lang="en-US" altLang="ko-KR" sz="1100" b="0" i="0" u="none" strike="noStrike" dirty="0">
+                          <a:solidFill>
+                            <a:srgbClr val="000000"/>
+                          </a:solidFill>
+                          <a:effectLst/>
+                          <a:latin typeface="맑은 고딕" panose="020B0503020000020004" pitchFamily="50" charset="-127"/>
+                          <a:ea typeface="+mn-ea"/>
+                        </a:rPr>
+                        <a:t>2</a:t>
+                      </a:r>
+                    </a:p>
+                  </a:txBody>
+                  <a:tcPr marL="9525" marR="9525" marT="9525" marB="0" anchor="ctr"/>
+                </a:tc>
+                <a:tc>
+                  <a:txBody>
+                    <a:bodyPr/>
+                    <a:lstStyle/>
+                    <a:p>
+                      <a:pPr marL="0" marR="0" lvl="0" indent="0" algn="ctr" defTabSz="914400" rtl="0" eaLnBrk="1" fontAlgn="ctr" latinLnBrk="1" hangingPunct="1">
+                        <a:lnSpc>
+                          <a:spcPct val="100000"/>
+                        </a:lnSpc>
+                        <a:spcBef>
+                          <a:spcPts val="0"/>
+                        </a:spcBef>
+                        <a:spcAft>
+                          <a:spcPts val="0"/>
+                        </a:spcAft>
+                        <a:buClrTx/>
+                        <a:buSzTx/>
+                        <a:buFontTx/>
+                        <a:buNone/>
+                        <a:tabLst/>
+                        <a:defRPr/>
+                      </a:pPr>
+                      <a:r>
+                        <a:rPr lang="ko-KR" altLang="en-US" sz="1100" b="1" i="0" u="none" strike="noStrike" dirty="0">
+                          <a:solidFill>
+                            <a:schemeClr val="tx1"/>
+                          </a:solidFill>
+                          <a:effectLst/>
+                          <a:latin typeface="맑은 고딕" panose="020B0503020000020004" pitchFamily="50" charset="-127"/>
+                          <a:ea typeface="+mn-ea"/>
+                        </a:rPr>
+                        <a:t>개인과제 </a:t>
+                      </a:r>
+                      <a:r>
+                        <a:rPr lang="en-US" altLang="ko-KR" sz="1100" b="1" i="0" u="none" strike="noStrike" dirty="0">
+                          <a:solidFill>
+                            <a:schemeClr val="tx1"/>
+                          </a:solidFill>
+                          <a:effectLst/>
+                          <a:latin typeface="맑은 고딕" panose="020B0503020000020004" pitchFamily="50" charset="-127"/>
+                          <a:ea typeface="+mn-ea"/>
+                        </a:rPr>
+                        <a:t>7</a:t>
+                      </a:r>
+                      <a:endParaRPr lang="ko-KR" altLang="en-US" sz="1100" b="1" i="0" u="none" strike="noStrike" dirty="0">
+                        <a:solidFill>
+                          <a:schemeClr val="tx1"/>
+                        </a:solidFill>
+                        <a:effectLst/>
+                        <a:latin typeface="맑은 고딕" panose="020B0503020000020004" pitchFamily="50" charset="-127"/>
+                        <a:ea typeface="+mn-ea"/>
+                      </a:endParaRPr>
+                    </a:p>
+                  </a:txBody>
+                  <a:tcPr marL="9525" marR="9525" marT="9525" marB="0" anchor="ctr"/>
+                </a:tc>
+                <a:extLst>
+                  <a:ext uri="{0D108BD9-81ED-4DB2-BD59-A6C34878D82A}">
+                    <a16:rowId xmlns:a16="http://schemas.microsoft.com/office/drawing/2014/main" val="1308666071"/>
+                  </a:ext>
+                </a:extLst>
+              </a:tr>
+              <a:tr h="368604">
+                <a:tc>
+                  <a:txBody>
+                    <a:bodyPr/>
+                    <a:lstStyle/>
+                    <a:p>
+                      <a:pPr algn="r" fontAlgn="ctr"/>
+                      <a:r>
+                        <a:rPr lang="en-US" altLang="ko-KR" sz="1100" b="0" i="0" u="none" strike="noStrike" dirty="0">
+                          <a:solidFill>
+                            <a:srgbClr val="000000"/>
+                          </a:solidFill>
+                          <a:effectLst/>
+                          <a:latin typeface="맑은 고딕" panose="020B0503020000020004" pitchFamily="50" charset="-127"/>
+                          <a:ea typeface="맑은 고딕" panose="020B0503020000020004" pitchFamily="50" charset="-127"/>
+                        </a:rPr>
+                        <a:t>10 (11/2)</a:t>
+                      </a:r>
+                    </a:p>
+                  </a:txBody>
+                  <a:tcPr marL="9525" marR="9525" marT="9525" marB="0" anchor="ctr"/>
+                </a:tc>
+                <a:tc gridSpan="2">
+                  <a:txBody>
+                    <a:bodyPr/>
+                    <a:lstStyle/>
+                    <a:p>
+                      <a:pPr algn="ctr" fontAlgn="ctr"/>
+                      <a:r>
+                        <a:rPr lang="ko-KR" altLang="en-US" sz="1100" b="0" i="0" u="none" strike="noStrike" dirty="0">
+                          <a:solidFill>
+                            <a:srgbClr val="000000"/>
+                          </a:solidFill>
+                          <a:effectLst/>
+                          <a:latin typeface="맑은 고딕" panose="020B0503020000020004" pitchFamily="50" charset="-127"/>
+                          <a:ea typeface="+mn-ea"/>
+                        </a:rPr>
+                        <a:t>개인 프로젝트 </a:t>
+                      </a:r>
+                      <a:r>
+                        <a:rPr lang="en-US" altLang="ko-KR" sz="1100" b="0" i="0" u="none" strike="noStrike" dirty="0">
+                          <a:solidFill>
+                            <a:srgbClr val="000000"/>
+                          </a:solidFill>
+                          <a:effectLst/>
+                          <a:latin typeface="맑은 고딕" panose="020B0503020000020004" pitchFamily="50" charset="-127"/>
+                          <a:ea typeface="+mn-ea"/>
+                        </a:rPr>
+                        <a:t>2: </a:t>
+                      </a:r>
+                      <a:r>
+                        <a:rPr lang="ko-KR" altLang="en-US" sz="1100" b="0" i="0" u="none" strike="noStrike" dirty="0">
+                          <a:solidFill>
+                            <a:srgbClr val="000000"/>
+                          </a:solidFill>
+                          <a:effectLst/>
+                          <a:latin typeface="맑은 고딕" panose="020B0503020000020004" pitchFamily="50" charset="-127"/>
+                          <a:ea typeface="+mn-ea"/>
+                        </a:rPr>
+                        <a:t>대상 프로젝트 코드 분석 결과 발표 및 기능 구현 방향</a:t>
+                      </a:r>
+                      <a:r>
+                        <a:rPr lang="en-US" altLang="ko-KR" sz="1100" b="0" i="0" u="none" strike="noStrike" dirty="0">
+                          <a:solidFill>
+                            <a:srgbClr val="000000"/>
+                          </a:solidFill>
+                          <a:effectLst/>
+                          <a:latin typeface="맑은 고딕" panose="020B0503020000020004" pitchFamily="50" charset="-127"/>
+                          <a:ea typeface="+mn-ea"/>
+                        </a:rPr>
+                        <a:t>, </a:t>
+                      </a:r>
+                    </a:p>
+                    <a:p>
+                      <a:pPr algn="ctr" fontAlgn="ctr"/>
+                      <a:r>
+                        <a:rPr lang="ko-KR" altLang="en-US" sz="1100" b="0" i="0" u="none" strike="noStrike" dirty="0">
+                          <a:solidFill>
+                            <a:srgbClr val="000000"/>
+                          </a:solidFill>
+                          <a:effectLst/>
+                          <a:latin typeface="맑은 고딕" panose="020B0503020000020004" pitchFamily="50" charset="-127"/>
+                          <a:ea typeface="+mn-ea"/>
+                        </a:rPr>
+                        <a:t>커뮤니티 참여 방안 발표 및 피드백</a:t>
+                      </a:r>
+                      <a:endParaRPr lang="en-US" altLang="ko-KR" sz="1100" b="0" i="0" u="none" strike="noStrike" dirty="0">
+                        <a:solidFill>
+                          <a:srgbClr val="000000"/>
+                        </a:solidFill>
+                        <a:effectLst/>
+                        <a:latin typeface="맑은 고딕" panose="020B0503020000020004" pitchFamily="50" charset="-127"/>
+                        <a:ea typeface="+mn-ea"/>
+                      </a:endParaRPr>
+                    </a:p>
+                  </a:txBody>
+                  <a:tcPr marL="9525" marR="9525" marT="9525" marB="0" anchor="ctr">
+                    <a:solidFill>
+                      <a:schemeClr val="accent4"/>
+                    </a:solidFill>
+                  </a:tcPr>
+                </a:tc>
+                <a:tc hMerge="1">
+                  <a:txBody>
+                    <a:bodyPr/>
+                    <a:lstStyle/>
+                    <a:p>
+                      <a:pPr algn="ctr" fontAlgn="ctr"/>
+                      <a:endParaRPr lang="en-US" altLang="ko-KR" sz="1100" b="0" i="0" u="none" strike="noStrike" dirty="0">
+                        <a:solidFill>
+                          <a:srgbClr val="000000"/>
+                        </a:solidFill>
+                        <a:effectLst/>
+                        <a:latin typeface="맑은 고딕" panose="020B0503020000020004" pitchFamily="50" charset="-127"/>
+                        <a:ea typeface="+mn-ea"/>
+                      </a:endParaRPr>
+                    </a:p>
+                  </a:txBody>
+                  <a:tcPr marL="9525" marR="9525" marT="9525" marB="0" anchor="ctr"/>
+                </a:tc>
+                <a:tc>
+                  <a:txBody>
+                    <a:bodyPr/>
+                    <a:lstStyle/>
+                    <a:p>
+                      <a:pPr marL="0" marR="0" lvl="0" indent="0" algn="ctr" defTabSz="914400" rtl="0" eaLnBrk="1" fontAlgn="ctr" latinLnBrk="1" hangingPunct="1">
+                        <a:lnSpc>
+                          <a:spcPct val="100000"/>
+                        </a:lnSpc>
+                        <a:spcBef>
+                          <a:spcPts val="0"/>
+                        </a:spcBef>
+                        <a:spcAft>
+                          <a:spcPts val="0"/>
+                        </a:spcAft>
+                        <a:buClrTx/>
+                        <a:buSzTx/>
+                        <a:buFontTx/>
+                        <a:buNone/>
+                        <a:tabLst/>
+                        <a:defRPr/>
+                      </a:pPr>
+                      <a:r>
+                        <a:rPr lang="ko-KR" altLang="en-US" sz="1100" b="1" i="0" u="none" strike="noStrike" dirty="0">
+                          <a:solidFill>
+                            <a:schemeClr val="tx1"/>
+                          </a:solidFill>
+                          <a:effectLst/>
+                          <a:latin typeface="맑은 고딕" panose="020B0503020000020004" pitchFamily="50" charset="-127"/>
+                          <a:ea typeface="+mn-ea"/>
+                        </a:rPr>
+                        <a:t>개인과제 </a:t>
+                      </a:r>
+                      <a:r>
+                        <a:rPr lang="en-US" altLang="ko-KR" sz="1100" b="1" i="0" u="none" strike="noStrike" dirty="0">
+                          <a:solidFill>
+                            <a:schemeClr val="tx1"/>
+                          </a:solidFill>
+                          <a:effectLst/>
+                          <a:latin typeface="맑은 고딕" panose="020B0503020000020004" pitchFamily="50" charset="-127"/>
+                          <a:ea typeface="+mn-ea"/>
+                        </a:rPr>
+                        <a:t>8 (project)</a:t>
+                      </a:r>
+                      <a:endParaRPr lang="ko-KR" altLang="en-US" sz="1100" b="1" i="0" u="none" strike="noStrike" dirty="0">
+                        <a:solidFill>
+                          <a:schemeClr val="tx1"/>
+                        </a:solidFill>
+                        <a:effectLst/>
+                        <a:latin typeface="맑은 고딕" panose="020B0503020000020004" pitchFamily="50" charset="-127"/>
+                        <a:ea typeface="+mn-ea"/>
+                      </a:endParaRPr>
+                    </a:p>
+                  </a:txBody>
+                  <a:tcPr marL="9525" marR="9525" marT="9525" marB="0" anchor="ctr"/>
+                </a:tc>
+                <a:extLst>
+                  <a:ext uri="{0D108BD9-81ED-4DB2-BD59-A6C34878D82A}">
+                    <a16:rowId xmlns:a16="http://schemas.microsoft.com/office/drawing/2014/main" val="2768722994"/>
+                  </a:ext>
+                </a:extLst>
+              </a:tr>
+              <a:tr h="316051">
+                <a:tc>
+                  <a:txBody>
+                    <a:bodyPr/>
+                    <a:lstStyle/>
+                    <a:p>
+                      <a:pPr algn="r" fontAlgn="ctr"/>
+                      <a:r>
+                        <a:rPr lang="en-US" altLang="ko-KR" sz="1100" b="0" i="0" u="none" strike="noStrike" dirty="0">
+                          <a:solidFill>
+                            <a:srgbClr val="000000"/>
+                          </a:solidFill>
+                          <a:effectLst/>
+                          <a:latin typeface="맑은 고딕" panose="020B0503020000020004" pitchFamily="50" charset="-127"/>
+                          <a:ea typeface="맑은 고딕" panose="020B0503020000020004" pitchFamily="50" charset="-127"/>
+                        </a:rPr>
+                        <a:t>11 (11/9)</a:t>
+                      </a:r>
+                    </a:p>
+                  </a:txBody>
+                  <a:tcPr marL="9525" marR="9525" marT="9525" marB="0" anchor="ctr"/>
+                </a:tc>
+                <a:tc>
+                  <a:txBody>
+                    <a:bodyPr/>
+                    <a:lstStyle/>
+                    <a:p>
+                      <a:pPr algn="ctr" fontAlgn="ctr"/>
+                      <a:r>
+                        <a:rPr lang="en-US" altLang="ko-KR" sz="1100" b="0" i="0" u="none" strike="noStrike" dirty="0">
+                          <a:solidFill>
+                            <a:srgbClr val="000000"/>
+                          </a:solidFill>
+                          <a:effectLst/>
+                          <a:latin typeface="맑은 고딕" panose="020B0503020000020004" pitchFamily="50" charset="-127"/>
+                          <a:ea typeface="+mn-ea"/>
+                        </a:rPr>
+                        <a:t>GitHub 1</a:t>
+                      </a:r>
+                    </a:p>
+                  </a:txBody>
+                  <a:tcPr marL="9525" marR="9525" marT="9525" marB="0" anchor="ctr"/>
+                </a:tc>
+                <a:tc>
+                  <a:txBody>
+                    <a:bodyPr/>
+                    <a:lstStyle/>
+                    <a:p>
+                      <a:pPr algn="ctr" fontAlgn="ctr"/>
+                      <a:r>
+                        <a:rPr lang="en-US" altLang="ko-KR" sz="1100" b="0" i="0" u="none" strike="noStrike" dirty="0">
+                          <a:solidFill>
+                            <a:srgbClr val="000000"/>
+                          </a:solidFill>
+                          <a:effectLst/>
+                          <a:latin typeface="맑은 고딕" panose="020B0503020000020004" pitchFamily="50" charset="-127"/>
+                          <a:ea typeface="+mn-ea"/>
+                        </a:rPr>
+                        <a:t>GitHub 2</a:t>
+                      </a:r>
+                    </a:p>
+                  </a:txBody>
+                  <a:tcPr marL="9525" marR="9525" marT="9525" marB="0" anchor="ctr"/>
+                </a:tc>
+                <a:tc>
+                  <a:txBody>
+                    <a:bodyPr/>
+                    <a:lstStyle/>
+                    <a:p>
+                      <a:pPr marL="0" marR="0" lvl="0" indent="0" algn="ctr" defTabSz="914400" rtl="0" eaLnBrk="1" fontAlgn="ctr" latinLnBrk="1" hangingPunct="1">
+                        <a:lnSpc>
+                          <a:spcPct val="100000"/>
+                        </a:lnSpc>
+                        <a:spcBef>
+                          <a:spcPts val="0"/>
+                        </a:spcBef>
+                        <a:spcAft>
+                          <a:spcPts val="0"/>
+                        </a:spcAft>
+                        <a:buClrTx/>
+                        <a:buSzTx/>
+                        <a:buFontTx/>
+                        <a:buNone/>
+                        <a:tabLst/>
+                        <a:defRPr/>
+                      </a:pPr>
+                      <a:r>
+                        <a:rPr lang="ko-KR" altLang="en-US" sz="1100" b="1" i="0" u="none" strike="noStrike" dirty="0">
+                          <a:solidFill>
+                            <a:schemeClr val="tx1"/>
+                          </a:solidFill>
+                          <a:effectLst/>
+                          <a:latin typeface="맑은 고딕" panose="020B0503020000020004" pitchFamily="50" charset="-127"/>
+                          <a:ea typeface="+mn-ea"/>
+                        </a:rPr>
+                        <a:t>개인과제 </a:t>
+                      </a:r>
+                      <a:r>
+                        <a:rPr lang="en-US" altLang="ko-KR" sz="1100" b="1" i="0" u="none" strike="noStrike" dirty="0">
+                          <a:solidFill>
+                            <a:schemeClr val="tx1"/>
+                          </a:solidFill>
+                          <a:effectLst/>
+                          <a:latin typeface="맑은 고딕" panose="020B0503020000020004" pitchFamily="50" charset="-127"/>
+                          <a:ea typeface="+mn-ea"/>
+                        </a:rPr>
+                        <a:t>9</a:t>
+                      </a:r>
+                      <a:endParaRPr lang="ko-KR" altLang="en-US" sz="1100" b="1" i="0" u="none" strike="noStrike" dirty="0">
+                        <a:solidFill>
+                          <a:schemeClr val="tx1"/>
+                        </a:solidFill>
+                        <a:effectLst/>
+                        <a:latin typeface="맑은 고딕" panose="020B0503020000020004" pitchFamily="50" charset="-127"/>
+                        <a:ea typeface="+mn-ea"/>
+                      </a:endParaRPr>
+                    </a:p>
+                  </a:txBody>
+                  <a:tcPr marL="9525" marR="9525" marT="9525" marB="0" anchor="ctr"/>
+                </a:tc>
+                <a:extLst>
+                  <a:ext uri="{0D108BD9-81ED-4DB2-BD59-A6C34878D82A}">
+                    <a16:rowId xmlns:a16="http://schemas.microsoft.com/office/drawing/2014/main" val="3193302293"/>
+                  </a:ext>
+                </a:extLst>
+              </a:tr>
+              <a:tr h="316051">
+                <a:tc>
+                  <a:txBody>
+                    <a:bodyPr/>
+                    <a:lstStyle/>
+                    <a:p>
+                      <a:pPr algn="r" fontAlgn="ctr"/>
+                      <a:r>
+                        <a:rPr lang="en-US" altLang="ko-KR" sz="1100" b="0" i="0" u="none" strike="noStrike" dirty="0">
+                          <a:solidFill>
+                            <a:srgbClr val="000000"/>
+                          </a:solidFill>
+                          <a:effectLst/>
+                          <a:latin typeface="맑은 고딕" panose="020B0503020000020004" pitchFamily="50" charset="-127"/>
+                          <a:ea typeface="맑은 고딕" panose="020B0503020000020004" pitchFamily="50" charset="-127"/>
+                        </a:rPr>
+                        <a:t>12 (11/16)</a:t>
+                      </a:r>
+                    </a:p>
+                  </a:txBody>
+                  <a:tcPr marL="9525" marR="9525" marT="9525" marB="0" anchor="ctr"/>
+                </a:tc>
+                <a:tc>
+                  <a:txBody>
+                    <a:bodyPr/>
+                    <a:lstStyle/>
+                    <a:p>
+                      <a:pPr algn="ctr" fontAlgn="ctr"/>
+                      <a:r>
+                        <a:rPr lang="ko-KR" altLang="en-US" sz="1100" b="0" i="0" u="none" strike="noStrike" dirty="0">
+                          <a:solidFill>
+                            <a:srgbClr val="000000"/>
+                          </a:solidFill>
+                          <a:effectLst/>
+                          <a:latin typeface="맑은 고딕" panose="020B0503020000020004" pitchFamily="50" charset="-127"/>
+                          <a:ea typeface="맑은 고딕" panose="020B0503020000020004" pitchFamily="50" charset="-127"/>
+                        </a:rPr>
+                        <a:t>코드 리뷰 </a:t>
+                      </a:r>
+                      <a:r>
+                        <a:rPr lang="en-US" altLang="ko-KR" sz="1100" b="0" i="0" u="none" strike="noStrike" dirty="0">
+                          <a:solidFill>
+                            <a:srgbClr val="000000"/>
+                          </a:solidFill>
+                          <a:effectLst/>
+                          <a:latin typeface="맑은 고딕" panose="020B0503020000020004" pitchFamily="50" charset="-127"/>
+                          <a:ea typeface="맑은 고딕" panose="020B0503020000020004" pitchFamily="50" charset="-127"/>
+                        </a:rPr>
+                        <a:t>1</a:t>
+                      </a:r>
+                    </a:p>
+                  </a:txBody>
+                  <a:tcPr marL="9525" marR="9525" marT="9525" marB="0" anchor="ctr"/>
+                </a:tc>
+                <a:tc>
+                  <a:txBody>
+                    <a:bodyPr/>
+                    <a:lstStyle/>
+                    <a:p>
+                      <a:pPr algn="ctr" fontAlgn="ctr"/>
+                      <a:r>
+                        <a:rPr lang="ko-KR" altLang="en-US" sz="1100" b="0" i="0" u="none" strike="noStrike" dirty="0">
+                          <a:solidFill>
+                            <a:srgbClr val="000000"/>
+                          </a:solidFill>
+                          <a:effectLst/>
+                          <a:latin typeface="맑은 고딕" panose="020B0503020000020004" pitchFamily="50" charset="-127"/>
+                          <a:ea typeface="+mn-ea"/>
+                        </a:rPr>
+                        <a:t>코드 리뷰 </a:t>
+                      </a:r>
+                      <a:r>
+                        <a:rPr lang="en-US" altLang="ko-KR" sz="1100" b="0" i="0" u="none" strike="noStrike" dirty="0">
+                          <a:solidFill>
+                            <a:srgbClr val="000000"/>
+                          </a:solidFill>
+                          <a:effectLst/>
+                          <a:latin typeface="맑은 고딕" panose="020B0503020000020004" pitchFamily="50" charset="-127"/>
+                          <a:ea typeface="+mn-ea"/>
+                        </a:rPr>
+                        <a:t>2</a:t>
+                      </a:r>
+                    </a:p>
+                  </a:txBody>
+                  <a:tcPr marL="9525" marR="9525" marT="9525" marB="0" anchor="ctr"/>
+                </a:tc>
+                <a:tc>
+                  <a:txBody>
+                    <a:bodyPr/>
+                    <a:lstStyle/>
+                    <a:p>
+                      <a:pPr marL="0" marR="0" lvl="0" indent="0" algn="ctr" defTabSz="914400" rtl="0" eaLnBrk="1" fontAlgn="ctr" latinLnBrk="1" hangingPunct="1">
+                        <a:lnSpc>
+                          <a:spcPct val="100000"/>
+                        </a:lnSpc>
+                        <a:spcBef>
+                          <a:spcPts val="0"/>
+                        </a:spcBef>
+                        <a:spcAft>
+                          <a:spcPts val="0"/>
+                        </a:spcAft>
+                        <a:buClrTx/>
+                        <a:buSzTx/>
+                        <a:buFontTx/>
+                        <a:buNone/>
+                        <a:tabLst/>
+                        <a:defRPr/>
+                      </a:pPr>
+                      <a:r>
+                        <a:rPr lang="ko-KR" altLang="en-US" sz="1100" b="1" i="0" u="none" strike="noStrike" dirty="0">
+                          <a:solidFill>
+                            <a:schemeClr val="tx1"/>
+                          </a:solidFill>
+                          <a:effectLst/>
+                          <a:latin typeface="맑은 고딕" panose="020B0503020000020004" pitchFamily="50" charset="-127"/>
+                          <a:ea typeface="+mn-ea"/>
+                        </a:rPr>
+                        <a:t>개인과제 </a:t>
+                      </a:r>
+                      <a:r>
+                        <a:rPr lang="en-US" altLang="ko-KR" sz="1100" b="1" i="0" u="none" strike="noStrike" dirty="0">
+                          <a:solidFill>
+                            <a:schemeClr val="tx1"/>
+                          </a:solidFill>
+                          <a:effectLst/>
+                          <a:latin typeface="맑은 고딕" panose="020B0503020000020004" pitchFamily="50" charset="-127"/>
+                          <a:ea typeface="+mn-ea"/>
+                        </a:rPr>
+                        <a:t>10</a:t>
+                      </a:r>
+                      <a:endParaRPr lang="ko-KR" altLang="en-US" sz="1100" b="1" i="0" u="none" strike="noStrike" dirty="0">
+                        <a:solidFill>
+                          <a:schemeClr val="tx1"/>
+                        </a:solidFill>
+                        <a:effectLst/>
+                        <a:latin typeface="맑은 고딕" panose="020B0503020000020004" pitchFamily="50" charset="-127"/>
+                        <a:ea typeface="+mn-ea"/>
+                      </a:endParaRPr>
+                    </a:p>
+                  </a:txBody>
+                  <a:tcPr marL="9525" marR="9525" marT="9525" marB="0" anchor="ctr"/>
+                </a:tc>
+                <a:extLst>
+                  <a:ext uri="{0D108BD9-81ED-4DB2-BD59-A6C34878D82A}">
+                    <a16:rowId xmlns:a16="http://schemas.microsoft.com/office/drawing/2014/main" val="1928419577"/>
+                  </a:ext>
+                </a:extLst>
+              </a:tr>
+              <a:tr h="316051">
+                <a:tc>
+                  <a:txBody>
+                    <a:bodyPr/>
+                    <a:lstStyle/>
+                    <a:p>
+                      <a:pPr algn="r" fontAlgn="ctr"/>
+                      <a:r>
+                        <a:rPr lang="en-US" altLang="ko-KR" sz="1100" b="0" i="0" u="none" strike="noStrike" dirty="0">
+                          <a:solidFill>
+                            <a:srgbClr val="000000"/>
+                          </a:solidFill>
+                          <a:effectLst/>
+                          <a:latin typeface="맑은 고딕" panose="020B0503020000020004" pitchFamily="50" charset="-127"/>
+                          <a:ea typeface="맑은 고딕" panose="020B0503020000020004" pitchFamily="50" charset="-127"/>
+                        </a:rPr>
+                        <a:t>13 (11/23)</a:t>
+                      </a:r>
+                    </a:p>
+                  </a:txBody>
+                  <a:tcPr marL="9525" marR="9525" marT="9525" marB="0" anchor="ctr"/>
+                </a:tc>
+                <a:tc>
+                  <a:txBody>
+                    <a:bodyPr/>
+                    <a:lstStyle/>
+                    <a:p>
+                      <a:pPr algn="ctr" fontAlgn="ctr"/>
+                      <a:r>
+                        <a:rPr lang="ko-KR" altLang="en-US" sz="1100" b="0" i="0" u="none" strike="noStrike" dirty="0">
+                          <a:solidFill>
+                            <a:srgbClr val="000000"/>
+                          </a:solidFill>
+                          <a:effectLst/>
+                          <a:latin typeface="맑은 고딕" panose="020B0503020000020004" pitchFamily="50" charset="-127"/>
+                          <a:ea typeface="+mn-ea"/>
+                        </a:rPr>
+                        <a:t>개별 프로젝트 진행</a:t>
+                      </a:r>
+                    </a:p>
+                  </a:txBody>
+                  <a:tcPr marL="9525" marR="9525" marT="9525" marB="0" anchor="ctr"/>
+                </a:tc>
+                <a:tc>
+                  <a:txBody>
+                    <a:bodyPr/>
+                    <a:lstStyle/>
+                    <a:p>
+                      <a:pPr algn="ctr" fontAlgn="ctr"/>
+                      <a:r>
+                        <a:rPr lang="ko-KR" altLang="en-US" sz="1100" b="0" i="0" u="none" strike="noStrike" dirty="0">
+                          <a:solidFill>
+                            <a:srgbClr val="000000"/>
+                          </a:solidFill>
+                          <a:effectLst/>
+                          <a:latin typeface="맑은 고딕" panose="020B0503020000020004" pitchFamily="50" charset="-127"/>
+                          <a:ea typeface="맑은 고딕" panose="020B0503020000020004" pitchFamily="50" charset="-127"/>
+                        </a:rPr>
+                        <a:t>개별 프로젝트 진행</a:t>
+                      </a:r>
+                    </a:p>
+                  </a:txBody>
+                  <a:tcPr marL="9525" marR="9525" marT="9525" marB="0" anchor="ctr"/>
+                </a:tc>
+                <a:tc>
+                  <a:txBody>
+                    <a:bodyPr/>
+                    <a:lstStyle/>
+                    <a:p>
+                      <a:pPr algn="ctr" fontAlgn="ctr"/>
+                      <a:r>
+                        <a:rPr lang="en-US" altLang="ko-KR" sz="1100" b="0" i="0" u="none" strike="noStrike" dirty="0">
+                          <a:solidFill>
+                            <a:srgbClr val="000000"/>
+                          </a:solidFill>
+                          <a:effectLst/>
+                          <a:latin typeface="맑은 고딕" panose="020B0503020000020004" pitchFamily="50" charset="-127"/>
+                          <a:ea typeface="맑은 고딕" panose="020B0503020000020004" pitchFamily="50" charset="-127"/>
+                        </a:rPr>
+                        <a:t>-</a:t>
+                      </a:r>
+                      <a:endParaRPr lang="ko-KR" altLang="en-US" sz="1100" b="0" i="0" u="none" strike="noStrike" dirty="0">
+                        <a:solidFill>
+                          <a:srgbClr val="000000"/>
+                        </a:solidFill>
+                        <a:effectLst/>
+                        <a:latin typeface="맑은 고딕" panose="020B0503020000020004" pitchFamily="50" charset="-127"/>
+                        <a:ea typeface="맑은 고딕" panose="020B0503020000020004" pitchFamily="50" charset="-127"/>
+                      </a:endParaRPr>
+                    </a:p>
+                  </a:txBody>
+                  <a:tcPr marL="9525" marR="9525" marT="9525" marB="0" anchor="ctr"/>
+                </a:tc>
+                <a:extLst>
+                  <a:ext uri="{0D108BD9-81ED-4DB2-BD59-A6C34878D82A}">
+                    <a16:rowId xmlns:a16="http://schemas.microsoft.com/office/drawing/2014/main" val="676618592"/>
+                  </a:ext>
+                </a:extLst>
+              </a:tr>
+              <a:tr h="316051">
+                <a:tc>
+                  <a:txBody>
+                    <a:bodyPr/>
+                    <a:lstStyle/>
+                    <a:p>
+                      <a:pPr algn="r" fontAlgn="ctr"/>
+                      <a:r>
+                        <a:rPr lang="en-US" altLang="ko-KR" sz="1100" b="0" i="0" u="none" strike="noStrike" dirty="0">
+                          <a:solidFill>
+                            <a:srgbClr val="000000"/>
+                          </a:solidFill>
+                          <a:effectLst/>
+                          <a:latin typeface="맑은 고딕" panose="020B0503020000020004" pitchFamily="50" charset="-127"/>
+                          <a:ea typeface="맑은 고딕" panose="020B0503020000020004" pitchFamily="50" charset="-127"/>
+                        </a:rPr>
+                        <a:t>14 (11/30)</a:t>
+                      </a:r>
+                    </a:p>
+                  </a:txBody>
+                  <a:tcPr marL="9525" marR="9525" marT="9525" marB="0" anchor="ctr"/>
+                </a:tc>
+                <a:tc>
+                  <a:txBody>
+                    <a:bodyPr/>
+                    <a:lstStyle/>
+                    <a:p>
+                      <a:pPr algn="ctr" fontAlgn="ctr"/>
+                      <a:r>
+                        <a:rPr lang="ko-KR" altLang="en-US" sz="1100" b="0" i="0" u="none" strike="noStrike" dirty="0">
+                          <a:solidFill>
+                            <a:srgbClr val="000000"/>
+                          </a:solidFill>
+                          <a:effectLst/>
+                          <a:latin typeface="맑은 고딕" panose="020B0503020000020004" pitchFamily="50" charset="-127"/>
+                          <a:ea typeface="맑은 고딕" panose="020B0503020000020004" pitchFamily="50" charset="-127"/>
+                        </a:rPr>
+                        <a:t>개별 프로젝트 진행</a:t>
+                      </a:r>
+                    </a:p>
+                  </a:txBody>
+                  <a:tcPr marL="9525" marR="9525" marT="9525" marB="0" anchor="ctr"/>
+                </a:tc>
+                <a:tc>
+                  <a:txBody>
+                    <a:bodyPr/>
+                    <a:lstStyle/>
+                    <a:p>
+                      <a:pPr algn="ctr" fontAlgn="ctr"/>
+                      <a:r>
+                        <a:rPr lang="ko-KR" altLang="en-US" sz="1100" b="0" i="0" u="none" strike="noStrike" dirty="0">
+                          <a:solidFill>
+                            <a:srgbClr val="000000"/>
+                          </a:solidFill>
+                          <a:effectLst/>
+                          <a:latin typeface="맑은 고딕" panose="020B0503020000020004" pitchFamily="50" charset="-127"/>
+                          <a:ea typeface="맑은 고딕" panose="020B0503020000020004" pitchFamily="50" charset="-127"/>
+                        </a:rPr>
+                        <a:t>개별 프로젝트 진행</a:t>
+                      </a:r>
+                    </a:p>
+                  </a:txBody>
+                  <a:tcPr marL="9525" marR="9525" marT="9525" marB="0" anchor="ctr"/>
+                </a:tc>
+                <a:tc>
+                  <a:txBody>
+                    <a:bodyPr/>
+                    <a:lstStyle/>
+                    <a:p>
+                      <a:pPr algn="ctr" fontAlgn="ctr"/>
+                      <a:r>
+                        <a:rPr lang="en-US" altLang="ko-KR" sz="1100" b="0" i="0" u="none" strike="noStrike" dirty="0">
+                          <a:solidFill>
+                            <a:srgbClr val="000000"/>
+                          </a:solidFill>
+                          <a:effectLst/>
+                          <a:latin typeface="맑은 고딕" panose="020B0503020000020004" pitchFamily="50" charset="-127"/>
+                          <a:ea typeface="맑은 고딕" panose="020B0503020000020004" pitchFamily="50" charset="-127"/>
+                        </a:rPr>
+                        <a:t>-</a:t>
+                      </a:r>
+                      <a:endParaRPr lang="ko-KR" altLang="en-US" sz="1100" b="0" i="0" u="none" strike="noStrike" dirty="0">
+                        <a:solidFill>
+                          <a:srgbClr val="000000"/>
+                        </a:solidFill>
+                        <a:effectLst/>
+                        <a:latin typeface="맑은 고딕" panose="020B0503020000020004" pitchFamily="50" charset="-127"/>
+                        <a:ea typeface="맑은 고딕" panose="020B0503020000020004" pitchFamily="50" charset="-127"/>
+                      </a:endParaRPr>
+                    </a:p>
+                  </a:txBody>
+                  <a:tcPr marL="9525" marR="9525" marT="9525" marB="0" anchor="ctr"/>
+                </a:tc>
+                <a:extLst>
+                  <a:ext uri="{0D108BD9-81ED-4DB2-BD59-A6C34878D82A}">
+                    <a16:rowId xmlns:a16="http://schemas.microsoft.com/office/drawing/2014/main" val="131442803"/>
+                  </a:ext>
+                </a:extLst>
+              </a:tr>
+              <a:tr h="316051">
+                <a:tc>
+                  <a:txBody>
+                    <a:bodyPr/>
+                    <a:lstStyle/>
+                    <a:p>
+                      <a:pPr algn="r" fontAlgn="ctr"/>
+                      <a:r>
+                        <a:rPr lang="en-US" altLang="ko-KR" sz="1100" b="0" i="0" u="none" strike="noStrike" dirty="0">
+                          <a:solidFill>
+                            <a:srgbClr val="000000"/>
+                          </a:solidFill>
+                          <a:effectLst/>
+                          <a:latin typeface="맑은 고딕" panose="020B0503020000020004" pitchFamily="50" charset="-127"/>
+                          <a:ea typeface="맑은 고딕" panose="020B0503020000020004" pitchFamily="50" charset="-127"/>
+                        </a:rPr>
+                        <a:t>15 (12/7)</a:t>
+                      </a:r>
+                    </a:p>
+                  </a:txBody>
+                  <a:tcPr marL="9525" marR="9525" marT="9525" marB="0" anchor="ctr"/>
+                </a:tc>
+                <a:tc gridSpan="2">
+                  <a:txBody>
+                    <a:bodyPr/>
+                    <a:lstStyle/>
+                    <a:p>
+                      <a:pPr algn="ctr" fontAlgn="ctr"/>
+                      <a:r>
+                        <a:rPr lang="ko-KR" altLang="en-US" sz="1100" b="0" i="0" u="none" strike="noStrike" dirty="0">
+                          <a:solidFill>
+                            <a:srgbClr val="000000"/>
+                          </a:solidFill>
+                          <a:effectLst/>
+                          <a:latin typeface="맑은 고딕" panose="020B0503020000020004" pitchFamily="50" charset="-127"/>
+                          <a:ea typeface="+mn-ea"/>
+                        </a:rPr>
+                        <a:t>개인 프로젝트 </a:t>
+                      </a:r>
+                      <a:r>
+                        <a:rPr lang="en-US" altLang="ko-KR" sz="1100" b="0" i="0" u="none" strike="noStrike" dirty="0">
+                          <a:solidFill>
+                            <a:srgbClr val="000000"/>
+                          </a:solidFill>
+                          <a:effectLst/>
+                          <a:latin typeface="맑은 고딕" panose="020B0503020000020004" pitchFamily="50" charset="-127"/>
+                          <a:ea typeface="+mn-ea"/>
+                        </a:rPr>
+                        <a:t>3: </a:t>
+                      </a:r>
+                      <a:r>
+                        <a:rPr lang="ko-KR" altLang="en-US" sz="1100" b="0" i="0" u="none" strike="noStrike" dirty="0">
+                          <a:solidFill>
+                            <a:srgbClr val="000000"/>
+                          </a:solidFill>
+                          <a:effectLst/>
+                          <a:latin typeface="맑은 고딕" panose="020B0503020000020004" pitchFamily="50" charset="-127"/>
+                          <a:ea typeface="+mn-ea"/>
+                        </a:rPr>
+                        <a:t>최종 프로젝트 발표</a:t>
+                      </a:r>
+                      <a:r>
+                        <a:rPr lang="en-US" altLang="ko-KR" sz="1100" b="0" i="0" u="none" strike="noStrike" dirty="0">
+                          <a:solidFill>
+                            <a:srgbClr val="000000"/>
+                          </a:solidFill>
+                          <a:effectLst/>
+                          <a:latin typeface="맑은 고딕" panose="020B0503020000020004" pitchFamily="50" charset="-127"/>
+                          <a:ea typeface="+mn-ea"/>
+                        </a:rPr>
+                        <a:t>, </a:t>
+                      </a:r>
+                      <a:r>
+                        <a:rPr lang="ko-KR" altLang="en-US" sz="1100" b="0" i="0" u="none" strike="noStrike" dirty="0">
+                          <a:solidFill>
+                            <a:srgbClr val="000000"/>
+                          </a:solidFill>
+                          <a:effectLst/>
+                          <a:latin typeface="맑은 고딕" panose="020B0503020000020004" pitchFamily="50" charset="-127"/>
+                          <a:ea typeface="+mn-ea"/>
+                        </a:rPr>
+                        <a:t>기능 구현 소개 및 시연</a:t>
+                      </a:r>
+                      <a:r>
+                        <a:rPr lang="en-US" altLang="ko-KR" sz="1100" b="0" i="0" u="none" strike="noStrike" dirty="0">
+                          <a:solidFill>
+                            <a:srgbClr val="000000"/>
+                          </a:solidFill>
+                          <a:effectLst/>
+                          <a:latin typeface="맑은 고딕" panose="020B0503020000020004" pitchFamily="50" charset="-127"/>
+                          <a:ea typeface="+mn-ea"/>
+                        </a:rPr>
+                        <a:t>, </a:t>
+                      </a:r>
+                      <a:br>
+                        <a:rPr lang="en-US" altLang="ko-KR" sz="1100" b="0" i="0" u="none" strike="noStrike" dirty="0">
+                          <a:solidFill>
+                            <a:srgbClr val="000000"/>
+                          </a:solidFill>
+                          <a:effectLst/>
+                          <a:latin typeface="맑은 고딕" panose="020B0503020000020004" pitchFamily="50" charset="-127"/>
+                          <a:ea typeface="+mn-ea"/>
+                        </a:rPr>
+                      </a:br>
+                      <a:r>
+                        <a:rPr lang="en-US" altLang="ko-KR" sz="1100" b="0" i="0" u="none" strike="noStrike" dirty="0">
+                          <a:solidFill>
+                            <a:srgbClr val="000000"/>
+                          </a:solidFill>
+                          <a:effectLst/>
+                          <a:latin typeface="맑은 고딕" panose="020B0503020000020004" pitchFamily="50" charset="-127"/>
+                          <a:ea typeface="+mn-ea"/>
+                        </a:rPr>
+                        <a:t>OSS </a:t>
+                      </a:r>
+                      <a:r>
+                        <a:rPr lang="ko-KR" altLang="en-US" sz="1100" b="0" i="0" u="none" strike="noStrike" dirty="0">
+                          <a:solidFill>
+                            <a:srgbClr val="000000"/>
+                          </a:solidFill>
+                          <a:effectLst/>
+                          <a:latin typeface="맑은 고딕" panose="020B0503020000020004" pitchFamily="50" charset="-127"/>
+                          <a:ea typeface="+mn-ea"/>
+                        </a:rPr>
+                        <a:t>커뮤니티 활동 소개 </a:t>
+                      </a:r>
+                      <a:r>
+                        <a:rPr lang="en-US" altLang="ko-KR" sz="1100" b="0" i="0" u="none" strike="noStrike" dirty="0">
+                          <a:solidFill>
+                            <a:srgbClr val="000000"/>
+                          </a:solidFill>
+                          <a:effectLst/>
+                          <a:latin typeface="맑은 고딕" panose="020B0503020000020004" pitchFamily="50" charset="-127"/>
+                          <a:ea typeface="+mn-ea"/>
+                        </a:rPr>
+                        <a:t>(online)</a:t>
+                      </a:r>
+                      <a:endParaRPr lang="ko-KR" altLang="en-US" sz="1100" b="0" i="0" u="none" strike="noStrike" dirty="0">
+                        <a:solidFill>
+                          <a:srgbClr val="000000"/>
+                        </a:solidFill>
+                        <a:effectLst/>
+                        <a:latin typeface="맑은 고딕" panose="020B0503020000020004" pitchFamily="50" charset="-127"/>
+                        <a:ea typeface="+mn-ea"/>
+                      </a:endParaRPr>
+                    </a:p>
+                  </a:txBody>
+                  <a:tcPr marL="9525" marR="9525" marT="9525" marB="0" anchor="ctr">
+                    <a:solidFill>
+                      <a:schemeClr val="accent4"/>
+                    </a:solidFill>
+                  </a:tcPr>
+                </a:tc>
+                <a:tc hMerge="1">
+                  <a:txBody>
+                    <a:bodyPr/>
+                    <a:lstStyle/>
+                    <a:p>
+                      <a:pPr algn="ctr" fontAlgn="ctr"/>
+                      <a:endParaRPr lang="ko-KR" altLang="en-US" sz="1100" b="0" i="0" u="none" strike="noStrike" dirty="0">
+                        <a:solidFill>
+                          <a:srgbClr val="000000"/>
+                        </a:solidFill>
+                        <a:effectLst/>
+                        <a:latin typeface="맑은 고딕" panose="020B0503020000020004" pitchFamily="50" charset="-127"/>
+                        <a:ea typeface="맑은 고딕" panose="020B0503020000020004" pitchFamily="50" charset="-127"/>
+                      </a:endParaRPr>
+                    </a:p>
+                  </a:txBody>
+                  <a:tcPr marL="9525" marR="9525" marT="9525" marB="0" anchor="ctr"/>
+                </a:tc>
+                <a:tc>
+                  <a:txBody>
+                    <a:bodyPr/>
+                    <a:lstStyle/>
+                    <a:p>
+                      <a:pPr marL="0" marR="0" lvl="0" indent="0" algn="ctr" defTabSz="914400" rtl="0" eaLnBrk="1" fontAlgn="ctr" latinLnBrk="1" hangingPunct="1">
+                        <a:lnSpc>
+                          <a:spcPct val="100000"/>
+                        </a:lnSpc>
+                        <a:spcBef>
+                          <a:spcPts val="0"/>
+                        </a:spcBef>
+                        <a:spcAft>
+                          <a:spcPts val="0"/>
+                        </a:spcAft>
+                        <a:buClrTx/>
+                        <a:buSzTx/>
+                        <a:buFontTx/>
+                        <a:buNone/>
+                        <a:tabLst/>
+                        <a:defRPr/>
+                      </a:pPr>
+                      <a:r>
+                        <a:rPr lang="ko-KR" altLang="en-US" sz="1100" b="1" i="0" u="none" strike="noStrike" dirty="0">
+                          <a:solidFill>
+                            <a:schemeClr val="tx1"/>
+                          </a:solidFill>
+                          <a:effectLst/>
+                          <a:latin typeface="맑은 고딕" panose="020B0503020000020004" pitchFamily="50" charset="-127"/>
+                          <a:ea typeface="+mn-ea"/>
+                        </a:rPr>
+                        <a:t>발표 동영상 제출</a:t>
+                      </a:r>
+                    </a:p>
+                  </a:txBody>
+                  <a:tcPr marL="9525" marR="9525" marT="9525" marB="0" anchor="ctr"/>
+                </a:tc>
+                <a:extLst>
+                  <a:ext uri="{0D108BD9-81ED-4DB2-BD59-A6C34878D82A}">
+                    <a16:rowId xmlns:a16="http://schemas.microsoft.com/office/drawing/2014/main" val="3059488451"/>
+                  </a:ext>
+                </a:extLst>
+              </a:tr>
+            </a:tbl>
+          </a:graphicData>
+        </a:graphic>
+      </p:graphicFrame>
       <p:sp>
         <p:nvSpPr>
-          <p:cNvPr id="3" name="내용 개체 틀 2"/>
-          <p:cNvSpPr>
-            <a:spLocks noGrp="1"/>
-          </p:cNvSpPr>
-          <p:nvPr>
-            <p:ph idx="1"/>
-          </p:nvPr>
-        </p:nvSpPr>
-        <p:spPr/>
-        <p:txBody>
-          <a:bodyPr/>
-          <a:lstStyle/>
-          <a:p>
-            <a:r>
-              <a:rPr lang="ko-KR" altLang="en-US" sz="2400" dirty="0"/>
-              <a:t>강의 공지</a:t>
-            </a:r>
-            <a:r>
-              <a:rPr lang="en-US" altLang="ko-KR" sz="2400" dirty="0"/>
-              <a:t>: </a:t>
-            </a:r>
-            <a:r>
-              <a:rPr lang="ko-KR" altLang="en-US" dirty="0"/>
-              <a:t>강의 자료</a:t>
-            </a:r>
-            <a:r>
-              <a:rPr lang="en-US" altLang="ko-KR" dirty="0"/>
-              <a:t>, </a:t>
-            </a:r>
-            <a:r>
-              <a:rPr lang="ko-KR" altLang="en-US" sz="2400" dirty="0"/>
-              <a:t>시험</a:t>
-            </a:r>
-            <a:r>
-              <a:rPr lang="en-US" altLang="ko-KR" sz="2400" dirty="0"/>
-              <a:t>, </a:t>
-            </a:r>
-            <a:r>
-              <a:rPr lang="ko-KR" altLang="en-US" sz="2400" dirty="0"/>
-              <a:t>과제 제출</a:t>
-            </a:r>
-            <a:r>
-              <a:rPr lang="en-US" altLang="ko-KR" sz="2400" dirty="0"/>
-              <a:t>, </a:t>
-            </a:r>
-            <a:r>
-              <a:rPr lang="ko-KR" altLang="en-US" sz="2400" dirty="0"/>
-              <a:t>점수 공개 및 휴강 등</a:t>
-            </a:r>
-            <a:endParaRPr lang="en-US" altLang="ko-KR" sz="2400" dirty="0"/>
-          </a:p>
-          <a:p>
-            <a:pPr lvl="1"/>
-            <a:r>
-              <a:rPr lang="en-US" altLang="ko-KR" dirty="0">
-                <a:hlinkClick r:id="rId2"/>
-              </a:rPr>
-              <a:t>https://ieilms.jbnu.ac.kr</a:t>
-            </a:r>
-            <a:endParaRPr lang="en-US" altLang="ko-KR" sz="2000" dirty="0"/>
-          </a:p>
-          <a:p>
-            <a:pPr lvl="1"/>
-            <a:r>
-              <a:rPr lang="ko-KR" altLang="en-US" sz="2000" dirty="0"/>
-              <a:t>수시로 확인할 것</a:t>
-            </a:r>
-            <a:endParaRPr lang="en-US" altLang="ko-KR" sz="2000" dirty="0"/>
-          </a:p>
-          <a:p>
-            <a:pPr lvl="1"/>
-            <a:endParaRPr lang="en-US" altLang="ko-KR" dirty="0"/>
-          </a:p>
-          <a:p>
-            <a:pPr lvl="2"/>
-            <a:endParaRPr lang="en-US" altLang="ko-KR" sz="1800" dirty="0"/>
-          </a:p>
-          <a:p>
-            <a:endParaRPr lang="en-US" altLang="ko-KR" dirty="0"/>
-          </a:p>
-          <a:p>
-            <a:r>
-              <a:rPr lang="ko-KR" altLang="en-US" sz="2400" dirty="0"/>
-              <a:t>수업 질의 응답</a:t>
-            </a:r>
-            <a:endParaRPr lang="en-US" altLang="ko-KR" sz="2400" dirty="0"/>
-          </a:p>
-          <a:p>
-            <a:pPr lvl="1"/>
-            <a:r>
-              <a:rPr lang="en-US" altLang="ko-KR" dirty="0"/>
-              <a:t>LMS </a:t>
-            </a:r>
-            <a:r>
-              <a:rPr lang="ko-KR" altLang="en-US" dirty="0"/>
-              <a:t>의 질문 게시판 이용할 것</a:t>
-            </a:r>
-            <a:endParaRPr lang="en-US" altLang="ko-KR" dirty="0"/>
-          </a:p>
-          <a:p>
-            <a:pPr lvl="1"/>
-            <a:r>
-              <a:rPr lang="ko-KR" altLang="en-US" sz="2000" dirty="0"/>
-              <a:t>너무 부끄러운 경우</a:t>
-            </a:r>
-            <a:r>
-              <a:rPr lang="en-US" altLang="ko-KR" sz="2000" dirty="0"/>
-              <a:t>, </a:t>
-            </a:r>
-            <a:r>
-              <a:rPr lang="ko-KR" altLang="en-US" sz="2000" dirty="0"/>
-              <a:t>이메일 이용 </a:t>
-            </a:r>
-            <a:r>
-              <a:rPr lang="en-US" altLang="ko-KR" sz="2000" dirty="0"/>
-              <a:t>: </a:t>
-            </a:r>
-            <a:r>
-              <a:rPr lang="en-US" altLang="ko-KR" sz="2000" dirty="0">
-                <a:hlinkClick r:id="rId3"/>
-              </a:rPr>
-              <a:t>hyunchan.park@jbnu.ac.kr</a:t>
-            </a:r>
-            <a:endParaRPr lang="en-US" altLang="ko-KR" sz="2000" dirty="0"/>
-          </a:p>
-          <a:p>
-            <a:pPr lvl="1"/>
-            <a:endParaRPr lang="ko-KR" altLang="en-US" sz="2000" dirty="0"/>
-          </a:p>
-        </p:txBody>
-      </p:sp>
-      <p:sp>
-        <p:nvSpPr>
-          <p:cNvPr id="4" name="슬라이드 번호 개체 틀 3"/>
+          <p:cNvPr id="3" name="슬라이드 번호 개체 틀 2"/>
           <p:cNvSpPr>
             <a:spLocks noGrp="1"/>
           </p:cNvSpPr>
@@ -8153,40 +10833,10 @@
           </a:p>
         </p:txBody>
       </p:sp>
-      <p:pic>
-        <p:nvPicPr>
-          <p:cNvPr id="5" name="그림 4">
-            <a:extLst>
-              <a:ext uri="{FF2B5EF4-FFF2-40B4-BE49-F238E27FC236}">
-                <a16:creationId xmlns:a16="http://schemas.microsoft.com/office/drawing/2014/main" id="{C3997088-E7DF-45BD-B8FA-370E3CB8DA0E}"/>
-              </a:ext>
-            </a:extLst>
-          </p:cNvPr>
-          <p:cNvPicPr>
-            <a:picLocks noChangeAspect="1"/>
-          </p:cNvPicPr>
-          <p:nvPr/>
-        </p:nvPicPr>
-        <p:blipFill>
-          <a:blip r:embed="rId4"/>
-          <a:stretch>
-            <a:fillRect/>
-          </a:stretch>
-        </p:blipFill>
-        <p:spPr>
-          <a:xfrm>
-            <a:off x="3352551" y="2515229"/>
-            <a:ext cx="5662613" cy="913771"/>
-          </a:xfrm>
-          <a:prstGeom prst="rect">
-            <a:avLst/>
-          </a:prstGeom>
-        </p:spPr>
-      </p:pic>
     </p:spTree>
     <p:extLst>
       <p:ext uri="{BB962C8B-B14F-4D97-AF65-F5344CB8AC3E}">
-        <p14:creationId xmlns:p14="http://schemas.microsoft.com/office/powerpoint/2010/main" val="3670590277"/>
+        <p14:creationId xmlns:p14="http://schemas.microsoft.com/office/powerpoint/2010/main" val="490676491"/>
       </p:ext>
     </p:extLst>
   </p:cSld>
@@ -8401,7 +11051,7 @@
           <p:cNvPr id="2" name="제목 1">
             <a:extLst>
               <a:ext uri="{FF2B5EF4-FFF2-40B4-BE49-F238E27FC236}">
-                <a16:creationId xmlns:a16="http://schemas.microsoft.com/office/drawing/2014/main" id="{8148286B-0A12-4922-B822-D3DE30F78275}"/>
+                <a16:creationId xmlns:a16="http://schemas.microsoft.com/office/drawing/2014/main" id="{0EF246EA-8CA5-438D-ABCA-25459C5D519A}"/>
               </a:ext>
             </a:extLst>
           </p:cNvPr>
@@ -8418,61 +11068,299 @@
           <a:lstStyle/>
           <a:p>
             <a:r>
+              <a:rPr lang="en-US" altLang="ko-KR" dirty="0"/>
+              <a:t>2020 </a:t>
+            </a:r>
+            <a:r>
               <a:rPr lang="ko-KR" altLang="en-US" dirty="0"/>
-              <a:t>강의 자료 및 공지</a:t>
+              <a:t>공개</a:t>
             </a:r>
             <a:r>
               <a:rPr lang="en-US" altLang="ko-KR" dirty="0"/>
-              <a:t>: </a:t>
-            </a:r>
-            <a:r>
-              <a:rPr lang="en-US" altLang="ko-KR" strike="sngStrike" dirty="0"/>
-              <a:t>KEDILMS</a:t>
-            </a:r>
+              <a:t>SW </a:t>
+            </a:r>
+            <a:r>
+              <a:rPr lang="ko-KR" altLang="en-US" dirty="0"/>
+              <a:t>대학생 체험캠프</a:t>
+            </a:r>
+          </a:p>
+        </p:txBody>
+      </p:sp>
+      <p:sp>
+        <p:nvSpPr>
+          <p:cNvPr id="4" name="슬라이드 번호 개체 틀 3">
+            <a:extLst>
+              <a:ext uri="{FF2B5EF4-FFF2-40B4-BE49-F238E27FC236}">
+                <a16:creationId xmlns:a16="http://schemas.microsoft.com/office/drawing/2014/main" id="{B8241303-4E66-4A4F-B73A-7E01EBEDB38C}"/>
+              </a:ext>
+            </a:extLst>
+          </p:cNvPr>
+          <p:cNvSpPr>
+            <a:spLocks noGrp="1"/>
+          </p:cNvSpPr>
+          <p:nvPr>
+            <p:ph type="sldNum" sz="quarter" idx="12"/>
+          </p:nvPr>
+        </p:nvSpPr>
+        <p:spPr/>
+        <p:txBody>
+          <a:bodyPr/>
+          <a:lstStyle/>
+          <a:p>
+            <a:fld id="{64F0D409-D3F6-4EEC-8C77-1F5E89989FFB}" type="slidenum">
+              <a:rPr lang="ko-KR" altLang="en-US" smtClean="0"/>
+              <a:pPr/>
+              <a:t>20</a:t>
+            </a:fld>
+            <a:endParaRPr lang="ko-KR" altLang="en-US"/>
+          </a:p>
+        </p:txBody>
+      </p:sp>
+      <p:sp>
+        <p:nvSpPr>
+          <p:cNvPr id="13" name="내용 개체 틀 12">
+            <a:extLst>
+              <a:ext uri="{FF2B5EF4-FFF2-40B4-BE49-F238E27FC236}">
+                <a16:creationId xmlns:a16="http://schemas.microsoft.com/office/drawing/2014/main" id="{11CABA8D-483C-4E08-B8E3-AD40A610E21B}"/>
+              </a:ext>
+            </a:extLst>
+          </p:cNvPr>
+          <p:cNvSpPr>
+            <a:spLocks noGrp="1"/>
+          </p:cNvSpPr>
+          <p:nvPr>
+            <p:ph idx="1"/>
+          </p:nvPr>
+        </p:nvSpPr>
+        <p:spPr>
+          <a:xfrm>
+            <a:off x="395536" y="1058566"/>
+            <a:ext cx="4770174" cy="5269953"/>
+          </a:xfrm>
+        </p:spPr>
+        <p:txBody>
+          <a:bodyPr/>
+          <a:lstStyle/>
+          <a:p>
+            <a:r>
+              <a:rPr lang="ko-KR" altLang="en-US" sz="2000" dirty="0"/>
+              <a:t>온라인으로 </a:t>
+            </a:r>
+            <a:r>
+              <a:rPr lang="en-US" altLang="ko-KR" sz="2000" dirty="0"/>
+              <a:t>2</a:t>
+            </a:r>
+            <a:r>
+              <a:rPr lang="ko-KR" altLang="en-US" sz="2000" dirty="0"/>
+              <a:t>일 간 진행</a:t>
+            </a:r>
+            <a:endParaRPr lang="en-US" altLang="ko-KR" sz="2000" dirty="0"/>
+          </a:p>
+          <a:p>
+            <a:pPr lvl="1"/>
+            <a:r>
+              <a:rPr lang="ko-KR" altLang="en-US" sz="1800" dirty="0"/>
+              <a:t>일정</a:t>
+            </a:r>
+            <a:r>
+              <a:rPr lang="en-US" altLang="ko-KR" sz="1800" dirty="0"/>
+              <a:t>: 10</a:t>
+            </a:r>
+            <a:r>
+              <a:rPr lang="ko-KR" altLang="en-US" sz="1800" dirty="0"/>
+              <a:t>월 중순</a:t>
+            </a:r>
+            <a:endParaRPr lang="en-US" altLang="ko-KR" sz="1800" dirty="0"/>
+          </a:p>
+          <a:p>
+            <a:pPr lvl="1"/>
+            <a:r>
+              <a:rPr lang="en-US" altLang="ko-KR" sz="1800" dirty="0"/>
+              <a:t>2</a:t>
+            </a:r>
+            <a:r>
+              <a:rPr lang="ko-KR" altLang="en-US" sz="1800" dirty="0"/>
+              <a:t>주 수업 대체하여 참석</a:t>
+            </a:r>
+            <a:endParaRPr lang="en-US" altLang="ko-KR" sz="1800" dirty="0"/>
+          </a:p>
+          <a:p>
+            <a:pPr lvl="1"/>
+            <a:r>
+              <a:rPr lang="ko-KR" altLang="en-US" sz="1800" dirty="0"/>
+              <a:t>실습 결과물을 개인 과제 </a:t>
+            </a:r>
+            <a:r>
+              <a:rPr lang="en-US" altLang="ko-KR" sz="1800" dirty="0"/>
+              <a:t>5,6 </a:t>
+            </a:r>
+            <a:r>
+              <a:rPr lang="ko-KR" altLang="en-US" sz="1800" dirty="0"/>
+              <a:t>으로 제출</a:t>
+            </a:r>
+            <a:endParaRPr lang="en-US" altLang="ko-KR" sz="1800" dirty="0"/>
+          </a:p>
+          <a:p>
+            <a:pPr lvl="1"/>
+            <a:endParaRPr lang="en-US" altLang="ko-KR" sz="1800" dirty="0"/>
+          </a:p>
+          <a:p>
+            <a:r>
+              <a:rPr lang="ko-KR" altLang="en-US" sz="2000" dirty="0"/>
+              <a:t>주제</a:t>
+            </a:r>
+            <a:endParaRPr lang="en-US" altLang="ko-KR" sz="2000" dirty="0"/>
+          </a:p>
+          <a:p>
+            <a:pPr marL="914400" lvl="1" indent="-457200">
+              <a:buFont typeface="+mj-lt"/>
+              <a:buAutoNum type="arabicPeriod"/>
+            </a:pPr>
+            <a:r>
+              <a:rPr lang="ko-KR" altLang="en-US" sz="1800" dirty="0"/>
+              <a:t>공개</a:t>
+            </a:r>
+            <a:r>
+              <a:rPr lang="en-US" altLang="ko-KR" sz="1800" dirty="0"/>
+              <a:t>SW </a:t>
+            </a:r>
+            <a:r>
+              <a:rPr lang="ko-KR" altLang="en-US" sz="1800" dirty="0"/>
+              <a:t>이해 및 실습</a:t>
+            </a:r>
+            <a:endParaRPr lang="en-US" altLang="ko-KR" sz="1800" dirty="0"/>
+          </a:p>
+          <a:p>
+            <a:pPr marL="1371600" lvl="2" indent="-457200">
+              <a:buFont typeface="+mj-lt"/>
+              <a:buAutoNum type="arabicPeriod"/>
+            </a:pPr>
+            <a:r>
+              <a:rPr lang="ko-KR" altLang="en-US" sz="1600" dirty="0"/>
+              <a:t>자바스크립트 </a:t>
+            </a:r>
+            <a:r>
+              <a:rPr lang="en-US" altLang="ko-KR" sz="1600" dirty="0"/>
+              <a:t>or </a:t>
+            </a:r>
+            <a:r>
+              <a:rPr lang="en-US" altLang="ko-KR" sz="1600" dirty="0" err="1"/>
+              <a:t>pytorch</a:t>
+            </a:r>
+            <a:r>
+              <a:rPr lang="en-US" altLang="ko-KR" sz="1600" dirty="0"/>
+              <a:t> contribution</a:t>
+            </a:r>
+          </a:p>
+          <a:p>
+            <a:pPr marL="914400" lvl="1" indent="-457200">
+              <a:buFont typeface="+mj-lt"/>
+              <a:buAutoNum type="arabicPeriod"/>
+            </a:pPr>
+            <a:r>
+              <a:rPr lang="ko-KR" altLang="en-US" sz="1800" dirty="0"/>
+              <a:t>공개</a:t>
+            </a:r>
+            <a:r>
+              <a:rPr lang="en-US" altLang="ko-KR" sz="1800" dirty="0"/>
+              <a:t>SW </a:t>
+            </a:r>
+            <a:r>
+              <a:rPr lang="ko-KR" altLang="en-US" sz="1800" dirty="0"/>
+              <a:t>기반 인공지능 실습</a:t>
+            </a:r>
+            <a:endParaRPr lang="en-US" altLang="ko-KR" sz="1800" dirty="0"/>
+          </a:p>
+          <a:p>
+            <a:pPr marL="1371600" lvl="2" indent="-457200">
+              <a:buFont typeface="+mj-lt"/>
+              <a:buAutoNum type="arabicPeriod"/>
+            </a:pPr>
             <a:r>
               <a:rPr lang="en-US" altLang="ko-KR" dirty="0"/>
-              <a:t> IEILMS</a:t>
+              <a:t>“</a:t>
+            </a:r>
+            <a:r>
+              <a:rPr lang="en-US" altLang="ko-KR" dirty="0" err="1"/>
+              <a:t>keras</a:t>
+            </a:r>
+            <a:r>
+              <a:rPr lang="ko-KR" altLang="en-US" dirty="0"/>
+              <a:t>를 사용한 딥러닝 입문</a:t>
+            </a:r>
+            <a:r>
+              <a:rPr lang="en-US" altLang="ko-KR" dirty="0"/>
+              <a:t>”</a:t>
             </a:r>
             <a:endParaRPr lang="ko-KR" altLang="en-US" dirty="0"/>
+          </a:p>
+          <a:p>
+            <a:pPr marL="1371600" lvl="2" indent="-457200">
+              <a:buFont typeface="+mj-lt"/>
+              <a:buAutoNum type="arabicPeriod"/>
+            </a:pPr>
+            <a:endParaRPr lang="en-US" altLang="ko-KR" sz="1600" dirty="0"/>
+          </a:p>
+          <a:p>
+            <a:pPr marL="457200" indent="-457200">
+              <a:buFont typeface="+mj-lt"/>
+              <a:buAutoNum type="arabicPeriod"/>
+            </a:pPr>
+            <a:endParaRPr lang="en-US" altLang="ko-KR" sz="2200" dirty="0"/>
           </a:p>
         </p:txBody>
       </p:sp>
       <p:pic>
         <p:nvPicPr>
-          <p:cNvPr id="7" name="내용 개체 틀 6">
+          <p:cNvPr id="1030" name="Picture 6">
             <a:extLst>
               <a:ext uri="{FF2B5EF4-FFF2-40B4-BE49-F238E27FC236}">
-                <a16:creationId xmlns:a16="http://schemas.microsoft.com/office/drawing/2014/main" id="{83E7A5DA-B90A-40DD-8B71-6257B3BB284B}"/>
+                <a16:creationId xmlns:a16="http://schemas.microsoft.com/office/drawing/2014/main" id="{ACEAADEC-1DF1-4089-AEE4-FD7C2FAF1E47}"/>
               </a:ext>
             </a:extLst>
           </p:cNvPr>
           <p:cNvPicPr>
-            <a:picLocks noGrp="1" noChangeAspect="1"/>
+            <a:picLocks noChangeAspect="1" noChangeArrowheads="1"/>
           </p:cNvPicPr>
-          <p:nvPr>
-            <p:ph idx="1"/>
-          </p:nvPr>
+          <p:nvPr/>
         </p:nvPicPr>
         <p:blipFill>
-          <a:blip r:embed="rId2"/>
+          <a:blip r:embed="rId2">
+            <a:extLst>
+              <a:ext uri="{28A0092B-C50C-407E-A947-70E740481C1C}">
+                <a14:useLocalDpi xmlns:a14="http://schemas.microsoft.com/office/drawing/2010/main" val="0"/>
+              </a:ext>
+            </a:extLst>
+          </a:blip>
+          <a:srcRect/>
           <a:stretch>
             <a:fillRect/>
           </a:stretch>
         </p:blipFill>
-        <p:spPr>
+        <p:spPr bwMode="auto">
           <a:xfrm>
-            <a:off x="31750" y="1257301"/>
-            <a:ext cx="9080502" cy="4872036"/>
+            <a:off x="5070369" y="1058566"/>
+            <a:ext cx="4020777" cy="5357729"/>
           </a:xfrm>
           <a:prstGeom prst="rect">
             <a:avLst/>
           </a:prstGeom>
+          <a:noFill/>
+          <a:extLst>
+            <a:ext uri="{909E8E84-426E-40DD-AFC4-6F175D3DCCD1}">
+              <a14:hiddenFill xmlns:a14="http://schemas.microsoft.com/office/drawing/2010/main">
+                <a:solidFill>
+                  <a:srgbClr val="FFFFFF"/>
+                </a:solidFill>
+              </a14:hiddenFill>
+            </a:ext>
+          </a:extLst>
         </p:spPr>
       </p:pic>
     </p:spTree>
     <p:extLst>
       <p:ext uri="{BB962C8B-B14F-4D97-AF65-F5344CB8AC3E}">
-        <p14:creationId xmlns:p14="http://schemas.microsoft.com/office/powerpoint/2010/main" val="3337366115"/>
+        <p14:creationId xmlns:p14="http://schemas.microsoft.com/office/powerpoint/2010/main" val="2127232838"/>
       </p:ext>
     </p:extLst>
   </p:cSld>
@@ -8511,14 +11399,15 @@
         </p:nvSpPr>
         <p:spPr/>
         <p:txBody>
-          <a:bodyPr/>
+          <a:bodyPr>
+            <a:normAutofit/>
+          </a:bodyPr>
           <a:lstStyle/>
           <a:p>
             <a:r>
-              <a:rPr lang="en-US" altLang="ko-KR" dirty="0"/>
-              <a:t>Contact</a:t>
-            </a:r>
-            <a:endParaRPr lang="ko-KR" altLang="en-US" dirty="0"/>
+              <a:rPr lang="ko-KR" altLang="en-US" dirty="0"/>
+              <a:t>강의 공지 및 자료</a:t>
+            </a:r>
           </a:p>
         </p:txBody>
       </p:sp>
@@ -8538,58 +11427,170 @@
           <a:lstStyle/>
           <a:p>
             <a:r>
+              <a:rPr lang="ko-KR" altLang="en-US" sz="2400" dirty="0"/>
+              <a:t>강의 공지</a:t>
+            </a:r>
+            <a:r>
+              <a:rPr lang="en-US" altLang="ko-KR" sz="2400" dirty="0"/>
+              <a:t>: </a:t>
+            </a:r>
+            <a:r>
+              <a:rPr lang="ko-KR" altLang="en-US" dirty="0"/>
+              <a:t>강의 자료</a:t>
+            </a:r>
+            <a:r>
               <a:rPr lang="en-US" altLang="ko-KR" dirty="0"/>
-              <a:t>Hyunchan Park, assistant professor</a:t>
-            </a:r>
-          </a:p>
-          <a:p>
-            <a:r>
-              <a:rPr lang="en-US" altLang="ko-KR" dirty="0"/>
-              <a:t>Office: 7</a:t>
-            </a:r>
-            <a:r>
-              <a:rPr lang="ko-KR" altLang="en-US" dirty="0"/>
-              <a:t>호관 </a:t>
-            </a:r>
-            <a:r>
-              <a:rPr lang="en-US" altLang="ko-KR" dirty="0"/>
-              <a:t>626</a:t>
-            </a:r>
-            <a:r>
-              <a:rPr lang="ko-KR" altLang="en-US" dirty="0"/>
-              <a:t>호</a:t>
-            </a:r>
-            <a:endParaRPr lang="en-US" altLang="ko-KR" dirty="0"/>
-          </a:p>
-          <a:p>
-            <a:r>
-              <a:rPr lang="en-US" altLang="ko-KR" dirty="0"/>
-              <a:t>E-mail: </a:t>
-            </a:r>
+              <a:t>, </a:t>
+            </a:r>
+            <a:r>
+              <a:rPr lang="ko-KR" altLang="en-US" sz="2400" dirty="0"/>
+              <a:t>시험</a:t>
+            </a:r>
+            <a:r>
+              <a:rPr lang="en-US" altLang="ko-KR" sz="2400" dirty="0"/>
+              <a:t>, </a:t>
+            </a:r>
+            <a:r>
+              <a:rPr lang="ko-KR" altLang="en-US" sz="2400" dirty="0"/>
+              <a:t>과제 제출</a:t>
+            </a:r>
+            <a:r>
+              <a:rPr lang="en-US" altLang="ko-KR" sz="2400" dirty="0"/>
+              <a:t>, </a:t>
+            </a:r>
+            <a:r>
+              <a:rPr lang="ko-KR" altLang="en-US" sz="2400" dirty="0"/>
+              <a:t>점수 공개 및 휴강 등</a:t>
+            </a:r>
+            <a:endParaRPr lang="en-US" altLang="ko-KR" sz="2400" dirty="0"/>
+          </a:p>
+          <a:p>
+            <a:pPr lvl="1"/>
             <a:r>
               <a:rPr lang="en-US" altLang="ko-KR" dirty="0">
                 <a:hlinkClick r:id="rId2"/>
               </a:rPr>
-              <a:t>hyunchan.park@jbnu.ac.kr</a:t>
+              <a:t>https://ieilms_old.jbnu.ac.kr</a:t>
+            </a:r>
+            <a:endParaRPr lang="en-US" altLang="ko-KR" sz="2000" dirty="0"/>
+          </a:p>
+          <a:p>
+            <a:pPr lvl="1"/>
+            <a:r>
+              <a:rPr lang="ko-KR" altLang="en-US" sz="2000" dirty="0"/>
+              <a:t>수시로 확인할 것</a:t>
+            </a:r>
+            <a:endParaRPr lang="en-US" altLang="ko-KR" sz="2000" dirty="0"/>
+          </a:p>
+          <a:p>
+            <a:r>
+              <a:rPr lang="ko-KR" altLang="en-US" dirty="0"/>
+              <a:t>오픈 </a:t>
+            </a:r>
+            <a:r>
+              <a:rPr lang="ko-KR" altLang="en-US" dirty="0" err="1"/>
+              <a:t>카톡방</a:t>
+            </a:r>
+            <a:r>
+              <a:rPr lang="ko-KR" altLang="en-US" dirty="0"/>
+              <a:t> 운영</a:t>
+            </a:r>
+            <a:r>
+              <a:rPr lang="en-US" altLang="ko-KR" dirty="0"/>
+              <a:t>: </a:t>
+            </a:r>
+            <a:r>
+              <a:rPr lang="ko-KR" altLang="en-US" dirty="0"/>
+              <a:t>반드시 참여할 것</a:t>
             </a:r>
             <a:endParaRPr lang="en-US" altLang="ko-KR" dirty="0"/>
+          </a:p>
+          <a:p>
+            <a:pPr lvl="1"/>
+            <a:r>
+              <a:rPr lang="en-US" altLang="ko-KR" dirty="0"/>
+              <a:t>“2020 </a:t>
+            </a:r>
+            <a:r>
+              <a:rPr lang="ko-KR" altLang="en-US" dirty="0"/>
+              <a:t>전북대 박현찬 오픈소스</a:t>
+            </a:r>
+            <a:r>
+              <a:rPr lang="en-US" altLang="ko-KR" dirty="0"/>
+              <a:t>SW</a:t>
+            </a:r>
+            <a:r>
+              <a:rPr lang="ko-KR" altLang="en-US" dirty="0"/>
+              <a:t>개발</a:t>
+            </a:r>
+            <a:r>
+              <a:rPr lang="en-US" altLang="ko-KR" dirty="0"/>
+              <a:t>”</a:t>
+            </a:r>
+          </a:p>
+          <a:p>
+            <a:pPr lvl="1"/>
+            <a:r>
+              <a:rPr lang="ko-KR" altLang="en-US" dirty="0"/>
+              <a:t>비밀번호</a:t>
+            </a:r>
+            <a:r>
+              <a:rPr lang="en-US" altLang="ko-KR" dirty="0"/>
+              <a:t>: 7626</a:t>
+            </a:r>
           </a:p>
           <a:p>
             <a:pPr lvl="1"/>
             <a:endParaRPr lang="en-US" altLang="ko-KR" dirty="0"/>
           </a:p>
           <a:p>
+            <a:r>
+              <a:rPr lang="ko-KR" altLang="en-US" sz="2400" dirty="0"/>
+              <a:t>수업 질의 응답</a:t>
+            </a:r>
+            <a:endParaRPr lang="en-US" altLang="ko-KR" sz="2400" dirty="0"/>
+          </a:p>
+          <a:p>
             <a:pPr lvl="1"/>
+            <a:r>
+              <a:rPr lang="en-US" altLang="ko-KR" dirty="0"/>
+              <a:t>LMS </a:t>
+            </a:r>
+            <a:r>
+              <a:rPr lang="ko-KR" altLang="en-US" dirty="0"/>
+              <a:t>의 질문 게시판 이용할 것</a:t>
+            </a:r>
             <a:endParaRPr lang="en-US" altLang="ko-KR" dirty="0"/>
           </a:p>
           <a:p>
-            <a:endParaRPr lang="en-US" altLang="ko-KR" dirty="0"/>
-          </a:p>
-          <a:p>
-            <a:endParaRPr lang="en-US" altLang="ko-KR" dirty="0"/>
-          </a:p>
-          <a:p>
-            <a:endParaRPr lang="ko-KR" altLang="en-US" dirty="0"/>
+            <a:pPr lvl="1"/>
+            <a:r>
+              <a:rPr lang="ko-KR" altLang="en-US" sz="2000" dirty="0"/>
+              <a:t>너무 부끄러운 경우</a:t>
+            </a:r>
+            <a:r>
+              <a:rPr lang="en-US" altLang="ko-KR" sz="2000" dirty="0"/>
+              <a:t>, </a:t>
+            </a:r>
+            <a:r>
+              <a:rPr lang="ko-KR" altLang="en-US" sz="2000" dirty="0"/>
+              <a:t>이메일 이용 </a:t>
+            </a:r>
+            <a:r>
+              <a:rPr lang="en-US" altLang="ko-KR" sz="2000" dirty="0"/>
+              <a:t>: </a:t>
+            </a:r>
+            <a:r>
+              <a:rPr lang="en-US" altLang="ko-KR" sz="2000" dirty="0">
+                <a:hlinkClick r:id="rId3"/>
+              </a:rPr>
+              <a:t>hyunchan.park@jbnu.ac.kr</a:t>
+            </a:r>
+            <a:endParaRPr lang="en-US" altLang="ko-KR" sz="2000" dirty="0"/>
+          </a:p>
+          <a:p>
+            <a:pPr lvl="1"/>
+            <a:endParaRPr lang="ko-KR" altLang="en-US" sz="2000" dirty="0"/>
           </a:p>
         </p:txBody>
       </p:sp>
@@ -8619,6 +11620,153 @@
     </p:spTree>
     <p:extLst>
       <p:ext uri="{BB962C8B-B14F-4D97-AF65-F5344CB8AC3E}">
+        <p14:creationId xmlns:p14="http://schemas.microsoft.com/office/powerpoint/2010/main" val="569624107"/>
+      </p:ext>
+    </p:extLst>
+  </p:cSld>
+  <p:clrMapOvr>
+    <a:masterClrMapping/>
+  </p:clrMapOvr>
+</p:sld>
+</file>
+
+<file path=ppt/slides/slide22.xml><?xml version="1.0" encoding="utf-8"?>
+<p:sld xmlns:a="http://schemas.openxmlformats.org/drawingml/2006/main" xmlns:r="http://schemas.openxmlformats.org/officeDocument/2006/relationships" xmlns:p="http://schemas.openxmlformats.org/presentationml/2006/main">
+  <p:cSld>
+    <p:spTree>
+      <p:nvGrpSpPr>
+        <p:cNvPr id="1" name=""/>
+        <p:cNvGrpSpPr/>
+        <p:nvPr/>
+      </p:nvGrpSpPr>
+      <p:grpSpPr>
+        <a:xfrm>
+          <a:off x="0" y="0"/>
+          <a:ext cx="0" cy="0"/>
+          <a:chOff x="0" y="0"/>
+          <a:chExt cx="0" cy="0"/>
+        </a:xfrm>
+      </p:grpSpPr>
+      <p:sp>
+        <p:nvSpPr>
+          <p:cNvPr id="2" name="제목 1"/>
+          <p:cNvSpPr>
+            <a:spLocks noGrp="1"/>
+          </p:cNvSpPr>
+          <p:nvPr>
+            <p:ph type="title"/>
+          </p:nvPr>
+        </p:nvSpPr>
+        <p:spPr/>
+        <p:txBody>
+          <a:bodyPr/>
+          <a:lstStyle/>
+          <a:p>
+            <a:r>
+              <a:rPr lang="en-US" altLang="ko-KR" dirty="0"/>
+              <a:t>Contact</a:t>
+            </a:r>
+            <a:endParaRPr lang="ko-KR" altLang="en-US" dirty="0"/>
+          </a:p>
+        </p:txBody>
+      </p:sp>
+      <p:sp>
+        <p:nvSpPr>
+          <p:cNvPr id="3" name="내용 개체 틀 2"/>
+          <p:cNvSpPr>
+            <a:spLocks noGrp="1"/>
+          </p:cNvSpPr>
+          <p:nvPr>
+            <p:ph idx="1"/>
+          </p:nvPr>
+        </p:nvSpPr>
+        <p:spPr/>
+        <p:txBody>
+          <a:bodyPr/>
+          <a:lstStyle/>
+          <a:p>
+            <a:r>
+              <a:rPr lang="en-US" altLang="ko-KR" dirty="0"/>
+              <a:t>Hyunchan Park, assistant professor</a:t>
+            </a:r>
+          </a:p>
+          <a:p>
+            <a:r>
+              <a:rPr lang="en-US" altLang="ko-KR" dirty="0"/>
+              <a:t>Office: 7</a:t>
+            </a:r>
+            <a:r>
+              <a:rPr lang="ko-KR" altLang="en-US" dirty="0"/>
+              <a:t>호관 </a:t>
+            </a:r>
+            <a:r>
+              <a:rPr lang="en-US" altLang="ko-KR" dirty="0"/>
+              <a:t>626</a:t>
+            </a:r>
+            <a:r>
+              <a:rPr lang="ko-KR" altLang="en-US" dirty="0"/>
+              <a:t>호</a:t>
+            </a:r>
+            <a:endParaRPr lang="en-US" altLang="ko-KR" dirty="0"/>
+          </a:p>
+          <a:p>
+            <a:r>
+              <a:rPr lang="en-US" altLang="ko-KR" dirty="0"/>
+              <a:t>E-mail: </a:t>
+            </a:r>
+            <a:r>
+              <a:rPr lang="en-US" altLang="ko-KR" dirty="0">
+                <a:hlinkClick r:id="rId2"/>
+              </a:rPr>
+              <a:t>hyunchan.park@jbnu.ac.kr</a:t>
+            </a:r>
+            <a:endParaRPr lang="en-US" altLang="ko-KR" dirty="0"/>
+          </a:p>
+          <a:p>
+            <a:pPr lvl="1"/>
+            <a:endParaRPr lang="en-US" altLang="ko-KR" dirty="0"/>
+          </a:p>
+          <a:p>
+            <a:pPr lvl="1"/>
+            <a:endParaRPr lang="en-US" altLang="ko-KR" dirty="0"/>
+          </a:p>
+          <a:p>
+            <a:endParaRPr lang="en-US" altLang="ko-KR" dirty="0"/>
+          </a:p>
+          <a:p>
+            <a:endParaRPr lang="en-US" altLang="ko-KR" dirty="0"/>
+          </a:p>
+          <a:p>
+            <a:endParaRPr lang="ko-KR" altLang="en-US" dirty="0"/>
+          </a:p>
+        </p:txBody>
+      </p:sp>
+      <p:sp>
+        <p:nvSpPr>
+          <p:cNvPr id="4" name="슬라이드 번호 개체 틀 3"/>
+          <p:cNvSpPr>
+            <a:spLocks noGrp="1"/>
+          </p:cNvSpPr>
+          <p:nvPr>
+            <p:ph type="sldNum" sz="quarter" idx="12"/>
+          </p:nvPr>
+        </p:nvSpPr>
+        <p:spPr/>
+        <p:txBody>
+          <a:bodyPr/>
+          <a:lstStyle/>
+          <a:p>
+            <a:fld id="{64F0D409-D3F6-4EEC-8C77-1F5E89989FFB}" type="slidenum">
+              <a:rPr lang="ko-KR" altLang="en-US" smtClean="0"/>
+              <a:t>22</a:t>
+            </a:fld>
+            <a:endParaRPr lang="ko-KR" altLang="en-US"/>
+          </a:p>
+        </p:txBody>
+      </p:sp>
+    </p:spTree>
+    <p:extLst>
+      <p:ext uri="{BB962C8B-B14F-4D97-AF65-F5344CB8AC3E}">
         <p14:creationId xmlns:p14="http://schemas.microsoft.com/office/powerpoint/2010/main" val="1292420024"/>
       </p:ext>
     </p:extLst>
@@ -8629,7 +11777,7 @@
 </p:sld>
 </file>
 
-<file path=ppt/slides/slide22.xml><?xml version="1.0" encoding="utf-8"?>
+<file path=ppt/slides/slide23.xml><?xml version="1.0" encoding="utf-8"?>
 <p:sld xmlns:a="http://schemas.openxmlformats.org/drawingml/2006/main" xmlns:r="http://schemas.openxmlformats.org/officeDocument/2006/relationships" xmlns:p="http://schemas.openxmlformats.org/presentationml/2006/main">
   <p:cSld>
     <p:spTree>
@@ -8757,7 +11905,7 @@
           <a:p>
             <a:fld id="{64F0D409-D3F6-4EEC-8C77-1F5E89989FFB}" type="slidenum">
               <a:rPr lang="ko-KR" altLang="en-US" smtClean="0"/>
-              <a:t>22</a:t>
+              <a:t>23</a:t>
             </a:fld>
             <a:endParaRPr lang="ko-KR" altLang="en-US"/>
           </a:p>

--- a/Slides 2020/0. Introduction OSS.pptx
+++ b/Slides 2020/0. Introduction OSS.pptx
@@ -5,7 +5,7 @@
     <p:sldMasterId id="2147483660" r:id="rId1"/>
   </p:sldMasterIdLst>
   <p:notesMasterIdLst>
-    <p:notesMasterId r:id="rId25"/>
+    <p:notesMasterId r:id="rId24"/>
   </p:notesMasterIdLst>
   <p:sldIdLst>
     <p:sldId id="399" r:id="rId2"/>
@@ -25,12 +25,11 @@
     <p:sldId id="384" r:id="rId16"/>
     <p:sldId id="385" r:id="rId17"/>
     <p:sldId id="261" r:id="rId18"/>
-    <p:sldId id="372" r:id="rId19"/>
-    <p:sldId id="401" r:id="rId20"/>
-    <p:sldId id="402" r:id="rId21"/>
-    <p:sldId id="400" r:id="rId22"/>
-    <p:sldId id="258" r:id="rId23"/>
-    <p:sldId id="283" r:id="rId24"/>
+    <p:sldId id="401" r:id="rId19"/>
+    <p:sldId id="402" r:id="rId20"/>
+    <p:sldId id="400" r:id="rId21"/>
+    <p:sldId id="258" r:id="rId22"/>
+    <p:sldId id="283" r:id="rId23"/>
   </p:sldIdLst>
   <p:sldSz cx="9144000" cy="6858000" type="screen4x3"/>
   <p:notesSz cx="6858000" cy="9144000"/>
@@ -6692,1683 +6691,6 @@
 </file>
 
 <file path=ppt/slides/slide18.xml><?xml version="1.0" encoding="utf-8"?>
-<p:sld xmlns:a="http://schemas.openxmlformats.org/drawingml/2006/main" xmlns:r="http://schemas.openxmlformats.org/officeDocument/2006/relationships" xmlns:p="http://schemas.openxmlformats.org/presentationml/2006/main">
-  <p:cSld>
-    <p:spTree>
-      <p:nvGrpSpPr>
-        <p:cNvPr id="1" name=""/>
-        <p:cNvGrpSpPr/>
-        <p:nvPr/>
-      </p:nvGrpSpPr>
-      <p:grpSpPr>
-        <a:xfrm>
-          <a:off x="0" y="0"/>
-          <a:ext cx="0" cy="0"/>
-          <a:chOff x="0" y="0"/>
-          <a:chExt cx="0" cy="0"/>
-        </a:xfrm>
-      </p:grpSpPr>
-      <p:sp>
-        <p:nvSpPr>
-          <p:cNvPr id="2" name="제목 1"/>
-          <p:cNvSpPr>
-            <a:spLocks noGrp="1"/>
-          </p:cNvSpPr>
-          <p:nvPr>
-            <p:ph type="title"/>
-          </p:nvPr>
-        </p:nvSpPr>
-        <p:spPr/>
-        <p:txBody>
-          <a:bodyPr/>
-          <a:lstStyle/>
-          <a:p>
-            <a:r>
-              <a:rPr lang="ko-KR" altLang="en-US" dirty="0"/>
-              <a:t>강의 일정</a:t>
-            </a:r>
-          </a:p>
-        </p:txBody>
-      </p:sp>
-      <p:graphicFrame>
-        <p:nvGraphicFramePr>
-          <p:cNvPr id="4" name="내용 개체 틀 3"/>
-          <p:cNvGraphicFramePr>
-            <a:graphicFrameLocks noGrp="1"/>
-          </p:cNvGraphicFramePr>
-          <p:nvPr>
-            <p:ph idx="1"/>
-            <p:extLst>
-              <p:ext uri="{D42A27DB-BD31-4B8C-83A1-F6EECF244321}">
-                <p14:modId xmlns:p14="http://schemas.microsoft.com/office/powerpoint/2010/main" val="667102816"/>
-              </p:ext>
-            </p:extLst>
-          </p:nvPr>
-        </p:nvGraphicFramePr>
-        <p:xfrm>
-          <a:off x="387405" y="1078658"/>
-          <a:ext cx="8353426" cy="5155093"/>
-        </p:xfrm>
-        <a:graphic>
-          <a:graphicData uri="http://schemas.openxmlformats.org/drawingml/2006/table">
-            <a:tbl>
-              <a:tblPr firstRow="1" bandRow="1">
-                <a:tableStyleId>{5C22544A-7EE6-4342-B048-85BDC9FD1C3A}</a:tableStyleId>
-              </a:tblPr>
-              <a:tblGrid>
-                <a:gridCol w="1137948">
-                  <a:extLst>
-                    <a:ext uri="{9D8B030D-6E8A-4147-A177-3AD203B41FA5}">
-                      <a16:colId xmlns:a16="http://schemas.microsoft.com/office/drawing/2014/main" val="4079619587"/>
-                    </a:ext>
-                  </a:extLst>
-                </a:gridCol>
-                <a:gridCol w="3607739">
-                  <a:extLst>
-                    <a:ext uri="{9D8B030D-6E8A-4147-A177-3AD203B41FA5}">
-                      <a16:colId xmlns:a16="http://schemas.microsoft.com/office/drawing/2014/main" val="2625429840"/>
-                    </a:ext>
-                  </a:extLst>
-                </a:gridCol>
-                <a:gridCol w="3607739">
-                  <a:extLst>
-                    <a:ext uri="{9D8B030D-6E8A-4147-A177-3AD203B41FA5}">
-                      <a16:colId xmlns:a16="http://schemas.microsoft.com/office/drawing/2014/main" val="1599299322"/>
-                    </a:ext>
-                  </a:extLst>
-                </a:gridCol>
-              </a:tblGrid>
-              <a:tr h="361775">
-                <a:tc>
-                  <a:txBody>
-                    <a:bodyPr/>
-                    <a:lstStyle/>
-                    <a:p>
-                      <a:pPr algn="ctr" latinLnBrk="1"/>
-                      <a:r>
-                        <a:rPr lang="ko-KR" altLang="en-US" sz="1400" dirty="0"/>
-                        <a:t>주차</a:t>
-                      </a:r>
-                    </a:p>
-                  </a:txBody>
-                  <a:tcPr anchor="ctr"/>
-                </a:tc>
-                <a:tc>
-                  <a:txBody>
-                    <a:bodyPr/>
-                    <a:lstStyle/>
-                    <a:p>
-                      <a:pPr algn="ctr" latinLnBrk="1"/>
-                      <a:r>
-                        <a:rPr lang="ko-KR" altLang="en-US" sz="1400" dirty="0"/>
-                        <a:t>월 </a:t>
-                      </a:r>
-                      <a:r>
-                        <a:rPr lang="en-US" altLang="ko-KR" sz="1400" dirty="0"/>
-                        <a:t>(100</a:t>
-                      </a:r>
-                      <a:r>
-                        <a:rPr lang="ko-KR" altLang="en-US" sz="1400" dirty="0"/>
-                        <a:t>분</a:t>
-                      </a:r>
-                      <a:r>
-                        <a:rPr lang="en-US" altLang="ko-KR" sz="1400" dirty="0"/>
-                        <a:t>)</a:t>
-                      </a:r>
-                      <a:endParaRPr lang="ko-KR" altLang="en-US" sz="1400" dirty="0"/>
-                    </a:p>
-                  </a:txBody>
-                  <a:tcPr anchor="ctr"/>
-                </a:tc>
-                <a:tc>
-                  <a:txBody>
-                    <a:bodyPr/>
-                    <a:lstStyle/>
-                    <a:p>
-                      <a:pPr algn="ctr" latinLnBrk="1"/>
-                      <a:r>
-                        <a:rPr lang="ko-KR" altLang="en-US" sz="1400" dirty="0"/>
-                        <a:t>수 </a:t>
-                      </a:r>
-                      <a:r>
-                        <a:rPr lang="en-US" altLang="ko-KR" sz="1400" dirty="0"/>
-                        <a:t>(50</a:t>
-                      </a:r>
-                      <a:r>
-                        <a:rPr lang="ko-KR" altLang="en-US" sz="1400" dirty="0"/>
-                        <a:t>분</a:t>
-                      </a:r>
-                      <a:r>
-                        <a:rPr lang="en-US" altLang="ko-KR" sz="1400" dirty="0"/>
-                        <a:t>)</a:t>
-                      </a:r>
-                      <a:endParaRPr lang="ko-KR" altLang="en-US" sz="1400" dirty="0"/>
-                    </a:p>
-                  </a:txBody>
-                  <a:tcPr anchor="ctr"/>
-                </a:tc>
-                <a:extLst>
-                  <a:ext uri="{0D108BD9-81ED-4DB2-BD59-A6C34878D82A}">
-                    <a16:rowId xmlns:a16="http://schemas.microsoft.com/office/drawing/2014/main" val="276385721"/>
-                  </a:ext>
-                </a:extLst>
-              </a:tr>
-              <a:tr h="316051">
-                <a:tc>
-                  <a:txBody>
-                    <a:bodyPr/>
-                    <a:lstStyle/>
-                    <a:p>
-                      <a:pPr algn="r" fontAlgn="ctr"/>
-                      <a:r>
-                        <a:rPr lang="en-US" altLang="ko-KR" sz="1100" b="0" i="0" u="none" strike="noStrike" dirty="0">
-                          <a:solidFill>
-                            <a:srgbClr val="000000"/>
-                          </a:solidFill>
-                          <a:effectLst/>
-                          <a:latin typeface="맑은 고딕" panose="020B0503020000020004" pitchFamily="50" charset="-127"/>
-                          <a:ea typeface="맑은 고딕" panose="020B0503020000020004" pitchFamily="50" charset="-127"/>
-                        </a:rPr>
-                        <a:t>1 (9/1)</a:t>
-                      </a:r>
-                    </a:p>
-                  </a:txBody>
-                  <a:tcPr marL="9525" marR="9525" marT="9525" marB="0" anchor="ctr"/>
-                </a:tc>
-                <a:tc>
-                  <a:txBody>
-                    <a:bodyPr/>
-                    <a:lstStyle/>
-                    <a:p>
-                      <a:pPr algn="ctr" fontAlgn="ctr"/>
-                      <a:r>
-                        <a:rPr lang="en-US" sz="1100" b="0" i="0" u="none" strike="noStrike" dirty="0">
-                          <a:solidFill>
-                            <a:srgbClr val="000000"/>
-                          </a:solidFill>
-                          <a:effectLst/>
-                          <a:latin typeface="맑은 고딕" panose="020B0503020000020004" pitchFamily="50" charset="-127"/>
-                          <a:ea typeface="맑은 고딕" panose="020B0503020000020004" pitchFamily="50" charset="-127"/>
-                        </a:rPr>
-                        <a:t>Introduction</a:t>
-                      </a:r>
-                    </a:p>
-                  </a:txBody>
-                  <a:tcPr marL="9525" marR="9525" marT="9525" marB="0" anchor="ctr"/>
-                </a:tc>
-                <a:tc>
-                  <a:txBody>
-                    <a:bodyPr/>
-                    <a:lstStyle/>
-                    <a:p>
-                      <a:pPr algn="ctr" fontAlgn="ctr"/>
-                      <a:r>
-                        <a:rPr lang="ko-KR" altLang="en-US" sz="1100" b="0" i="0" u="none" strike="noStrike" dirty="0">
-                          <a:solidFill>
-                            <a:srgbClr val="000000"/>
-                          </a:solidFill>
-                          <a:effectLst/>
-                          <a:latin typeface="맑은 고딕" panose="020B0503020000020004" pitchFamily="50" charset="-127"/>
-                          <a:ea typeface="맑은 고딕" panose="020B0503020000020004" pitchFamily="50" charset="-127"/>
-                        </a:rPr>
-                        <a:t>오픈소스 </a:t>
-                      </a:r>
-                      <a:r>
-                        <a:rPr lang="en-US" altLang="ko-KR" sz="1100" b="0" i="0" u="none" strike="noStrike" dirty="0">
-                          <a:solidFill>
-                            <a:srgbClr val="000000"/>
-                          </a:solidFill>
-                          <a:effectLst/>
-                          <a:latin typeface="맑은 고딕" panose="020B0503020000020004" pitchFamily="50" charset="-127"/>
-                          <a:ea typeface="맑은 고딕" panose="020B0503020000020004" pitchFamily="50" charset="-127"/>
-                        </a:rPr>
-                        <a:t>SW</a:t>
-                      </a:r>
-                      <a:r>
-                        <a:rPr lang="ko-KR" altLang="en-US" sz="1100" b="0" i="0" u="none" strike="noStrike" dirty="0">
-                          <a:solidFill>
-                            <a:srgbClr val="000000"/>
-                          </a:solidFill>
-                          <a:effectLst/>
-                          <a:latin typeface="맑은 고딕" panose="020B0503020000020004" pitchFamily="50" charset="-127"/>
-                          <a:ea typeface="맑은 고딕" panose="020B0503020000020004" pitchFamily="50" charset="-127"/>
-                        </a:rPr>
-                        <a:t> 개요</a:t>
-                      </a:r>
-                      <a:endParaRPr lang="en-US" altLang="ko-KR" sz="1100" b="0" i="0" u="none" strike="noStrike" dirty="0">
-                        <a:solidFill>
-                          <a:srgbClr val="000000"/>
-                        </a:solidFill>
-                        <a:effectLst/>
-                        <a:latin typeface="맑은 고딕" panose="020B0503020000020004" pitchFamily="50" charset="-127"/>
-                        <a:ea typeface="맑은 고딕" panose="020B0503020000020004" pitchFamily="50" charset="-127"/>
-                      </a:endParaRPr>
-                    </a:p>
-                  </a:txBody>
-                  <a:tcPr marL="9525" marR="9525" marT="9525" marB="0" anchor="ctr"/>
-                </a:tc>
-                <a:extLst>
-                  <a:ext uri="{0D108BD9-81ED-4DB2-BD59-A6C34878D82A}">
-                    <a16:rowId xmlns:a16="http://schemas.microsoft.com/office/drawing/2014/main" val="475938863"/>
-                  </a:ext>
-                </a:extLst>
-              </a:tr>
-              <a:tr h="316051">
-                <a:tc>
-                  <a:txBody>
-                    <a:bodyPr/>
-                    <a:lstStyle/>
-                    <a:p>
-                      <a:pPr algn="r" fontAlgn="ctr"/>
-                      <a:r>
-                        <a:rPr lang="en-US" altLang="ko-KR" sz="1100" b="0" i="0" u="none" strike="noStrike" dirty="0">
-                          <a:solidFill>
-                            <a:srgbClr val="000000"/>
-                          </a:solidFill>
-                          <a:effectLst/>
-                          <a:latin typeface="맑은 고딕" panose="020B0503020000020004" pitchFamily="50" charset="-127"/>
-                          <a:ea typeface="맑은 고딕" panose="020B0503020000020004" pitchFamily="50" charset="-127"/>
-                        </a:rPr>
-                        <a:t>2</a:t>
-                      </a:r>
-                    </a:p>
-                  </a:txBody>
-                  <a:tcPr marL="9525" marR="9525" marT="9525" marB="0" anchor="ctr"/>
-                </a:tc>
-                <a:tc>
-                  <a:txBody>
-                    <a:bodyPr/>
-                    <a:lstStyle/>
-                    <a:p>
-                      <a:pPr algn="ctr" fontAlgn="ctr"/>
-                      <a:r>
-                        <a:rPr lang="ko-KR" altLang="en-US" sz="1100" b="0" i="0" u="none" strike="noStrike" dirty="0">
-                          <a:solidFill>
-                            <a:srgbClr val="000000"/>
-                          </a:solidFill>
-                          <a:effectLst/>
-                          <a:latin typeface="맑은 고딕" panose="020B0503020000020004" pitchFamily="50" charset="-127"/>
-                          <a:ea typeface="+mn-ea"/>
-                        </a:rPr>
-                        <a:t>오픈소스 </a:t>
-                      </a:r>
-                      <a:r>
-                        <a:rPr lang="en-US" altLang="ko-KR" sz="1100" b="0" i="0" u="none" strike="noStrike" dirty="0">
-                          <a:solidFill>
-                            <a:srgbClr val="000000"/>
-                          </a:solidFill>
-                          <a:effectLst/>
-                          <a:latin typeface="맑은 고딕" panose="020B0503020000020004" pitchFamily="50" charset="-127"/>
-                          <a:ea typeface="+mn-ea"/>
-                        </a:rPr>
-                        <a:t>SW </a:t>
-                      </a:r>
-                      <a:r>
-                        <a:rPr lang="ko-KR" altLang="en-US" sz="1100" b="0" i="0" u="none" strike="noStrike" dirty="0">
-                          <a:solidFill>
-                            <a:srgbClr val="000000"/>
-                          </a:solidFill>
-                          <a:effectLst/>
-                          <a:latin typeface="맑은 고딕" panose="020B0503020000020004" pitchFamily="50" charset="-127"/>
-                          <a:ea typeface="+mn-ea"/>
-                        </a:rPr>
-                        <a:t>개발 방법</a:t>
-                      </a:r>
-                      <a:endParaRPr lang="en-US" altLang="ko-KR" sz="1100" b="0" i="0" u="none" strike="noStrike" dirty="0">
-                        <a:solidFill>
-                          <a:srgbClr val="000000"/>
-                        </a:solidFill>
-                        <a:effectLst/>
-                        <a:latin typeface="맑은 고딕" panose="020B0503020000020004" pitchFamily="50" charset="-127"/>
-                        <a:ea typeface="+mn-ea"/>
-                      </a:endParaRPr>
-                    </a:p>
-                  </a:txBody>
-                  <a:tcPr marL="9525" marR="9525" marT="9525" marB="0" anchor="ctr"/>
-                </a:tc>
-                <a:tc>
-                  <a:txBody>
-                    <a:bodyPr/>
-                    <a:lstStyle/>
-                    <a:p>
-                      <a:pPr algn="ctr" fontAlgn="ctr"/>
-                      <a:r>
-                        <a:rPr lang="ko-KR" altLang="en-US" sz="1100" b="0" i="0" u="none" strike="noStrike" dirty="0">
-                          <a:solidFill>
-                            <a:srgbClr val="FF0000"/>
-                          </a:solidFill>
-                          <a:effectLst/>
-                          <a:latin typeface="맑은 고딕" panose="020B0503020000020004" pitchFamily="50" charset="-127"/>
-                          <a:ea typeface="+mn-ea"/>
-                        </a:rPr>
-                        <a:t>추석</a:t>
-                      </a:r>
-                    </a:p>
-                  </a:txBody>
-                  <a:tcPr marL="9525" marR="9525" marT="9525" marB="0" anchor="ctr"/>
-                </a:tc>
-                <a:extLst>
-                  <a:ext uri="{0D108BD9-81ED-4DB2-BD59-A6C34878D82A}">
-                    <a16:rowId xmlns:a16="http://schemas.microsoft.com/office/drawing/2014/main" val="2700577287"/>
-                  </a:ext>
-                </a:extLst>
-              </a:tr>
-              <a:tr h="316051">
-                <a:tc>
-                  <a:txBody>
-                    <a:bodyPr/>
-                    <a:lstStyle/>
-                    <a:p>
-                      <a:pPr algn="r" fontAlgn="ctr"/>
-                      <a:r>
-                        <a:rPr lang="en-US" altLang="ko-KR" sz="1100" b="0" i="0" u="none" strike="noStrike" dirty="0">
-                          <a:solidFill>
-                            <a:srgbClr val="000000"/>
-                          </a:solidFill>
-                          <a:effectLst/>
-                          <a:latin typeface="맑은 고딕" panose="020B0503020000020004" pitchFamily="50" charset="-127"/>
-                          <a:ea typeface="맑은 고딕" panose="020B0503020000020004" pitchFamily="50" charset="-127"/>
-                        </a:rPr>
-                        <a:t>3</a:t>
-                      </a:r>
-                    </a:p>
-                  </a:txBody>
-                  <a:tcPr marL="9525" marR="9525" marT="9525" marB="0" anchor="ctr"/>
-                </a:tc>
-                <a:tc>
-                  <a:txBody>
-                    <a:bodyPr/>
-                    <a:lstStyle/>
-                    <a:p>
-                      <a:pPr algn="ctr" fontAlgn="ctr"/>
-                      <a:r>
-                        <a:rPr lang="ko-KR" altLang="en-US" sz="1100" b="0" i="0" u="none" strike="noStrike" dirty="0">
-                          <a:solidFill>
-                            <a:srgbClr val="000000"/>
-                          </a:solidFill>
-                          <a:effectLst/>
-                          <a:latin typeface="맑은 고딕" panose="020B0503020000020004" pitchFamily="50" charset="-127"/>
-                          <a:ea typeface="맑은 고딕" panose="020B0503020000020004" pitchFamily="50" charset="-127"/>
-                        </a:rPr>
-                        <a:t>오픈소스 커뮤니티</a:t>
-                      </a:r>
-                      <a:endParaRPr lang="en-US" altLang="ko-KR" sz="1100" b="0" i="0" u="none" strike="noStrike" dirty="0">
-                        <a:solidFill>
-                          <a:srgbClr val="000000"/>
-                        </a:solidFill>
-                        <a:effectLst/>
-                        <a:latin typeface="맑은 고딕" panose="020B0503020000020004" pitchFamily="50" charset="-127"/>
-                        <a:ea typeface="맑은 고딕" panose="020B0503020000020004" pitchFamily="50" charset="-127"/>
-                      </a:endParaRPr>
-                    </a:p>
-                  </a:txBody>
-                  <a:tcPr marL="9525" marR="9525" marT="9525" marB="0" anchor="ctr"/>
-                </a:tc>
-                <a:tc>
-                  <a:txBody>
-                    <a:bodyPr/>
-                    <a:lstStyle/>
-                    <a:p>
-                      <a:pPr algn="ctr" fontAlgn="ctr"/>
-                      <a:r>
-                        <a:rPr lang="ko-KR" altLang="en-US" sz="1100" b="0" i="0" u="none" strike="noStrike" dirty="0">
-                          <a:solidFill>
-                            <a:srgbClr val="000000"/>
-                          </a:solidFill>
-                          <a:effectLst/>
-                          <a:latin typeface="맑은 고딕" panose="020B0503020000020004" pitchFamily="50" charset="-127"/>
-                          <a:ea typeface="맑은 고딕" panose="020B0503020000020004" pitchFamily="50" charset="-127"/>
-                        </a:rPr>
-                        <a:t>오픈소스 라이선스</a:t>
-                      </a:r>
-                    </a:p>
-                  </a:txBody>
-                  <a:tcPr marL="9525" marR="9525" marT="9525" marB="0" anchor="ctr"/>
-                </a:tc>
-                <a:extLst>
-                  <a:ext uri="{0D108BD9-81ED-4DB2-BD59-A6C34878D82A}">
-                    <a16:rowId xmlns:a16="http://schemas.microsoft.com/office/drawing/2014/main" val="4062224445"/>
-                  </a:ext>
-                </a:extLst>
-              </a:tr>
-              <a:tr h="316051">
-                <a:tc>
-                  <a:txBody>
-                    <a:bodyPr/>
-                    <a:lstStyle/>
-                    <a:p>
-                      <a:pPr algn="r" fontAlgn="ctr"/>
-                      <a:r>
-                        <a:rPr lang="en-US" altLang="ko-KR" sz="1100" b="0" i="0" u="none" strike="noStrike" dirty="0">
-                          <a:solidFill>
-                            <a:srgbClr val="000000"/>
-                          </a:solidFill>
-                          <a:effectLst/>
-                          <a:latin typeface="맑은 고딕" panose="020B0503020000020004" pitchFamily="50" charset="-127"/>
-                          <a:ea typeface="맑은 고딕" panose="020B0503020000020004" pitchFamily="50" charset="-127"/>
-                        </a:rPr>
-                        <a:t>4</a:t>
-                      </a:r>
-                    </a:p>
-                  </a:txBody>
-                  <a:tcPr marL="9525" marR="9525" marT="9525" marB="0" anchor="ctr"/>
-                </a:tc>
-                <a:tc>
-                  <a:txBody>
-                    <a:bodyPr/>
-                    <a:lstStyle/>
-                    <a:p>
-                      <a:pPr algn="ctr" fontAlgn="ctr"/>
-                      <a:r>
-                        <a:rPr lang="ko-KR" altLang="en-US" sz="1100" b="0" i="0" u="none" strike="noStrike" dirty="0">
-                          <a:solidFill>
-                            <a:srgbClr val="000000"/>
-                          </a:solidFill>
-                          <a:effectLst/>
-                          <a:latin typeface="맑은 고딕" panose="020B0503020000020004" pitchFamily="50" charset="-127"/>
-                          <a:ea typeface="맑은 고딕" panose="020B0503020000020004" pitchFamily="50" charset="-127"/>
-                        </a:rPr>
-                        <a:t>버전 관리 도구 </a:t>
-                      </a:r>
-                      <a:r>
-                        <a:rPr lang="en-US" altLang="ko-KR" sz="1100" b="0" i="0" u="none" strike="noStrike" dirty="0">
-                          <a:solidFill>
-                            <a:srgbClr val="000000"/>
-                          </a:solidFill>
-                          <a:effectLst/>
-                          <a:latin typeface="맑은 고딕" panose="020B0503020000020004" pitchFamily="50" charset="-127"/>
-                          <a:ea typeface="맑은 고딕" panose="020B0503020000020004" pitchFamily="50" charset="-127"/>
-                        </a:rPr>
-                        <a:t>Git</a:t>
-                      </a:r>
-                      <a:r>
-                        <a:rPr lang="ko-KR" altLang="en-US" sz="1100" b="0" i="0" u="none" strike="noStrike" dirty="0">
-                          <a:solidFill>
-                            <a:srgbClr val="000000"/>
-                          </a:solidFill>
-                          <a:effectLst/>
-                          <a:latin typeface="맑은 고딕" panose="020B0503020000020004" pitchFamily="50" charset="-127"/>
-                          <a:ea typeface="맑은 고딕" panose="020B0503020000020004" pitchFamily="50" charset="-127"/>
-                        </a:rPr>
-                        <a:t> </a:t>
-                      </a:r>
-                      <a:r>
-                        <a:rPr lang="en-US" altLang="ko-KR" sz="1100" b="0" i="0" u="none" strike="noStrike" dirty="0">
-                          <a:solidFill>
-                            <a:srgbClr val="000000"/>
-                          </a:solidFill>
-                          <a:effectLst/>
-                          <a:latin typeface="맑은 고딕" panose="020B0503020000020004" pitchFamily="50" charset="-127"/>
-                          <a:ea typeface="맑은 고딕" panose="020B0503020000020004" pitchFamily="50" charset="-127"/>
-                        </a:rPr>
-                        <a:t>1</a:t>
-                      </a:r>
-                    </a:p>
-                  </a:txBody>
-                  <a:tcPr marL="9525" marR="9525" marT="9525" marB="0" anchor="ctr"/>
-                </a:tc>
-                <a:tc>
-                  <a:txBody>
-                    <a:bodyPr/>
-                    <a:lstStyle/>
-                    <a:p>
-                      <a:pPr algn="ctr" fontAlgn="ctr"/>
-                      <a:r>
-                        <a:rPr lang="ko-KR" altLang="en-US" sz="1100" b="0" i="0" u="none" strike="noStrike" dirty="0">
-                          <a:solidFill>
-                            <a:srgbClr val="000000"/>
-                          </a:solidFill>
-                          <a:effectLst/>
-                          <a:latin typeface="맑은 고딕" panose="020B0503020000020004" pitchFamily="50" charset="-127"/>
-                          <a:ea typeface="+mn-ea"/>
-                        </a:rPr>
-                        <a:t>버전 관리 도구 </a:t>
-                      </a:r>
-                      <a:r>
-                        <a:rPr lang="en-US" altLang="ko-KR" sz="1100" b="0" i="0" u="none" strike="noStrike" dirty="0">
-                          <a:solidFill>
-                            <a:srgbClr val="000000"/>
-                          </a:solidFill>
-                          <a:effectLst/>
-                          <a:latin typeface="맑은 고딕" panose="020B0503020000020004" pitchFamily="50" charset="-127"/>
-                          <a:ea typeface="+mn-ea"/>
-                        </a:rPr>
-                        <a:t>Git 2</a:t>
-                      </a:r>
-                    </a:p>
-                  </a:txBody>
-                  <a:tcPr marL="9525" marR="9525" marT="9525" marB="0" anchor="ctr"/>
-                </a:tc>
-                <a:extLst>
-                  <a:ext uri="{0D108BD9-81ED-4DB2-BD59-A6C34878D82A}">
-                    <a16:rowId xmlns:a16="http://schemas.microsoft.com/office/drawing/2014/main" val="2748419094"/>
-                  </a:ext>
-                </a:extLst>
-              </a:tr>
-              <a:tr h="316051">
-                <a:tc>
-                  <a:txBody>
-                    <a:bodyPr/>
-                    <a:lstStyle/>
-                    <a:p>
-                      <a:pPr algn="r" fontAlgn="ctr"/>
-                      <a:r>
-                        <a:rPr lang="en-US" altLang="ko-KR" sz="1100" b="0" i="0" u="none" strike="noStrike" dirty="0">
-                          <a:solidFill>
-                            <a:srgbClr val="000000"/>
-                          </a:solidFill>
-                          <a:effectLst/>
-                          <a:latin typeface="맑은 고딕" panose="020B0503020000020004" pitchFamily="50" charset="-127"/>
-                          <a:ea typeface="맑은 고딕" panose="020B0503020000020004" pitchFamily="50" charset="-127"/>
-                        </a:rPr>
-                        <a:t>5 (9/30)</a:t>
-                      </a:r>
-                    </a:p>
-                  </a:txBody>
-                  <a:tcPr marL="9525" marR="9525" marT="9525" marB="0" anchor="ctr"/>
-                </a:tc>
-                <a:tc>
-                  <a:txBody>
-                    <a:bodyPr/>
-                    <a:lstStyle/>
-                    <a:p>
-                      <a:pPr algn="ctr" fontAlgn="ctr"/>
-                      <a:r>
-                        <a:rPr lang="ko-KR" altLang="en-US" sz="1100" b="0" i="0" u="none" strike="noStrike" dirty="0">
-                          <a:solidFill>
-                            <a:srgbClr val="000000"/>
-                          </a:solidFill>
-                          <a:effectLst/>
-                          <a:latin typeface="맑은 고딕" panose="020B0503020000020004" pitchFamily="50" charset="-127"/>
-                          <a:ea typeface="+mn-ea"/>
-                        </a:rPr>
-                        <a:t>버전 관리 도구 </a:t>
-                      </a:r>
-                      <a:r>
-                        <a:rPr lang="en-US" altLang="ko-KR" sz="1100" b="0" i="0" u="none" strike="noStrike" dirty="0">
-                          <a:solidFill>
-                            <a:srgbClr val="000000"/>
-                          </a:solidFill>
-                          <a:effectLst/>
-                          <a:latin typeface="맑은 고딕" panose="020B0503020000020004" pitchFamily="50" charset="-127"/>
-                          <a:ea typeface="+mn-ea"/>
-                        </a:rPr>
-                        <a:t>Git</a:t>
-                      </a:r>
-                      <a:r>
-                        <a:rPr lang="ko-KR" altLang="en-US" sz="1100" b="0" i="0" u="none" strike="noStrike" dirty="0">
-                          <a:solidFill>
-                            <a:srgbClr val="000000"/>
-                          </a:solidFill>
-                          <a:effectLst/>
-                          <a:latin typeface="맑은 고딕" panose="020B0503020000020004" pitchFamily="50" charset="-127"/>
-                          <a:ea typeface="+mn-ea"/>
-                        </a:rPr>
-                        <a:t> </a:t>
-                      </a:r>
-                      <a:r>
-                        <a:rPr lang="en-US" altLang="ko-KR" sz="1100" b="0" i="0" u="none" strike="noStrike" dirty="0">
-                          <a:solidFill>
-                            <a:srgbClr val="000000"/>
-                          </a:solidFill>
-                          <a:effectLst/>
-                          <a:latin typeface="맑은 고딕" panose="020B0503020000020004" pitchFamily="50" charset="-127"/>
-                          <a:ea typeface="+mn-ea"/>
-                        </a:rPr>
-                        <a:t>3</a:t>
-                      </a:r>
-                    </a:p>
-                  </a:txBody>
-                  <a:tcPr marL="9525" marR="9525" marT="9525" marB="0" anchor="ctr"/>
-                </a:tc>
-                <a:tc>
-                  <a:txBody>
-                    <a:bodyPr/>
-                    <a:lstStyle/>
-                    <a:p>
-                      <a:pPr algn="ctr" fontAlgn="ctr"/>
-                      <a:r>
-                        <a:rPr lang="ko-KR" altLang="en-US" sz="1100" b="0" i="0" u="none" strike="noStrike" dirty="0">
-                          <a:solidFill>
-                            <a:srgbClr val="000000"/>
-                          </a:solidFill>
-                          <a:effectLst/>
-                          <a:latin typeface="맑은 고딕" panose="020B0503020000020004" pitchFamily="50" charset="-127"/>
-                          <a:ea typeface="+mn-ea"/>
-                        </a:rPr>
-                        <a:t>버전 관리 도구 </a:t>
-                      </a:r>
-                      <a:r>
-                        <a:rPr lang="en-US" altLang="ko-KR" sz="1100" b="0" i="0" u="none" strike="noStrike" dirty="0">
-                          <a:solidFill>
-                            <a:srgbClr val="000000"/>
-                          </a:solidFill>
-                          <a:effectLst/>
-                          <a:latin typeface="맑은 고딕" panose="020B0503020000020004" pitchFamily="50" charset="-127"/>
-                          <a:ea typeface="+mn-ea"/>
-                        </a:rPr>
-                        <a:t>Git 4</a:t>
-                      </a:r>
-                    </a:p>
-                  </a:txBody>
-                  <a:tcPr marL="9525" marR="9525" marT="9525" marB="0" anchor="ctr"/>
-                </a:tc>
-                <a:extLst>
-                  <a:ext uri="{0D108BD9-81ED-4DB2-BD59-A6C34878D82A}">
-                    <a16:rowId xmlns:a16="http://schemas.microsoft.com/office/drawing/2014/main" val="814556900"/>
-                  </a:ext>
-                </a:extLst>
-              </a:tr>
-              <a:tr h="316051">
-                <a:tc>
-                  <a:txBody>
-                    <a:bodyPr/>
-                    <a:lstStyle/>
-                    <a:p>
-                      <a:pPr algn="r" fontAlgn="ctr"/>
-                      <a:r>
-                        <a:rPr lang="en-US" altLang="ko-KR" sz="1100" b="0" i="0" u="none" strike="noStrike" dirty="0">
-                          <a:solidFill>
-                            <a:srgbClr val="000000"/>
-                          </a:solidFill>
-                          <a:effectLst/>
-                          <a:latin typeface="맑은 고딕" panose="020B0503020000020004" pitchFamily="50" charset="-127"/>
-                          <a:ea typeface="맑은 고딕" panose="020B0503020000020004" pitchFamily="50" charset="-127"/>
-                        </a:rPr>
-                        <a:t>6</a:t>
-                      </a:r>
-                    </a:p>
-                  </a:txBody>
-                  <a:tcPr marL="9525" marR="9525" marT="9525" marB="0" anchor="ctr"/>
-                </a:tc>
-                <a:tc>
-                  <a:txBody>
-                    <a:bodyPr/>
-                    <a:lstStyle/>
-                    <a:p>
-                      <a:pPr algn="ctr" fontAlgn="ctr"/>
-                      <a:r>
-                        <a:rPr lang="en-US" altLang="ko-KR" sz="1100" b="0" i="0" u="none" strike="noStrike" dirty="0">
-                          <a:solidFill>
-                            <a:srgbClr val="000000"/>
-                          </a:solidFill>
-                          <a:effectLst/>
-                          <a:latin typeface="맑은 고딕" panose="020B0503020000020004" pitchFamily="50" charset="-127"/>
-                          <a:ea typeface="+mn-ea"/>
-                        </a:rPr>
-                        <a:t>GitHub 1</a:t>
-                      </a:r>
-                    </a:p>
-                  </a:txBody>
-                  <a:tcPr marL="9525" marR="9525" marT="9525" marB="0" anchor="ctr"/>
-                </a:tc>
-                <a:tc>
-                  <a:txBody>
-                    <a:bodyPr/>
-                    <a:lstStyle/>
-                    <a:p>
-                      <a:pPr algn="ctr" fontAlgn="ctr"/>
-                      <a:r>
-                        <a:rPr lang="ko-KR" altLang="en-US" sz="1100" b="0" i="0" u="none" strike="noStrike" dirty="0">
-                          <a:solidFill>
-                            <a:srgbClr val="FF0000"/>
-                          </a:solidFill>
-                          <a:effectLst/>
-                          <a:latin typeface="맑은 고딕" panose="020B0503020000020004" pitchFamily="50" charset="-127"/>
-                          <a:ea typeface="맑은 고딕" panose="020B0503020000020004" pitchFamily="50" charset="-127"/>
-                        </a:rPr>
-                        <a:t>한글날</a:t>
-                      </a:r>
-                      <a:endParaRPr lang="en-US" altLang="ko-KR" sz="1100" b="0" i="0" u="none" strike="noStrike" dirty="0">
-                        <a:solidFill>
-                          <a:srgbClr val="FF0000"/>
-                        </a:solidFill>
-                        <a:effectLst/>
-                        <a:latin typeface="맑은 고딕" panose="020B0503020000020004" pitchFamily="50" charset="-127"/>
-                        <a:ea typeface="맑은 고딕" panose="020B0503020000020004" pitchFamily="50" charset="-127"/>
-                      </a:endParaRPr>
-                    </a:p>
-                  </a:txBody>
-                  <a:tcPr marL="9525" marR="9525" marT="9525" marB="0" anchor="ctr"/>
-                </a:tc>
-                <a:extLst>
-                  <a:ext uri="{0D108BD9-81ED-4DB2-BD59-A6C34878D82A}">
-                    <a16:rowId xmlns:a16="http://schemas.microsoft.com/office/drawing/2014/main" val="2908590043"/>
-                  </a:ext>
-                </a:extLst>
-              </a:tr>
-              <a:tr h="316051">
-                <a:tc>
-                  <a:txBody>
-                    <a:bodyPr/>
-                    <a:lstStyle/>
-                    <a:p>
-                      <a:pPr algn="r" fontAlgn="ctr"/>
-                      <a:r>
-                        <a:rPr lang="en-US" altLang="ko-KR" sz="1100" b="0" i="0" u="none" strike="noStrike" dirty="0">
-                          <a:solidFill>
-                            <a:srgbClr val="000000"/>
-                          </a:solidFill>
-                          <a:effectLst/>
-                          <a:latin typeface="맑은 고딕" panose="020B0503020000020004" pitchFamily="50" charset="-127"/>
-                          <a:ea typeface="맑은 고딕" panose="020B0503020000020004" pitchFamily="50" charset="-127"/>
-                        </a:rPr>
-                        <a:t>7</a:t>
-                      </a:r>
-                    </a:p>
-                  </a:txBody>
-                  <a:tcPr marL="9525" marR="9525" marT="9525" marB="0" anchor="ctr"/>
-                </a:tc>
-                <a:tc>
-                  <a:txBody>
-                    <a:bodyPr/>
-                    <a:lstStyle/>
-                    <a:p>
-                      <a:pPr algn="ctr" fontAlgn="ctr"/>
-                      <a:r>
-                        <a:rPr lang="en-US" altLang="ko-KR" sz="1100" b="0" i="0" u="none" strike="noStrike" dirty="0">
-                          <a:solidFill>
-                            <a:srgbClr val="000000"/>
-                          </a:solidFill>
-                          <a:effectLst/>
-                          <a:latin typeface="맑은 고딕" panose="020B0503020000020004" pitchFamily="50" charset="-127"/>
-                          <a:ea typeface="+mn-ea"/>
-                        </a:rPr>
-                        <a:t>GitHub 2</a:t>
-                      </a:r>
-                    </a:p>
-                  </a:txBody>
-                  <a:tcPr marL="9525" marR="9525" marT="9525" marB="0" anchor="ctr"/>
-                </a:tc>
-                <a:tc>
-                  <a:txBody>
-                    <a:bodyPr/>
-                    <a:lstStyle/>
-                    <a:p>
-                      <a:pPr algn="ctr" fontAlgn="ctr"/>
-                      <a:r>
-                        <a:rPr lang="ko-KR" altLang="en-US" sz="1100" b="0" i="0" u="none" strike="noStrike" dirty="0">
-                          <a:solidFill>
-                            <a:srgbClr val="000000"/>
-                          </a:solidFill>
-                          <a:effectLst/>
-                          <a:latin typeface="맑은 고딕" panose="020B0503020000020004" pitchFamily="50" charset="-127"/>
-                          <a:ea typeface="맑은 고딕" panose="020B0503020000020004" pitchFamily="50" charset="-127"/>
-                        </a:rPr>
-                        <a:t>개인 프로젝트 </a:t>
-                      </a:r>
-                      <a:r>
-                        <a:rPr lang="en-US" altLang="ko-KR" sz="1100" b="0" i="0" u="none" strike="noStrike" dirty="0">
-                          <a:solidFill>
-                            <a:srgbClr val="000000"/>
-                          </a:solidFill>
-                          <a:effectLst/>
-                          <a:latin typeface="맑은 고딕" panose="020B0503020000020004" pitchFamily="50" charset="-127"/>
-                          <a:ea typeface="맑은 고딕" panose="020B0503020000020004" pitchFamily="50" charset="-127"/>
-                        </a:rPr>
-                        <a:t>1: </a:t>
-                      </a:r>
-                      <a:r>
-                        <a:rPr lang="ko-KR" altLang="en-US" sz="1100" b="0" i="0" u="none" strike="noStrike" dirty="0">
-                          <a:solidFill>
-                            <a:srgbClr val="000000"/>
-                          </a:solidFill>
-                          <a:effectLst/>
-                          <a:latin typeface="맑은 고딕" panose="020B0503020000020004" pitchFamily="50" charset="-127"/>
-                          <a:ea typeface="맑은 고딕" panose="020B0503020000020004" pitchFamily="50" charset="-127"/>
-                        </a:rPr>
-                        <a:t>프로젝트 선정 및 계획</a:t>
-                      </a:r>
-                      <a:endParaRPr lang="en-US" altLang="ko-KR" sz="1100" b="0" i="0" u="none" strike="noStrike" dirty="0">
-                        <a:solidFill>
-                          <a:srgbClr val="000000"/>
-                        </a:solidFill>
-                        <a:effectLst/>
-                        <a:latin typeface="맑은 고딕" panose="020B0503020000020004" pitchFamily="50" charset="-127"/>
-                        <a:ea typeface="맑은 고딕" panose="020B0503020000020004" pitchFamily="50" charset="-127"/>
-                      </a:endParaRPr>
-                    </a:p>
-                  </a:txBody>
-                  <a:tcPr marL="9525" marR="9525" marT="9525" marB="0" anchor="ctr">
-                    <a:solidFill>
-                      <a:schemeClr val="accent4"/>
-                    </a:solidFill>
-                  </a:tcPr>
-                </a:tc>
-                <a:extLst>
-                  <a:ext uri="{0D108BD9-81ED-4DB2-BD59-A6C34878D82A}">
-                    <a16:rowId xmlns:a16="http://schemas.microsoft.com/office/drawing/2014/main" val="4222617544"/>
-                  </a:ext>
-                </a:extLst>
-              </a:tr>
-              <a:tr h="316051">
-                <a:tc>
-                  <a:txBody>
-                    <a:bodyPr/>
-                    <a:lstStyle/>
-                    <a:p>
-                      <a:pPr algn="r" fontAlgn="ctr"/>
-                      <a:r>
-                        <a:rPr lang="en-US" altLang="ko-KR" sz="1100" b="0" i="0" u="none" strike="noStrike" dirty="0">
-                          <a:solidFill>
-                            <a:srgbClr val="000000"/>
-                          </a:solidFill>
-                          <a:effectLst/>
-                          <a:latin typeface="맑은 고딕" panose="020B0503020000020004" pitchFamily="50" charset="-127"/>
-                          <a:ea typeface="맑은 고딕" panose="020B0503020000020004" pitchFamily="50" charset="-127"/>
-                        </a:rPr>
-                        <a:t>8 (10/21)</a:t>
-                      </a:r>
-                    </a:p>
-                  </a:txBody>
-                  <a:tcPr marL="9525" marR="9525" marT="9525" marB="0" anchor="ctr"/>
-                </a:tc>
-                <a:tc>
-                  <a:txBody>
-                    <a:bodyPr/>
-                    <a:lstStyle/>
-                    <a:p>
-                      <a:pPr algn="ctr" fontAlgn="ctr"/>
-                      <a:r>
-                        <a:rPr lang="ko-KR" altLang="en-US" sz="1100" b="0" i="0" u="none" strike="noStrike" dirty="0">
-                          <a:solidFill>
-                            <a:srgbClr val="FF0000"/>
-                          </a:solidFill>
-                          <a:effectLst/>
-                          <a:latin typeface="맑은 고딕" panose="020B0503020000020004" pitchFamily="50" charset="-127"/>
-                          <a:ea typeface="맑은 고딕" panose="020B0503020000020004" pitchFamily="50" charset="-127"/>
-                        </a:rPr>
-                        <a:t>중간고사</a:t>
-                      </a:r>
-                    </a:p>
-                  </a:txBody>
-                  <a:tcPr marL="9525" marR="9525" marT="9525" marB="0" anchor="ctr"/>
-                </a:tc>
-                <a:tc>
-                  <a:txBody>
-                    <a:bodyPr/>
-                    <a:lstStyle/>
-                    <a:p>
-                      <a:pPr algn="ctr" fontAlgn="ctr"/>
-                      <a:r>
-                        <a:rPr lang="ko-KR" altLang="en-US" sz="1100" b="0" i="0" u="none" strike="noStrike" dirty="0">
-                          <a:solidFill>
-                            <a:srgbClr val="FF0000"/>
-                          </a:solidFill>
-                          <a:effectLst/>
-                          <a:latin typeface="맑은 고딕" panose="020B0503020000020004" pitchFamily="50" charset="-127"/>
-                          <a:ea typeface="맑은 고딕" panose="020B0503020000020004" pitchFamily="50" charset="-127"/>
-                        </a:rPr>
-                        <a:t>중간고사</a:t>
-                      </a:r>
-                    </a:p>
-                  </a:txBody>
-                  <a:tcPr marL="9525" marR="9525" marT="9525" marB="0" anchor="ctr"/>
-                </a:tc>
-                <a:extLst>
-                  <a:ext uri="{0D108BD9-81ED-4DB2-BD59-A6C34878D82A}">
-                    <a16:rowId xmlns:a16="http://schemas.microsoft.com/office/drawing/2014/main" val="2117078907"/>
-                  </a:ext>
-                </a:extLst>
-              </a:tr>
-              <a:tr h="316051">
-                <a:tc>
-                  <a:txBody>
-                    <a:bodyPr/>
-                    <a:lstStyle/>
-                    <a:p>
-                      <a:pPr algn="r" fontAlgn="ctr"/>
-                      <a:r>
-                        <a:rPr lang="en-US" altLang="ko-KR" sz="1100" b="0" i="0" u="none" strike="noStrike" dirty="0">
-                          <a:solidFill>
-                            <a:srgbClr val="000000"/>
-                          </a:solidFill>
-                          <a:effectLst/>
-                          <a:latin typeface="맑은 고딕" panose="020B0503020000020004" pitchFamily="50" charset="-127"/>
-                          <a:ea typeface="맑은 고딕" panose="020B0503020000020004" pitchFamily="50" charset="-127"/>
-                        </a:rPr>
-                        <a:t>9</a:t>
-                      </a:r>
-                    </a:p>
-                  </a:txBody>
-                  <a:tcPr marL="9525" marR="9525" marT="9525" marB="0" anchor="ctr"/>
-                </a:tc>
-                <a:tc>
-                  <a:txBody>
-                    <a:bodyPr/>
-                    <a:lstStyle/>
-                    <a:p>
-                      <a:pPr algn="ctr" fontAlgn="ctr"/>
-                      <a:r>
-                        <a:rPr lang="ko-KR" altLang="en-US" sz="1100" b="0" i="0" u="none" strike="noStrike" dirty="0">
-                          <a:solidFill>
-                            <a:srgbClr val="000000"/>
-                          </a:solidFill>
-                          <a:effectLst/>
-                          <a:latin typeface="맑은 고딕" panose="020B0503020000020004" pitchFamily="50" charset="-127"/>
-                          <a:ea typeface="맑은 고딕" panose="020B0503020000020004" pitchFamily="50" charset="-127"/>
-                        </a:rPr>
-                        <a:t>코드 분석 </a:t>
-                      </a:r>
-                      <a:r>
-                        <a:rPr lang="en-US" altLang="ko-KR" sz="1100" b="0" i="0" u="none" strike="noStrike" dirty="0">
-                          <a:solidFill>
-                            <a:srgbClr val="000000"/>
-                          </a:solidFill>
-                          <a:effectLst/>
-                          <a:latin typeface="맑은 고딕" panose="020B0503020000020004" pitchFamily="50" charset="-127"/>
-                          <a:ea typeface="맑은 고딕" panose="020B0503020000020004" pitchFamily="50" charset="-127"/>
-                        </a:rPr>
-                        <a:t>1</a:t>
-                      </a:r>
-                    </a:p>
-                  </a:txBody>
-                  <a:tcPr marL="9525" marR="9525" marT="9525" marB="0" anchor="ctr"/>
-                </a:tc>
-                <a:tc>
-                  <a:txBody>
-                    <a:bodyPr/>
-                    <a:lstStyle/>
-                    <a:p>
-                      <a:pPr algn="ctr" fontAlgn="ctr"/>
-                      <a:r>
-                        <a:rPr lang="ko-KR" altLang="en-US" sz="1100" b="0" i="0" u="none" strike="noStrike" dirty="0">
-                          <a:solidFill>
-                            <a:srgbClr val="000000"/>
-                          </a:solidFill>
-                          <a:effectLst/>
-                          <a:latin typeface="맑은 고딕" panose="020B0503020000020004" pitchFamily="50" charset="-127"/>
-                          <a:ea typeface="+mn-ea"/>
-                        </a:rPr>
-                        <a:t>코드 분석 </a:t>
-                      </a:r>
-                      <a:r>
-                        <a:rPr lang="en-US" altLang="ko-KR" sz="1100" b="0" i="0" u="none" strike="noStrike" dirty="0">
-                          <a:solidFill>
-                            <a:srgbClr val="000000"/>
-                          </a:solidFill>
-                          <a:effectLst/>
-                          <a:latin typeface="맑은 고딕" panose="020B0503020000020004" pitchFamily="50" charset="-127"/>
-                          <a:ea typeface="+mn-ea"/>
-                        </a:rPr>
-                        <a:t>2</a:t>
-                      </a:r>
-                    </a:p>
-                  </a:txBody>
-                  <a:tcPr marL="9525" marR="9525" marT="9525" marB="0" anchor="ctr"/>
-                </a:tc>
-                <a:extLst>
-                  <a:ext uri="{0D108BD9-81ED-4DB2-BD59-A6C34878D82A}">
-                    <a16:rowId xmlns:a16="http://schemas.microsoft.com/office/drawing/2014/main" val="1318025886"/>
-                  </a:ext>
-                </a:extLst>
-              </a:tr>
-              <a:tr h="316051">
-                <a:tc>
-                  <a:txBody>
-                    <a:bodyPr/>
-                    <a:lstStyle/>
-                    <a:p>
-                      <a:pPr algn="r" fontAlgn="ctr"/>
-                      <a:r>
-                        <a:rPr lang="en-US" altLang="ko-KR" sz="1100" b="0" i="0" u="none" strike="noStrike" dirty="0">
-                          <a:solidFill>
-                            <a:srgbClr val="000000"/>
-                          </a:solidFill>
-                          <a:effectLst/>
-                          <a:latin typeface="맑은 고딕" panose="020B0503020000020004" pitchFamily="50" charset="-127"/>
-                          <a:ea typeface="맑은 고딕" panose="020B0503020000020004" pitchFamily="50" charset="-127"/>
-                        </a:rPr>
-                        <a:t>10 (11/4)</a:t>
-                      </a:r>
-                    </a:p>
-                  </a:txBody>
-                  <a:tcPr marL="9525" marR="9525" marT="9525" marB="0" anchor="ctr"/>
-                </a:tc>
-                <a:tc>
-                  <a:txBody>
-                    <a:bodyPr/>
-                    <a:lstStyle/>
-                    <a:p>
-                      <a:pPr algn="ctr" fontAlgn="ctr"/>
-                      <a:r>
-                        <a:rPr lang="ko-KR" altLang="en-US" sz="1100" b="0" i="0" u="none" strike="noStrike" dirty="0">
-                          <a:solidFill>
-                            <a:srgbClr val="000000"/>
-                          </a:solidFill>
-                          <a:effectLst/>
-                          <a:latin typeface="맑은 고딕" panose="020B0503020000020004" pitchFamily="50" charset="-127"/>
-                          <a:ea typeface="맑은 고딕" panose="020B0503020000020004" pitchFamily="50" charset="-127"/>
-                        </a:rPr>
-                        <a:t>코드 분석 </a:t>
-                      </a:r>
-                      <a:r>
-                        <a:rPr lang="en-US" altLang="ko-KR" sz="1100" b="0" i="0" u="none" strike="noStrike" dirty="0">
-                          <a:solidFill>
-                            <a:srgbClr val="000000"/>
-                          </a:solidFill>
-                          <a:effectLst/>
-                          <a:latin typeface="맑은 고딕" panose="020B0503020000020004" pitchFamily="50" charset="-127"/>
-                          <a:ea typeface="맑은 고딕" panose="020B0503020000020004" pitchFamily="50" charset="-127"/>
-                        </a:rPr>
-                        <a:t>3</a:t>
-                      </a:r>
-                    </a:p>
-                  </a:txBody>
-                  <a:tcPr marL="9525" marR="9525" marT="9525" marB="0" anchor="ctr"/>
-                </a:tc>
-                <a:tc>
-                  <a:txBody>
-                    <a:bodyPr/>
-                    <a:lstStyle/>
-                    <a:p>
-                      <a:pPr algn="ctr" fontAlgn="ctr"/>
-                      <a:r>
-                        <a:rPr lang="ko-KR" altLang="en-US" sz="1100" b="0" i="0" u="none" strike="noStrike" dirty="0">
-                          <a:solidFill>
-                            <a:srgbClr val="000000"/>
-                          </a:solidFill>
-                          <a:effectLst/>
-                          <a:latin typeface="맑은 고딕" panose="020B0503020000020004" pitchFamily="50" charset="-127"/>
-                          <a:ea typeface="+mn-ea"/>
-                        </a:rPr>
-                        <a:t>코드 리뷰</a:t>
-                      </a:r>
-                      <a:endParaRPr lang="en-US" altLang="ko-KR" sz="1100" b="0" i="0" u="none" strike="noStrike" dirty="0">
-                        <a:solidFill>
-                          <a:srgbClr val="000000"/>
-                        </a:solidFill>
-                        <a:effectLst/>
-                        <a:latin typeface="맑은 고딕" panose="020B0503020000020004" pitchFamily="50" charset="-127"/>
-                        <a:ea typeface="+mn-ea"/>
-                      </a:endParaRPr>
-                    </a:p>
-                  </a:txBody>
-                  <a:tcPr marL="9525" marR="9525" marT="9525" marB="0" anchor="ctr"/>
-                </a:tc>
-                <a:extLst>
-                  <a:ext uri="{0D108BD9-81ED-4DB2-BD59-A6C34878D82A}">
-                    <a16:rowId xmlns:a16="http://schemas.microsoft.com/office/drawing/2014/main" val="2789463766"/>
-                  </a:ext>
-                </a:extLst>
-              </a:tr>
-              <a:tr h="368604">
-                <a:tc>
-                  <a:txBody>
-                    <a:bodyPr/>
-                    <a:lstStyle/>
-                    <a:p>
-                      <a:pPr algn="r" fontAlgn="ctr"/>
-                      <a:r>
-                        <a:rPr lang="en-US" altLang="ko-KR" sz="1100" b="0" i="0" u="none" strike="noStrike" dirty="0">
-                          <a:solidFill>
-                            <a:srgbClr val="000000"/>
-                          </a:solidFill>
-                          <a:effectLst/>
-                          <a:latin typeface="맑은 고딕" panose="020B0503020000020004" pitchFamily="50" charset="-127"/>
-                          <a:ea typeface="맑은 고딕" panose="020B0503020000020004" pitchFamily="50" charset="-127"/>
-                        </a:rPr>
-                        <a:t>11</a:t>
-                      </a:r>
-                    </a:p>
-                  </a:txBody>
-                  <a:tcPr marL="9525" marR="9525" marT="9525" marB="0" anchor="ctr"/>
-                </a:tc>
-                <a:tc gridSpan="2">
-                  <a:txBody>
-                    <a:bodyPr/>
-                    <a:lstStyle/>
-                    <a:p>
-                      <a:pPr algn="ctr" fontAlgn="ctr"/>
-                      <a:r>
-                        <a:rPr lang="ko-KR" altLang="en-US" sz="1100" b="0" i="0" u="none" strike="noStrike" dirty="0">
-                          <a:solidFill>
-                            <a:srgbClr val="000000"/>
-                          </a:solidFill>
-                          <a:effectLst/>
-                          <a:latin typeface="맑은 고딕" panose="020B0503020000020004" pitchFamily="50" charset="-127"/>
-                          <a:ea typeface="+mn-ea"/>
-                        </a:rPr>
-                        <a:t>개인 프로젝트 </a:t>
-                      </a:r>
-                      <a:r>
-                        <a:rPr lang="en-US" altLang="ko-KR" sz="1100" b="0" i="0" u="none" strike="noStrike" dirty="0">
-                          <a:solidFill>
-                            <a:srgbClr val="000000"/>
-                          </a:solidFill>
-                          <a:effectLst/>
-                          <a:latin typeface="맑은 고딕" panose="020B0503020000020004" pitchFamily="50" charset="-127"/>
-                          <a:ea typeface="+mn-ea"/>
-                        </a:rPr>
-                        <a:t>2: </a:t>
-                      </a:r>
-                      <a:r>
-                        <a:rPr lang="ko-KR" altLang="en-US" sz="1100" b="0" i="0" u="none" strike="noStrike" dirty="0">
-                          <a:solidFill>
-                            <a:srgbClr val="000000"/>
-                          </a:solidFill>
-                          <a:effectLst/>
-                          <a:latin typeface="맑은 고딕" panose="020B0503020000020004" pitchFamily="50" charset="-127"/>
-                          <a:ea typeface="+mn-ea"/>
-                        </a:rPr>
-                        <a:t>대상 프로젝트 코드 분석 결과 발표 및 기능 구현 방향</a:t>
-                      </a:r>
-                      <a:r>
-                        <a:rPr lang="en-US" altLang="ko-KR" sz="1100" b="0" i="0" u="none" strike="noStrike" dirty="0">
-                          <a:solidFill>
-                            <a:srgbClr val="000000"/>
-                          </a:solidFill>
-                          <a:effectLst/>
-                          <a:latin typeface="맑은 고딕" panose="020B0503020000020004" pitchFamily="50" charset="-127"/>
-                          <a:ea typeface="+mn-ea"/>
-                        </a:rPr>
-                        <a:t>, </a:t>
-                      </a:r>
-                      <a:r>
-                        <a:rPr lang="ko-KR" altLang="en-US" sz="1100" b="0" i="0" u="none" strike="noStrike" dirty="0">
-                          <a:solidFill>
-                            <a:srgbClr val="000000"/>
-                          </a:solidFill>
-                          <a:effectLst/>
-                          <a:latin typeface="맑은 고딕" panose="020B0503020000020004" pitchFamily="50" charset="-127"/>
-                          <a:ea typeface="+mn-ea"/>
-                        </a:rPr>
-                        <a:t>커뮤니티 참여 방안 발표 및 피드백</a:t>
-                      </a:r>
-                      <a:endParaRPr lang="en-US" altLang="ko-KR" sz="1100" b="0" i="0" u="none" strike="noStrike" dirty="0">
-                        <a:solidFill>
-                          <a:srgbClr val="000000"/>
-                        </a:solidFill>
-                        <a:effectLst/>
-                        <a:latin typeface="맑은 고딕" panose="020B0503020000020004" pitchFamily="50" charset="-127"/>
-                        <a:ea typeface="+mn-ea"/>
-                      </a:endParaRPr>
-                    </a:p>
-                  </a:txBody>
-                  <a:tcPr marL="9525" marR="9525" marT="9525" marB="0" anchor="ctr">
-                    <a:solidFill>
-                      <a:schemeClr val="accent4"/>
-                    </a:solidFill>
-                  </a:tcPr>
-                </a:tc>
-                <a:tc hMerge="1">
-                  <a:txBody>
-                    <a:bodyPr/>
-                    <a:lstStyle/>
-                    <a:p>
-                      <a:pPr algn="ctr" fontAlgn="ctr"/>
-                      <a:endParaRPr lang="en-US" altLang="ko-KR" sz="1100" b="0" i="0" u="none" strike="noStrike" dirty="0">
-                        <a:solidFill>
-                          <a:srgbClr val="000000"/>
-                        </a:solidFill>
-                        <a:effectLst/>
-                        <a:latin typeface="맑은 고딕" panose="020B0503020000020004" pitchFamily="50" charset="-127"/>
-                        <a:ea typeface="+mn-ea"/>
-                      </a:endParaRPr>
-                    </a:p>
-                  </a:txBody>
-                  <a:tcPr marL="9525" marR="9525" marT="9525" marB="0" anchor="ctr">
-                    <a:solidFill>
-                      <a:schemeClr val="accent4"/>
-                    </a:solidFill>
-                  </a:tcPr>
-                </a:tc>
-                <a:extLst>
-                  <a:ext uri="{0D108BD9-81ED-4DB2-BD59-A6C34878D82A}">
-                    <a16:rowId xmlns:a16="http://schemas.microsoft.com/office/drawing/2014/main" val="1308666071"/>
-                  </a:ext>
-                </a:extLst>
-              </a:tr>
-              <a:tr h="316051">
-                <a:tc>
-                  <a:txBody>
-                    <a:bodyPr/>
-                    <a:lstStyle/>
-                    <a:p>
-                      <a:pPr algn="r" fontAlgn="ctr"/>
-                      <a:r>
-                        <a:rPr lang="en-US" altLang="ko-KR" sz="1100" b="0" i="0" u="none" strike="noStrike" dirty="0">
-                          <a:solidFill>
-                            <a:srgbClr val="000000"/>
-                          </a:solidFill>
-                          <a:effectLst/>
-                          <a:latin typeface="맑은 고딕" panose="020B0503020000020004" pitchFamily="50" charset="-127"/>
-                          <a:ea typeface="맑은 고딕" panose="020B0503020000020004" pitchFamily="50" charset="-127"/>
-                        </a:rPr>
-                        <a:t>12</a:t>
-                      </a:r>
-                    </a:p>
-                  </a:txBody>
-                  <a:tcPr marL="9525" marR="9525" marT="9525" marB="0" anchor="ctr"/>
-                </a:tc>
-                <a:tc>
-                  <a:txBody>
-                    <a:bodyPr/>
-                    <a:lstStyle/>
-                    <a:p>
-                      <a:pPr algn="ctr" fontAlgn="ctr"/>
-                      <a:r>
-                        <a:rPr lang="ko-KR" altLang="en-US" sz="1100" b="0" i="0" u="none" strike="noStrike" dirty="0">
-                          <a:solidFill>
-                            <a:srgbClr val="000000"/>
-                          </a:solidFill>
-                          <a:effectLst/>
-                          <a:latin typeface="맑은 고딕" panose="020B0503020000020004" pitchFamily="50" charset="-127"/>
-                          <a:ea typeface="맑은 고딕" panose="020B0503020000020004" pitchFamily="50" charset="-127"/>
-                        </a:rPr>
-                        <a:t>클라우드 기반 개발 환경 구성 </a:t>
-                      </a:r>
-                      <a:r>
-                        <a:rPr lang="en-US" altLang="ko-KR" sz="1100" b="0" i="0" u="none" strike="noStrike" dirty="0">
-                          <a:solidFill>
-                            <a:srgbClr val="000000"/>
-                          </a:solidFill>
-                          <a:effectLst/>
-                          <a:latin typeface="맑은 고딕" panose="020B0503020000020004" pitchFamily="50" charset="-127"/>
-                          <a:ea typeface="맑은 고딕" panose="020B0503020000020004" pitchFamily="50" charset="-127"/>
-                        </a:rPr>
-                        <a:t>1</a:t>
-                      </a:r>
-                      <a:endParaRPr lang="en-US" sz="1100" b="0" i="0" u="none" strike="noStrike" dirty="0">
-                        <a:solidFill>
-                          <a:srgbClr val="000000"/>
-                        </a:solidFill>
-                        <a:effectLst/>
-                        <a:latin typeface="맑은 고딕" panose="020B0503020000020004" pitchFamily="50" charset="-127"/>
-                        <a:ea typeface="맑은 고딕" panose="020B0503020000020004" pitchFamily="50" charset="-127"/>
-                      </a:endParaRPr>
-                    </a:p>
-                  </a:txBody>
-                  <a:tcPr marL="9525" marR="9525" marT="9525" marB="0" anchor="ctr"/>
-                </a:tc>
-                <a:tc>
-                  <a:txBody>
-                    <a:bodyPr/>
-                    <a:lstStyle/>
-                    <a:p>
-                      <a:pPr algn="ctr" fontAlgn="ctr"/>
-                      <a:r>
-                        <a:rPr lang="ko-KR" altLang="en-US" sz="1100" b="0" i="0" u="none" strike="noStrike" dirty="0">
-                          <a:solidFill>
-                            <a:srgbClr val="000000"/>
-                          </a:solidFill>
-                          <a:effectLst/>
-                          <a:latin typeface="맑은 고딕" panose="020B0503020000020004" pitchFamily="50" charset="-127"/>
-                          <a:ea typeface="+mn-ea"/>
-                        </a:rPr>
-                        <a:t>클라우드 기반 개발 환경 구성 </a:t>
-                      </a:r>
-                      <a:r>
-                        <a:rPr lang="en-US" altLang="ko-KR" sz="1100" b="0" i="0" u="none" strike="noStrike" dirty="0">
-                          <a:solidFill>
-                            <a:srgbClr val="000000"/>
-                          </a:solidFill>
-                          <a:effectLst/>
-                          <a:latin typeface="맑은 고딕" panose="020B0503020000020004" pitchFamily="50" charset="-127"/>
-                          <a:ea typeface="+mn-ea"/>
-                        </a:rPr>
-                        <a:t>2</a:t>
-                      </a:r>
-                    </a:p>
-                  </a:txBody>
-                  <a:tcPr marL="9525" marR="9525" marT="9525" marB="0" anchor="ctr"/>
-                </a:tc>
-                <a:extLst>
-                  <a:ext uri="{0D108BD9-81ED-4DB2-BD59-A6C34878D82A}">
-                    <a16:rowId xmlns:a16="http://schemas.microsoft.com/office/drawing/2014/main" val="3193302293"/>
-                  </a:ext>
-                </a:extLst>
-              </a:tr>
-              <a:tr h="316051">
-                <a:tc>
-                  <a:txBody>
-                    <a:bodyPr/>
-                    <a:lstStyle/>
-                    <a:p>
-                      <a:pPr algn="r" fontAlgn="ctr"/>
-                      <a:r>
-                        <a:rPr lang="en-US" altLang="ko-KR" sz="1100" b="0" i="0" u="none" strike="noStrike" dirty="0">
-                          <a:solidFill>
-                            <a:srgbClr val="000000"/>
-                          </a:solidFill>
-                          <a:effectLst/>
-                          <a:latin typeface="맑은 고딕" panose="020B0503020000020004" pitchFamily="50" charset="-127"/>
-                          <a:ea typeface="맑은 고딕" panose="020B0503020000020004" pitchFamily="50" charset="-127"/>
-                        </a:rPr>
-                        <a:t>13 (11/25)</a:t>
-                      </a:r>
-                    </a:p>
-                  </a:txBody>
-                  <a:tcPr marL="9525" marR="9525" marT="9525" marB="0" anchor="ctr"/>
-                </a:tc>
-                <a:tc>
-                  <a:txBody>
-                    <a:bodyPr/>
-                    <a:lstStyle/>
-                    <a:p>
-                      <a:pPr algn="ctr" fontAlgn="ctr"/>
-                      <a:r>
-                        <a:rPr lang="en-US" sz="1100" b="0" i="0" u="none" strike="noStrike" dirty="0">
-                          <a:solidFill>
-                            <a:srgbClr val="000000"/>
-                          </a:solidFill>
-                          <a:effectLst/>
-                          <a:latin typeface="맑은 고딕" panose="020B0503020000020004" pitchFamily="50" charset="-127"/>
-                          <a:ea typeface="맑은 고딕" panose="020B0503020000020004" pitchFamily="50" charset="-127"/>
-                        </a:rPr>
-                        <a:t>CI/CD </a:t>
-                      </a:r>
-                      <a:r>
-                        <a:rPr lang="ko-KR" altLang="en-US" sz="1100" b="0" i="0" u="none" strike="noStrike" dirty="0">
-                          <a:solidFill>
-                            <a:srgbClr val="000000"/>
-                          </a:solidFill>
-                          <a:effectLst/>
-                          <a:latin typeface="맑은 고딕" panose="020B0503020000020004" pitchFamily="50" charset="-127"/>
-                          <a:ea typeface="맑은 고딕" panose="020B0503020000020004" pitchFamily="50" charset="-127"/>
-                        </a:rPr>
-                        <a:t>도구 및 활용</a:t>
-                      </a:r>
-                      <a:endParaRPr lang="en-US" sz="1100" b="0" i="0" u="none" strike="noStrike" dirty="0">
-                        <a:solidFill>
-                          <a:srgbClr val="000000"/>
-                        </a:solidFill>
-                        <a:effectLst/>
-                        <a:latin typeface="맑은 고딕" panose="020B0503020000020004" pitchFamily="50" charset="-127"/>
-                        <a:ea typeface="맑은 고딕" panose="020B0503020000020004" pitchFamily="50" charset="-127"/>
-                      </a:endParaRPr>
-                    </a:p>
-                  </a:txBody>
-                  <a:tcPr marL="9525" marR="9525" marT="9525" marB="0" anchor="ctr"/>
-                </a:tc>
-                <a:tc>
-                  <a:txBody>
-                    <a:bodyPr/>
-                    <a:lstStyle/>
-                    <a:p>
-                      <a:pPr algn="ctr" fontAlgn="ctr"/>
-                      <a:r>
-                        <a:rPr lang="ko-KR" altLang="en-US" sz="1100" b="0" i="0" u="none" strike="noStrike" dirty="0">
-                          <a:solidFill>
-                            <a:srgbClr val="000000"/>
-                          </a:solidFill>
-                          <a:effectLst/>
-                          <a:latin typeface="맑은 고딕" panose="020B0503020000020004" pitchFamily="50" charset="-127"/>
-                          <a:ea typeface="맑은 고딕" panose="020B0503020000020004" pitchFamily="50" charset="-127"/>
-                        </a:rPr>
-                        <a:t>문서화 도구</a:t>
-                      </a:r>
-                      <a:endParaRPr lang="en-US" sz="1100" b="0" i="0" u="none" strike="noStrike" dirty="0">
-                        <a:solidFill>
-                          <a:srgbClr val="000000"/>
-                        </a:solidFill>
-                        <a:effectLst/>
-                        <a:latin typeface="맑은 고딕" panose="020B0503020000020004" pitchFamily="50" charset="-127"/>
-                        <a:ea typeface="맑은 고딕" panose="020B0503020000020004" pitchFamily="50" charset="-127"/>
-                      </a:endParaRPr>
-                    </a:p>
-                  </a:txBody>
-                  <a:tcPr marL="9525" marR="9525" marT="9525" marB="0" anchor="ctr"/>
-                </a:tc>
-                <a:extLst>
-                  <a:ext uri="{0D108BD9-81ED-4DB2-BD59-A6C34878D82A}">
-                    <a16:rowId xmlns:a16="http://schemas.microsoft.com/office/drawing/2014/main" val="1928419577"/>
-                  </a:ext>
-                </a:extLst>
-              </a:tr>
-              <a:tr h="316051">
-                <a:tc>
-                  <a:txBody>
-                    <a:bodyPr/>
-                    <a:lstStyle/>
-                    <a:p>
-                      <a:pPr algn="r" fontAlgn="ctr"/>
-                      <a:r>
-                        <a:rPr lang="en-US" altLang="ko-KR" sz="1100" b="0" i="0" u="none" strike="noStrike" dirty="0">
-                          <a:solidFill>
-                            <a:srgbClr val="000000"/>
-                          </a:solidFill>
-                          <a:effectLst/>
-                          <a:latin typeface="맑은 고딕" panose="020B0503020000020004" pitchFamily="50" charset="-127"/>
-                          <a:ea typeface="맑은 고딕" panose="020B0503020000020004" pitchFamily="50" charset="-127"/>
-                        </a:rPr>
-                        <a:t>14</a:t>
-                      </a:r>
-                    </a:p>
-                  </a:txBody>
-                  <a:tcPr marL="9525" marR="9525" marT="9525" marB="0" anchor="ctr"/>
-                </a:tc>
-                <a:tc gridSpan="2">
-                  <a:txBody>
-                    <a:bodyPr/>
-                    <a:lstStyle/>
-                    <a:p>
-                      <a:pPr algn="ctr" fontAlgn="ctr"/>
-                      <a:r>
-                        <a:rPr lang="ko-KR" altLang="en-US" sz="1100" b="0" i="0" u="none" strike="noStrike" dirty="0">
-                          <a:solidFill>
-                            <a:srgbClr val="000000"/>
-                          </a:solidFill>
-                          <a:effectLst/>
-                          <a:latin typeface="맑은 고딕" panose="020B0503020000020004" pitchFamily="50" charset="-127"/>
-                          <a:ea typeface="+mn-ea"/>
-                        </a:rPr>
-                        <a:t>개별 프로젝트 진행</a:t>
-                      </a:r>
-                    </a:p>
-                  </a:txBody>
-                  <a:tcPr marL="9525" marR="9525" marT="9525" marB="0" anchor="ctr"/>
-                </a:tc>
-                <a:tc hMerge="1">
-                  <a:txBody>
-                    <a:bodyPr/>
-                    <a:lstStyle/>
-                    <a:p>
-                      <a:pPr algn="ctr" fontAlgn="ctr"/>
-                      <a:endParaRPr lang="ko-KR" altLang="en-US" sz="1100" b="0" i="0" u="none" strike="noStrike" dirty="0">
-                        <a:solidFill>
-                          <a:srgbClr val="000000"/>
-                        </a:solidFill>
-                        <a:effectLst/>
-                        <a:latin typeface="맑은 고딕" panose="020B0503020000020004" pitchFamily="50" charset="-127"/>
-                        <a:ea typeface="맑은 고딕" panose="020B0503020000020004" pitchFamily="50" charset="-127"/>
-                      </a:endParaRPr>
-                    </a:p>
-                  </a:txBody>
-                  <a:tcPr marL="9525" marR="9525" marT="9525" marB="0" anchor="ctr"/>
-                </a:tc>
-                <a:extLst>
-                  <a:ext uri="{0D108BD9-81ED-4DB2-BD59-A6C34878D82A}">
-                    <a16:rowId xmlns:a16="http://schemas.microsoft.com/office/drawing/2014/main" val="676618592"/>
-                  </a:ext>
-                </a:extLst>
-              </a:tr>
-              <a:tr h="316051">
-                <a:tc>
-                  <a:txBody>
-                    <a:bodyPr/>
-                    <a:lstStyle/>
-                    <a:p>
-                      <a:pPr algn="r" fontAlgn="ctr"/>
-                      <a:r>
-                        <a:rPr lang="en-US" altLang="ko-KR" sz="1100" b="0" i="0" u="none" strike="noStrike" dirty="0">
-                          <a:solidFill>
-                            <a:srgbClr val="000000"/>
-                          </a:solidFill>
-                          <a:effectLst/>
-                          <a:latin typeface="맑은 고딕" panose="020B0503020000020004" pitchFamily="50" charset="-127"/>
-                          <a:ea typeface="맑은 고딕" panose="020B0503020000020004" pitchFamily="50" charset="-127"/>
-                        </a:rPr>
-                        <a:t>15 (12/9)</a:t>
-                      </a:r>
-                    </a:p>
-                  </a:txBody>
-                  <a:tcPr marL="9525" marR="9525" marT="9525" marB="0" anchor="ctr"/>
-                </a:tc>
-                <a:tc gridSpan="2">
-                  <a:txBody>
-                    <a:bodyPr/>
-                    <a:lstStyle/>
-                    <a:p>
-                      <a:pPr algn="ctr" fontAlgn="ctr"/>
-                      <a:r>
-                        <a:rPr lang="ko-KR" altLang="en-US" sz="1100" b="0" i="0" u="none" strike="noStrike" dirty="0">
-                          <a:solidFill>
-                            <a:srgbClr val="000000"/>
-                          </a:solidFill>
-                          <a:effectLst/>
-                          <a:latin typeface="맑은 고딕" panose="020B0503020000020004" pitchFamily="50" charset="-127"/>
-                          <a:ea typeface="+mn-ea"/>
-                        </a:rPr>
-                        <a:t>개인 프로젝트 </a:t>
-                      </a:r>
-                      <a:r>
-                        <a:rPr lang="en-US" altLang="ko-KR" sz="1100" b="0" i="0" u="none" strike="noStrike" dirty="0">
-                          <a:solidFill>
-                            <a:srgbClr val="000000"/>
-                          </a:solidFill>
-                          <a:effectLst/>
-                          <a:latin typeface="맑은 고딕" panose="020B0503020000020004" pitchFamily="50" charset="-127"/>
-                          <a:ea typeface="+mn-ea"/>
-                        </a:rPr>
-                        <a:t>3: </a:t>
-                      </a:r>
-                      <a:r>
-                        <a:rPr lang="ko-KR" altLang="en-US" sz="1100" b="0" i="0" u="none" strike="noStrike" dirty="0">
-                          <a:solidFill>
-                            <a:srgbClr val="000000"/>
-                          </a:solidFill>
-                          <a:effectLst/>
-                          <a:latin typeface="맑은 고딕" panose="020B0503020000020004" pitchFamily="50" charset="-127"/>
-                          <a:ea typeface="+mn-ea"/>
-                        </a:rPr>
-                        <a:t>최종 프로젝트 발표</a:t>
-                      </a:r>
-                      <a:r>
-                        <a:rPr lang="en-US" altLang="ko-KR" sz="1100" b="0" i="0" u="none" strike="noStrike" dirty="0">
-                          <a:solidFill>
-                            <a:srgbClr val="000000"/>
-                          </a:solidFill>
-                          <a:effectLst/>
-                          <a:latin typeface="맑은 고딕" panose="020B0503020000020004" pitchFamily="50" charset="-127"/>
-                          <a:ea typeface="+mn-ea"/>
-                        </a:rPr>
-                        <a:t>, </a:t>
-                      </a:r>
-                      <a:r>
-                        <a:rPr lang="ko-KR" altLang="en-US" sz="1100" b="0" i="0" u="none" strike="noStrike" dirty="0">
-                          <a:solidFill>
-                            <a:srgbClr val="000000"/>
-                          </a:solidFill>
-                          <a:effectLst/>
-                          <a:latin typeface="맑은 고딕" panose="020B0503020000020004" pitchFamily="50" charset="-127"/>
-                          <a:ea typeface="+mn-ea"/>
-                        </a:rPr>
-                        <a:t>기능 구현 소개 및 시연</a:t>
-                      </a:r>
-                      <a:r>
-                        <a:rPr lang="en-US" altLang="ko-KR" sz="1100" b="0" i="0" u="none" strike="noStrike" dirty="0">
-                          <a:solidFill>
-                            <a:srgbClr val="000000"/>
-                          </a:solidFill>
-                          <a:effectLst/>
-                          <a:latin typeface="맑은 고딕" panose="020B0503020000020004" pitchFamily="50" charset="-127"/>
-                          <a:ea typeface="+mn-ea"/>
-                        </a:rPr>
-                        <a:t>, OSS </a:t>
-                      </a:r>
-                      <a:r>
-                        <a:rPr lang="ko-KR" altLang="en-US" sz="1100" b="0" i="0" u="none" strike="noStrike" dirty="0">
-                          <a:solidFill>
-                            <a:srgbClr val="000000"/>
-                          </a:solidFill>
-                          <a:effectLst/>
-                          <a:latin typeface="맑은 고딕" panose="020B0503020000020004" pitchFamily="50" charset="-127"/>
-                          <a:ea typeface="+mn-ea"/>
-                        </a:rPr>
-                        <a:t>커뮤니티 활동 소개</a:t>
-                      </a:r>
-                      <a:endParaRPr lang="ko-KR" altLang="en-US" sz="1100" b="0" i="0" u="none" strike="noStrike" dirty="0">
-                        <a:solidFill>
-                          <a:srgbClr val="000000"/>
-                        </a:solidFill>
-                        <a:effectLst/>
-                        <a:latin typeface="맑은 고딕" panose="020B0503020000020004" pitchFamily="50" charset="-127"/>
-                        <a:ea typeface="맑은 고딕" panose="020B0503020000020004" pitchFamily="50" charset="-127"/>
-                      </a:endParaRPr>
-                    </a:p>
-                  </a:txBody>
-                  <a:tcPr marL="9525" marR="9525" marT="9525" marB="0" anchor="ctr">
-                    <a:solidFill>
-                      <a:schemeClr val="accent4"/>
-                    </a:solidFill>
-                  </a:tcPr>
-                </a:tc>
-                <a:tc hMerge="1">
-                  <a:txBody>
-                    <a:bodyPr/>
-                    <a:lstStyle/>
-                    <a:p>
-                      <a:pPr algn="ctr" fontAlgn="ctr"/>
-                      <a:endParaRPr lang="ko-KR" altLang="en-US" sz="1100" b="0" i="0" u="none" strike="noStrike" dirty="0">
-                        <a:solidFill>
-                          <a:srgbClr val="000000"/>
-                        </a:solidFill>
-                        <a:effectLst/>
-                        <a:latin typeface="맑은 고딕" panose="020B0503020000020004" pitchFamily="50" charset="-127"/>
-                        <a:ea typeface="맑은 고딕" panose="020B0503020000020004" pitchFamily="50" charset="-127"/>
-                      </a:endParaRPr>
-                    </a:p>
-                  </a:txBody>
-                  <a:tcPr marL="9525" marR="9525" marT="9525" marB="0" anchor="ctr"/>
-                </a:tc>
-                <a:extLst>
-                  <a:ext uri="{0D108BD9-81ED-4DB2-BD59-A6C34878D82A}">
-                    <a16:rowId xmlns:a16="http://schemas.microsoft.com/office/drawing/2014/main" val="131442803"/>
-                  </a:ext>
-                </a:extLst>
-              </a:tr>
-            </a:tbl>
-          </a:graphicData>
-        </a:graphic>
-      </p:graphicFrame>
-      <p:sp>
-        <p:nvSpPr>
-          <p:cNvPr id="3" name="슬라이드 번호 개체 틀 2"/>
-          <p:cNvSpPr>
-            <a:spLocks noGrp="1"/>
-          </p:cNvSpPr>
-          <p:nvPr>
-            <p:ph type="sldNum" sz="quarter" idx="12"/>
-          </p:nvPr>
-        </p:nvSpPr>
-        <p:spPr/>
-        <p:txBody>
-          <a:bodyPr/>
-          <a:lstStyle/>
-          <a:p>
-            <a:fld id="{64F0D409-D3F6-4EEC-8C77-1F5E89989FFB}" type="slidenum">
-              <a:rPr lang="ko-KR" altLang="en-US" smtClean="0"/>
-              <a:t>18</a:t>
-            </a:fld>
-            <a:endParaRPr lang="ko-KR" altLang="en-US"/>
-          </a:p>
-        </p:txBody>
-      </p:sp>
-    </p:spTree>
-    <p:extLst>
-      <p:ext uri="{BB962C8B-B14F-4D97-AF65-F5344CB8AC3E}">
-        <p14:creationId xmlns:p14="http://schemas.microsoft.com/office/powerpoint/2010/main" val="2479531008"/>
-      </p:ext>
-    </p:extLst>
-  </p:cSld>
-  <p:clrMapOvr>
-    <a:masterClrMapping/>
-  </p:clrMapOvr>
-</p:sld>
-</file>
-
-<file path=ppt/slides/slide19.xml><?xml version="1.0" encoding="utf-8"?>
 <p:sld xmlns:a="http://schemas.openxmlformats.org/drawingml/2006/main" xmlns:r="http://schemas.openxmlformats.org/officeDocument/2006/relationships" xmlns:p="http://schemas.openxmlformats.org/presentationml/2006/main">
   <p:cSld>
     <p:spTree>
@@ -10827,7 +9149,7 @@
           <a:p>
             <a:fld id="{64F0D409-D3F6-4EEC-8C77-1F5E89989FFB}" type="slidenum">
               <a:rPr lang="ko-KR" altLang="en-US" smtClean="0"/>
-              <a:t>19</a:t>
+              <a:t>18</a:t>
             </a:fld>
             <a:endParaRPr lang="ko-KR" altLang="en-US"/>
           </a:p>
@@ -10846,7 +9168,7 @@
 </p:sld>
 </file>
 
-<file path=ppt/slides/slide2.xml><?xml version="1.0" encoding="utf-8"?>
+<file path=ppt/slides/slide19.xml><?xml version="1.0" encoding="utf-8"?>
 <p:sld xmlns:a="http://schemas.openxmlformats.org/drawingml/2006/main" xmlns:r="http://schemas.openxmlformats.org/officeDocument/2006/relationships" xmlns:p="http://schemas.openxmlformats.org/presentationml/2006/main">
   <p:cSld>
     <p:spTree>
@@ -10868,189 +9190,6 @@
           <p:cNvPr id="2" name="제목 1">
             <a:extLst>
               <a:ext uri="{FF2B5EF4-FFF2-40B4-BE49-F238E27FC236}">
-                <a16:creationId xmlns:a16="http://schemas.microsoft.com/office/drawing/2014/main" id="{9776B4EB-CE57-46F3-87DE-CF202D0846A9}"/>
-              </a:ext>
-            </a:extLst>
-          </p:cNvPr>
-          <p:cNvSpPr>
-            <a:spLocks noGrp="1"/>
-          </p:cNvSpPr>
-          <p:nvPr>
-            <p:ph type="title"/>
-          </p:nvPr>
-        </p:nvSpPr>
-        <p:spPr/>
-        <p:txBody>
-          <a:bodyPr/>
-          <a:lstStyle/>
-          <a:p>
-            <a:r>
-              <a:rPr lang="en-US" altLang="ko-KR" dirty="0"/>
-              <a:t>OSS? Why? : </a:t>
-            </a:r>
-            <a:r>
-              <a:rPr lang="ko-KR" altLang="en-US" dirty="0"/>
-              <a:t>현재 우리 인식은</a:t>
-            </a:r>
-            <a:r>
-              <a:rPr lang="en-US" altLang="ko-KR" dirty="0"/>
-              <a:t>? </a:t>
-            </a:r>
-            <a:endParaRPr lang="ko-KR" altLang="en-US" dirty="0"/>
-          </a:p>
-        </p:txBody>
-      </p:sp>
-      <p:sp>
-        <p:nvSpPr>
-          <p:cNvPr id="4" name="슬라이드 번호 개체 틀 3">
-            <a:extLst>
-              <a:ext uri="{FF2B5EF4-FFF2-40B4-BE49-F238E27FC236}">
-                <a16:creationId xmlns:a16="http://schemas.microsoft.com/office/drawing/2014/main" id="{8C84C6E7-79CB-46E3-BB81-731D9C09A0A2}"/>
-              </a:ext>
-            </a:extLst>
-          </p:cNvPr>
-          <p:cNvSpPr>
-            <a:spLocks noGrp="1"/>
-          </p:cNvSpPr>
-          <p:nvPr>
-            <p:ph type="sldNum" sz="quarter" idx="12"/>
-          </p:nvPr>
-        </p:nvSpPr>
-        <p:spPr/>
-        <p:txBody>
-          <a:bodyPr/>
-          <a:lstStyle/>
-          <a:p>
-            <a:fld id="{64F0D409-D3F6-4EEC-8C77-1F5E89989FFB}" type="slidenum">
-              <a:rPr lang="ko-KR" altLang="en-US" smtClean="0"/>
-              <a:t>2</a:t>
-            </a:fld>
-            <a:endParaRPr lang="ko-KR" altLang="en-US"/>
-          </a:p>
-        </p:txBody>
-      </p:sp>
-      <p:pic>
-        <p:nvPicPr>
-          <p:cNvPr id="5" name="Picture 2" descr="open source software importanceì ëí ì´ë¯¸ì§ ê²ìê²°ê³¼">
-            <a:extLst>
-              <a:ext uri="{FF2B5EF4-FFF2-40B4-BE49-F238E27FC236}">
-                <a16:creationId xmlns:a16="http://schemas.microsoft.com/office/drawing/2014/main" id="{3078BFB7-387D-4F2A-8453-D79B722C25A8}"/>
-              </a:ext>
-            </a:extLst>
-          </p:cNvPr>
-          <p:cNvPicPr>
-            <a:picLocks noGrp="1" noChangeAspect="1" noChangeArrowheads="1"/>
-          </p:cNvPicPr>
-          <p:nvPr>
-            <p:ph idx="1"/>
-          </p:nvPr>
-        </p:nvPicPr>
-        <p:blipFill>
-          <a:blip r:embed="rId2">
-            <a:extLst>
-              <a:ext uri="{28A0092B-C50C-407E-A947-70E740481C1C}">
-                <a14:useLocalDpi xmlns:a14="http://schemas.microsoft.com/office/drawing/2010/main" val="0"/>
-              </a:ext>
-            </a:extLst>
-          </a:blip>
-          <a:srcRect/>
-          <a:stretch>
-            <a:fillRect/>
-          </a:stretch>
-        </p:blipFill>
-        <p:spPr bwMode="auto">
-          <a:xfrm>
-            <a:off x="395536" y="1829507"/>
-            <a:ext cx="8353425" cy="4241973"/>
-          </a:xfrm>
-          <a:prstGeom prst="rect">
-            <a:avLst/>
-          </a:prstGeom>
-          <a:noFill/>
-          <a:extLst>
-            <a:ext uri="{909E8E84-426E-40DD-AFC4-6F175D3DCCD1}">
-              <a14:hiddenFill xmlns:a14="http://schemas.microsoft.com/office/drawing/2010/main">
-                <a:solidFill>
-                  <a:srgbClr val="FFFFFF"/>
-                </a:solidFill>
-              </a14:hiddenFill>
-            </a:ext>
-          </a:extLst>
-        </p:spPr>
-      </p:pic>
-      <p:sp>
-        <p:nvSpPr>
-          <p:cNvPr id="8" name="직사각형 7">
-            <a:extLst>
-              <a:ext uri="{FF2B5EF4-FFF2-40B4-BE49-F238E27FC236}">
-                <a16:creationId xmlns:a16="http://schemas.microsoft.com/office/drawing/2014/main" id="{AF61334A-4EB4-40C1-AE18-170E80B7BE9A}"/>
-              </a:ext>
-            </a:extLst>
-          </p:cNvPr>
-          <p:cNvSpPr/>
-          <p:nvPr/>
-        </p:nvSpPr>
-        <p:spPr>
-          <a:xfrm>
-            <a:off x="581025" y="1096677"/>
-            <a:ext cx="8352928" cy="646331"/>
-          </a:xfrm>
-          <a:prstGeom prst="rect">
-            <a:avLst/>
-          </a:prstGeom>
-        </p:spPr>
-        <p:txBody>
-          <a:bodyPr wrap="square">
-            <a:spAutoFit/>
-          </a:bodyPr>
-          <a:lstStyle/>
-          <a:p>
-            <a:r>
-              <a:rPr lang="en-US" altLang="ko-KR" dirty="0"/>
-              <a:t>* Open Source SW: </a:t>
-            </a:r>
-            <a:r>
-              <a:rPr lang="ko-KR" altLang="en-US" dirty="0"/>
-              <a:t>소스 코드를 공개해 누구나 특별한 제한 없이 그 코드를 보고 사용할 수 있는 오픈 소스 라이선스를 만족하는 소프트웨어</a:t>
-            </a:r>
-          </a:p>
-        </p:txBody>
-      </p:sp>
-    </p:spTree>
-    <p:extLst>
-      <p:ext uri="{BB962C8B-B14F-4D97-AF65-F5344CB8AC3E}">
-        <p14:creationId xmlns:p14="http://schemas.microsoft.com/office/powerpoint/2010/main" val="4179200449"/>
-      </p:ext>
-    </p:extLst>
-  </p:cSld>
-  <p:clrMapOvr>
-    <a:masterClrMapping/>
-  </p:clrMapOvr>
-</p:sld>
-</file>
-
-<file path=ppt/slides/slide20.xml><?xml version="1.0" encoding="utf-8"?>
-<p:sld xmlns:a="http://schemas.openxmlformats.org/drawingml/2006/main" xmlns:r="http://schemas.openxmlformats.org/officeDocument/2006/relationships" xmlns:p="http://schemas.openxmlformats.org/presentationml/2006/main">
-  <p:cSld>
-    <p:spTree>
-      <p:nvGrpSpPr>
-        <p:cNvPr id="1" name=""/>
-        <p:cNvGrpSpPr/>
-        <p:nvPr/>
-      </p:nvGrpSpPr>
-      <p:grpSpPr>
-        <a:xfrm>
-          <a:off x="0" y="0"/>
-          <a:ext cx="0" cy="0"/>
-          <a:chOff x="0" y="0"/>
-          <a:chExt cx="0" cy="0"/>
-        </a:xfrm>
-      </p:grpSpPr>
-      <p:sp>
-        <p:nvSpPr>
-          <p:cNvPr id="2" name="제목 1">
-            <a:extLst>
-              <a:ext uri="{FF2B5EF4-FFF2-40B4-BE49-F238E27FC236}">
                 <a16:creationId xmlns:a16="http://schemas.microsoft.com/office/drawing/2014/main" id="{0EF246EA-8CA5-438D-ABCA-25459C5D519A}"/>
               </a:ext>
             </a:extLst>
@@ -11110,7 +9249,7 @@
             <a:fld id="{64F0D409-D3F6-4EEC-8C77-1F5E89989FFB}" type="slidenum">
               <a:rPr lang="ko-KR" altLang="en-US" smtClean="0"/>
               <a:pPr/>
-              <a:t>20</a:t>
+              <a:t>19</a:t>
             </a:fld>
             <a:endParaRPr lang="ko-KR" altLang="en-US"/>
           </a:p>
@@ -11370,6 +9509,449 @@
 </p:sld>
 </file>
 
+<file path=ppt/slides/slide2.xml><?xml version="1.0" encoding="utf-8"?>
+<p:sld xmlns:a="http://schemas.openxmlformats.org/drawingml/2006/main" xmlns:r="http://schemas.openxmlformats.org/officeDocument/2006/relationships" xmlns:p="http://schemas.openxmlformats.org/presentationml/2006/main">
+  <p:cSld>
+    <p:spTree>
+      <p:nvGrpSpPr>
+        <p:cNvPr id="1" name=""/>
+        <p:cNvGrpSpPr/>
+        <p:nvPr/>
+      </p:nvGrpSpPr>
+      <p:grpSpPr>
+        <a:xfrm>
+          <a:off x="0" y="0"/>
+          <a:ext cx="0" cy="0"/>
+          <a:chOff x="0" y="0"/>
+          <a:chExt cx="0" cy="0"/>
+        </a:xfrm>
+      </p:grpSpPr>
+      <p:sp>
+        <p:nvSpPr>
+          <p:cNvPr id="2" name="제목 1">
+            <a:extLst>
+              <a:ext uri="{FF2B5EF4-FFF2-40B4-BE49-F238E27FC236}">
+                <a16:creationId xmlns:a16="http://schemas.microsoft.com/office/drawing/2014/main" id="{9776B4EB-CE57-46F3-87DE-CF202D0846A9}"/>
+              </a:ext>
+            </a:extLst>
+          </p:cNvPr>
+          <p:cNvSpPr>
+            <a:spLocks noGrp="1"/>
+          </p:cNvSpPr>
+          <p:nvPr>
+            <p:ph type="title"/>
+          </p:nvPr>
+        </p:nvSpPr>
+        <p:spPr/>
+        <p:txBody>
+          <a:bodyPr/>
+          <a:lstStyle/>
+          <a:p>
+            <a:r>
+              <a:rPr lang="en-US" altLang="ko-KR" dirty="0"/>
+              <a:t>OSS? Why? : </a:t>
+            </a:r>
+            <a:r>
+              <a:rPr lang="ko-KR" altLang="en-US" dirty="0"/>
+              <a:t>현재 우리 인식은</a:t>
+            </a:r>
+            <a:r>
+              <a:rPr lang="en-US" altLang="ko-KR" dirty="0"/>
+              <a:t>? </a:t>
+            </a:r>
+            <a:endParaRPr lang="ko-KR" altLang="en-US" dirty="0"/>
+          </a:p>
+        </p:txBody>
+      </p:sp>
+      <p:sp>
+        <p:nvSpPr>
+          <p:cNvPr id="4" name="슬라이드 번호 개체 틀 3">
+            <a:extLst>
+              <a:ext uri="{FF2B5EF4-FFF2-40B4-BE49-F238E27FC236}">
+                <a16:creationId xmlns:a16="http://schemas.microsoft.com/office/drawing/2014/main" id="{8C84C6E7-79CB-46E3-BB81-731D9C09A0A2}"/>
+              </a:ext>
+            </a:extLst>
+          </p:cNvPr>
+          <p:cNvSpPr>
+            <a:spLocks noGrp="1"/>
+          </p:cNvSpPr>
+          <p:nvPr>
+            <p:ph type="sldNum" sz="quarter" idx="12"/>
+          </p:nvPr>
+        </p:nvSpPr>
+        <p:spPr/>
+        <p:txBody>
+          <a:bodyPr/>
+          <a:lstStyle/>
+          <a:p>
+            <a:fld id="{64F0D409-D3F6-4EEC-8C77-1F5E89989FFB}" type="slidenum">
+              <a:rPr lang="ko-KR" altLang="en-US" smtClean="0"/>
+              <a:t>2</a:t>
+            </a:fld>
+            <a:endParaRPr lang="ko-KR" altLang="en-US"/>
+          </a:p>
+        </p:txBody>
+      </p:sp>
+      <p:pic>
+        <p:nvPicPr>
+          <p:cNvPr id="5" name="Picture 2" descr="open source software importanceì ëí ì´ë¯¸ì§ ê²ìê²°ê³¼">
+            <a:extLst>
+              <a:ext uri="{FF2B5EF4-FFF2-40B4-BE49-F238E27FC236}">
+                <a16:creationId xmlns:a16="http://schemas.microsoft.com/office/drawing/2014/main" id="{3078BFB7-387D-4F2A-8453-D79B722C25A8}"/>
+              </a:ext>
+            </a:extLst>
+          </p:cNvPr>
+          <p:cNvPicPr>
+            <a:picLocks noGrp="1" noChangeAspect="1" noChangeArrowheads="1"/>
+          </p:cNvPicPr>
+          <p:nvPr>
+            <p:ph idx="1"/>
+          </p:nvPr>
+        </p:nvPicPr>
+        <p:blipFill>
+          <a:blip r:embed="rId2">
+            <a:extLst>
+              <a:ext uri="{28A0092B-C50C-407E-A947-70E740481C1C}">
+                <a14:useLocalDpi xmlns:a14="http://schemas.microsoft.com/office/drawing/2010/main" val="0"/>
+              </a:ext>
+            </a:extLst>
+          </a:blip>
+          <a:srcRect/>
+          <a:stretch>
+            <a:fillRect/>
+          </a:stretch>
+        </p:blipFill>
+        <p:spPr bwMode="auto">
+          <a:xfrm>
+            <a:off x="395536" y="1829507"/>
+            <a:ext cx="8353425" cy="4241973"/>
+          </a:xfrm>
+          <a:prstGeom prst="rect">
+            <a:avLst/>
+          </a:prstGeom>
+          <a:noFill/>
+          <a:extLst>
+            <a:ext uri="{909E8E84-426E-40DD-AFC4-6F175D3DCCD1}">
+              <a14:hiddenFill xmlns:a14="http://schemas.microsoft.com/office/drawing/2010/main">
+                <a:solidFill>
+                  <a:srgbClr val="FFFFFF"/>
+                </a:solidFill>
+              </a14:hiddenFill>
+            </a:ext>
+          </a:extLst>
+        </p:spPr>
+      </p:pic>
+      <p:sp>
+        <p:nvSpPr>
+          <p:cNvPr id="8" name="직사각형 7">
+            <a:extLst>
+              <a:ext uri="{FF2B5EF4-FFF2-40B4-BE49-F238E27FC236}">
+                <a16:creationId xmlns:a16="http://schemas.microsoft.com/office/drawing/2014/main" id="{AF61334A-4EB4-40C1-AE18-170E80B7BE9A}"/>
+              </a:ext>
+            </a:extLst>
+          </p:cNvPr>
+          <p:cNvSpPr/>
+          <p:nvPr/>
+        </p:nvSpPr>
+        <p:spPr>
+          <a:xfrm>
+            <a:off x="581025" y="1096677"/>
+            <a:ext cx="8352928" cy="646331"/>
+          </a:xfrm>
+          <a:prstGeom prst="rect">
+            <a:avLst/>
+          </a:prstGeom>
+        </p:spPr>
+        <p:txBody>
+          <a:bodyPr wrap="square">
+            <a:spAutoFit/>
+          </a:bodyPr>
+          <a:lstStyle/>
+          <a:p>
+            <a:r>
+              <a:rPr lang="en-US" altLang="ko-KR" dirty="0"/>
+              <a:t>* Open Source SW: </a:t>
+            </a:r>
+            <a:r>
+              <a:rPr lang="ko-KR" altLang="en-US" dirty="0"/>
+              <a:t>소스 코드를 공개해 누구나 특별한 제한 없이 그 코드를 보고 사용할 수 있는 오픈 소스 라이선스를 만족하는 소프트웨어</a:t>
+            </a:r>
+          </a:p>
+        </p:txBody>
+      </p:sp>
+    </p:spTree>
+    <p:extLst>
+      <p:ext uri="{BB962C8B-B14F-4D97-AF65-F5344CB8AC3E}">
+        <p14:creationId xmlns:p14="http://schemas.microsoft.com/office/powerpoint/2010/main" val="4179200449"/>
+      </p:ext>
+    </p:extLst>
+  </p:cSld>
+  <p:clrMapOvr>
+    <a:masterClrMapping/>
+  </p:clrMapOvr>
+</p:sld>
+</file>
+
+<file path=ppt/slides/slide20.xml><?xml version="1.0" encoding="utf-8"?>
+<p:sld xmlns:a="http://schemas.openxmlformats.org/drawingml/2006/main" xmlns:r="http://schemas.openxmlformats.org/officeDocument/2006/relationships" xmlns:p="http://schemas.openxmlformats.org/presentationml/2006/main">
+  <p:cSld>
+    <p:spTree>
+      <p:nvGrpSpPr>
+        <p:cNvPr id="1" name=""/>
+        <p:cNvGrpSpPr/>
+        <p:nvPr/>
+      </p:nvGrpSpPr>
+      <p:grpSpPr>
+        <a:xfrm>
+          <a:off x="0" y="0"/>
+          <a:ext cx="0" cy="0"/>
+          <a:chOff x="0" y="0"/>
+          <a:chExt cx="0" cy="0"/>
+        </a:xfrm>
+      </p:grpSpPr>
+      <p:sp>
+        <p:nvSpPr>
+          <p:cNvPr id="2" name="제목 1"/>
+          <p:cNvSpPr>
+            <a:spLocks noGrp="1"/>
+          </p:cNvSpPr>
+          <p:nvPr>
+            <p:ph type="title"/>
+          </p:nvPr>
+        </p:nvSpPr>
+        <p:spPr/>
+        <p:txBody>
+          <a:bodyPr>
+            <a:normAutofit/>
+          </a:bodyPr>
+          <a:lstStyle/>
+          <a:p>
+            <a:r>
+              <a:rPr lang="ko-KR" altLang="en-US" dirty="0"/>
+              <a:t>강의 공지 및 자료</a:t>
+            </a:r>
+          </a:p>
+        </p:txBody>
+      </p:sp>
+      <p:sp>
+        <p:nvSpPr>
+          <p:cNvPr id="3" name="내용 개체 틀 2"/>
+          <p:cNvSpPr>
+            <a:spLocks noGrp="1"/>
+          </p:cNvSpPr>
+          <p:nvPr>
+            <p:ph idx="1"/>
+          </p:nvPr>
+        </p:nvSpPr>
+        <p:spPr/>
+        <p:txBody>
+          <a:bodyPr/>
+          <a:lstStyle/>
+          <a:p>
+            <a:r>
+              <a:rPr lang="ko-KR" altLang="en-US" sz="2400" dirty="0"/>
+              <a:t>강의 공지</a:t>
+            </a:r>
+            <a:r>
+              <a:rPr lang="en-US" altLang="ko-KR" sz="2400" dirty="0"/>
+              <a:t>: </a:t>
+            </a:r>
+            <a:r>
+              <a:rPr lang="ko-KR" altLang="en-US" dirty="0"/>
+              <a:t>강의 자료</a:t>
+            </a:r>
+            <a:r>
+              <a:rPr lang="en-US" altLang="ko-KR" dirty="0"/>
+              <a:t>, </a:t>
+            </a:r>
+            <a:r>
+              <a:rPr lang="ko-KR" altLang="en-US" sz="2400" dirty="0"/>
+              <a:t>시험</a:t>
+            </a:r>
+            <a:r>
+              <a:rPr lang="en-US" altLang="ko-KR" sz="2400" dirty="0"/>
+              <a:t>, </a:t>
+            </a:r>
+            <a:r>
+              <a:rPr lang="ko-KR" altLang="en-US" sz="2400" dirty="0"/>
+              <a:t>과제 제출</a:t>
+            </a:r>
+            <a:r>
+              <a:rPr lang="en-US" altLang="ko-KR" sz="2400" dirty="0"/>
+              <a:t>, </a:t>
+            </a:r>
+            <a:r>
+              <a:rPr lang="ko-KR" altLang="en-US" sz="2400" dirty="0"/>
+              <a:t>점수 공개 및 휴강 등</a:t>
+            </a:r>
+            <a:endParaRPr lang="en-US" altLang="ko-KR" sz="2400" dirty="0"/>
+          </a:p>
+          <a:p>
+            <a:pPr lvl="1"/>
+            <a:r>
+              <a:rPr lang="en-US" altLang="ko-KR" dirty="0">
+                <a:hlinkClick r:id="rId2"/>
+              </a:rPr>
+              <a:t>https://ieilms_old.jbnu.ac.kr</a:t>
+            </a:r>
+            <a:endParaRPr lang="en-US" altLang="ko-KR" sz="2000" dirty="0"/>
+          </a:p>
+          <a:p>
+            <a:pPr lvl="1"/>
+            <a:r>
+              <a:rPr lang="ko-KR" altLang="en-US" sz="2000" dirty="0"/>
+              <a:t>수시로 확인할 것</a:t>
+            </a:r>
+            <a:endParaRPr lang="en-US" altLang="ko-KR" sz="2000" dirty="0"/>
+          </a:p>
+          <a:p>
+            <a:r>
+              <a:rPr lang="ko-KR" altLang="en-US" dirty="0"/>
+              <a:t>오픈 </a:t>
+            </a:r>
+            <a:r>
+              <a:rPr lang="ko-KR" altLang="en-US" dirty="0" err="1"/>
+              <a:t>카톡방</a:t>
+            </a:r>
+            <a:r>
+              <a:rPr lang="ko-KR" altLang="en-US" dirty="0"/>
+              <a:t> 운영</a:t>
+            </a:r>
+            <a:r>
+              <a:rPr lang="en-US" altLang="ko-KR" dirty="0"/>
+              <a:t>: </a:t>
+            </a:r>
+            <a:r>
+              <a:rPr lang="ko-KR" altLang="en-US" dirty="0"/>
+              <a:t>반드시 참여할 것</a:t>
+            </a:r>
+            <a:endParaRPr lang="en-US" altLang="ko-KR" dirty="0"/>
+          </a:p>
+          <a:p>
+            <a:pPr lvl="1"/>
+            <a:r>
+              <a:rPr lang="en-US" altLang="ko-KR" dirty="0"/>
+              <a:t>“2020 </a:t>
+            </a:r>
+            <a:r>
+              <a:rPr lang="ko-KR" altLang="en-US" dirty="0"/>
+              <a:t>전북대 박현찬 오픈소스</a:t>
+            </a:r>
+            <a:r>
+              <a:rPr lang="en-US" altLang="ko-KR" dirty="0"/>
+              <a:t>SW</a:t>
+            </a:r>
+            <a:r>
+              <a:rPr lang="ko-KR" altLang="en-US" dirty="0"/>
+              <a:t>개발</a:t>
+            </a:r>
+            <a:r>
+              <a:rPr lang="en-US" altLang="ko-KR" dirty="0"/>
+              <a:t>”</a:t>
+            </a:r>
+          </a:p>
+          <a:p>
+            <a:pPr lvl="1"/>
+            <a:r>
+              <a:rPr lang="ko-KR" altLang="en-US" dirty="0"/>
+              <a:t>비밀번호</a:t>
+            </a:r>
+            <a:r>
+              <a:rPr lang="en-US" altLang="ko-KR" dirty="0"/>
+              <a:t>: 7626</a:t>
+            </a:r>
+          </a:p>
+          <a:p>
+            <a:pPr lvl="1"/>
+            <a:endParaRPr lang="en-US" altLang="ko-KR" dirty="0"/>
+          </a:p>
+          <a:p>
+            <a:r>
+              <a:rPr lang="ko-KR" altLang="en-US" sz="2400" dirty="0"/>
+              <a:t>수업 질의 응답</a:t>
+            </a:r>
+            <a:endParaRPr lang="en-US" altLang="ko-KR" sz="2400" dirty="0"/>
+          </a:p>
+          <a:p>
+            <a:pPr lvl="1"/>
+            <a:r>
+              <a:rPr lang="en-US" altLang="ko-KR" dirty="0"/>
+              <a:t>LMS </a:t>
+            </a:r>
+            <a:r>
+              <a:rPr lang="ko-KR" altLang="en-US" dirty="0"/>
+              <a:t>의 질문 게시판 이용할 것</a:t>
+            </a:r>
+            <a:endParaRPr lang="en-US" altLang="ko-KR" dirty="0"/>
+          </a:p>
+          <a:p>
+            <a:pPr lvl="1"/>
+            <a:r>
+              <a:rPr lang="ko-KR" altLang="en-US" sz="2000" dirty="0"/>
+              <a:t>너무 부끄러운 경우</a:t>
+            </a:r>
+            <a:r>
+              <a:rPr lang="en-US" altLang="ko-KR" sz="2000" dirty="0"/>
+              <a:t>, </a:t>
+            </a:r>
+            <a:r>
+              <a:rPr lang="ko-KR" altLang="en-US" sz="2000" dirty="0"/>
+              <a:t>이메일 이용 </a:t>
+            </a:r>
+            <a:r>
+              <a:rPr lang="en-US" altLang="ko-KR" sz="2000" dirty="0"/>
+              <a:t>: </a:t>
+            </a:r>
+            <a:r>
+              <a:rPr lang="en-US" altLang="ko-KR" sz="2000" dirty="0">
+                <a:hlinkClick r:id="rId3"/>
+              </a:rPr>
+              <a:t>hyunchan.park@jbnu.ac.kr</a:t>
+            </a:r>
+            <a:endParaRPr lang="en-US" altLang="ko-KR" sz="2000" dirty="0"/>
+          </a:p>
+          <a:p>
+            <a:pPr lvl="1"/>
+            <a:endParaRPr lang="ko-KR" altLang="en-US" sz="2000" dirty="0"/>
+          </a:p>
+        </p:txBody>
+      </p:sp>
+      <p:sp>
+        <p:nvSpPr>
+          <p:cNvPr id="4" name="슬라이드 번호 개체 틀 3"/>
+          <p:cNvSpPr>
+            <a:spLocks noGrp="1"/>
+          </p:cNvSpPr>
+          <p:nvPr>
+            <p:ph type="sldNum" sz="quarter" idx="12"/>
+          </p:nvPr>
+        </p:nvSpPr>
+        <p:spPr/>
+        <p:txBody>
+          <a:bodyPr/>
+          <a:lstStyle/>
+          <a:p>
+            <a:fld id="{64F0D409-D3F6-4EEC-8C77-1F5E89989FFB}" type="slidenum">
+              <a:rPr lang="ko-KR" altLang="en-US" smtClean="0"/>
+              <a:t>20</a:t>
+            </a:fld>
+            <a:endParaRPr lang="ko-KR" altLang="en-US"/>
+          </a:p>
+        </p:txBody>
+      </p:sp>
+    </p:spTree>
+    <p:extLst>
+      <p:ext uri="{BB962C8B-B14F-4D97-AF65-F5344CB8AC3E}">
+        <p14:creationId xmlns:p14="http://schemas.microsoft.com/office/powerpoint/2010/main" val="569624107"/>
+      </p:ext>
+    </p:extLst>
+  </p:cSld>
+  <p:clrMapOvr>
+    <a:masterClrMapping/>
+  </p:clrMapOvr>
+</p:sld>
+</file>
+
 <file path=ppt/slides/slide21.xml><?xml version="1.0" encoding="utf-8"?>
 <p:sld xmlns:a="http://schemas.openxmlformats.org/drawingml/2006/main" xmlns:r="http://schemas.openxmlformats.org/officeDocument/2006/relationships" xmlns:p="http://schemas.openxmlformats.org/presentationml/2006/main">
   <p:cSld>
@@ -11399,266 +9981,6 @@
         </p:nvSpPr>
         <p:spPr/>
         <p:txBody>
-          <a:bodyPr>
-            <a:normAutofit/>
-          </a:bodyPr>
-          <a:lstStyle/>
-          <a:p>
-            <a:r>
-              <a:rPr lang="ko-KR" altLang="en-US" dirty="0"/>
-              <a:t>강의 공지 및 자료</a:t>
-            </a:r>
-          </a:p>
-        </p:txBody>
-      </p:sp>
-      <p:sp>
-        <p:nvSpPr>
-          <p:cNvPr id="3" name="내용 개체 틀 2"/>
-          <p:cNvSpPr>
-            <a:spLocks noGrp="1"/>
-          </p:cNvSpPr>
-          <p:nvPr>
-            <p:ph idx="1"/>
-          </p:nvPr>
-        </p:nvSpPr>
-        <p:spPr/>
-        <p:txBody>
-          <a:bodyPr/>
-          <a:lstStyle/>
-          <a:p>
-            <a:r>
-              <a:rPr lang="ko-KR" altLang="en-US" sz="2400" dirty="0"/>
-              <a:t>강의 공지</a:t>
-            </a:r>
-            <a:r>
-              <a:rPr lang="en-US" altLang="ko-KR" sz="2400" dirty="0"/>
-              <a:t>: </a:t>
-            </a:r>
-            <a:r>
-              <a:rPr lang="ko-KR" altLang="en-US" dirty="0"/>
-              <a:t>강의 자료</a:t>
-            </a:r>
-            <a:r>
-              <a:rPr lang="en-US" altLang="ko-KR" dirty="0"/>
-              <a:t>, </a:t>
-            </a:r>
-            <a:r>
-              <a:rPr lang="ko-KR" altLang="en-US" sz="2400" dirty="0"/>
-              <a:t>시험</a:t>
-            </a:r>
-            <a:r>
-              <a:rPr lang="en-US" altLang="ko-KR" sz="2400" dirty="0"/>
-              <a:t>, </a:t>
-            </a:r>
-            <a:r>
-              <a:rPr lang="ko-KR" altLang="en-US" sz="2400" dirty="0"/>
-              <a:t>과제 제출</a:t>
-            </a:r>
-            <a:r>
-              <a:rPr lang="en-US" altLang="ko-KR" sz="2400" dirty="0"/>
-              <a:t>, </a:t>
-            </a:r>
-            <a:r>
-              <a:rPr lang="ko-KR" altLang="en-US" sz="2400" dirty="0"/>
-              <a:t>점수 공개 및 휴강 등</a:t>
-            </a:r>
-            <a:endParaRPr lang="en-US" altLang="ko-KR" sz="2400" dirty="0"/>
-          </a:p>
-          <a:p>
-            <a:pPr lvl="1"/>
-            <a:r>
-              <a:rPr lang="en-US" altLang="ko-KR" dirty="0">
-                <a:hlinkClick r:id="rId2"/>
-              </a:rPr>
-              <a:t>https://ieilms_old.jbnu.ac.kr</a:t>
-            </a:r>
-            <a:endParaRPr lang="en-US" altLang="ko-KR" sz="2000" dirty="0"/>
-          </a:p>
-          <a:p>
-            <a:pPr lvl="1"/>
-            <a:r>
-              <a:rPr lang="ko-KR" altLang="en-US" sz="2000" dirty="0"/>
-              <a:t>수시로 확인할 것</a:t>
-            </a:r>
-            <a:endParaRPr lang="en-US" altLang="ko-KR" sz="2000" dirty="0"/>
-          </a:p>
-          <a:p>
-            <a:r>
-              <a:rPr lang="ko-KR" altLang="en-US" dirty="0"/>
-              <a:t>오픈 </a:t>
-            </a:r>
-            <a:r>
-              <a:rPr lang="ko-KR" altLang="en-US" dirty="0" err="1"/>
-              <a:t>카톡방</a:t>
-            </a:r>
-            <a:r>
-              <a:rPr lang="ko-KR" altLang="en-US" dirty="0"/>
-              <a:t> 운영</a:t>
-            </a:r>
-            <a:r>
-              <a:rPr lang="en-US" altLang="ko-KR" dirty="0"/>
-              <a:t>: </a:t>
-            </a:r>
-            <a:r>
-              <a:rPr lang="ko-KR" altLang="en-US" dirty="0"/>
-              <a:t>반드시 참여할 것</a:t>
-            </a:r>
-            <a:endParaRPr lang="en-US" altLang="ko-KR" dirty="0"/>
-          </a:p>
-          <a:p>
-            <a:pPr lvl="1"/>
-            <a:r>
-              <a:rPr lang="en-US" altLang="ko-KR" dirty="0"/>
-              <a:t>“2020 </a:t>
-            </a:r>
-            <a:r>
-              <a:rPr lang="ko-KR" altLang="en-US" dirty="0"/>
-              <a:t>전북대 박현찬 오픈소스</a:t>
-            </a:r>
-            <a:r>
-              <a:rPr lang="en-US" altLang="ko-KR" dirty="0"/>
-              <a:t>SW</a:t>
-            </a:r>
-            <a:r>
-              <a:rPr lang="ko-KR" altLang="en-US" dirty="0"/>
-              <a:t>개발</a:t>
-            </a:r>
-            <a:r>
-              <a:rPr lang="en-US" altLang="ko-KR" dirty="0"/>
-              <a:t>”</a:t>
-            </a:r>
-          </a:p>
-          <a:p>
-            <a:pPr lvl="1"/>
-            <a:r>
-              <a:rPr lang="ko-KR" altLang="en-US" dirty="0"/>
-              <a:t>비밀번호</a:t>
-            </a:r>
-            <a:r>
-              <a:rPr lang="en-US" altLang="ko-KR" dirty="0"/>
-              <a:t>: 7626</a:t>
-            </a:r>
-          </a:p>
-          <a:p>
-            <a:pPr lvl="1"/>
-            <a:endParaRPr lang="en-US" altLang="ko-KR" dirty="0"/>
-          </a:p>
-          <a:p>
-            <a:r>
-              <a:rPr lang="ko-KR" altLang="en-US" sz="2400" dirty="0"/>
-              <a:t>수업 질의 응답</a:t>
-            </a:r>
-            <a:endParaRPr lang="en-US" altLang="ko-KR" sz="2400" dirty="0"/>
-          </a:p>
-          <a:p>
-            <a:pPr lvl="1"/>
-            <a:r>
-              <a:rPr lang="en-US" altLang="ko-KR" dirty="0"/>
-              <a:t>LMS </a:t>
-            </a:r>
-            <a:r>
-              <a:rPr lang="ko-KR" altLang="en-US" dirty="0"/>
-              <a:t>의 질문 게시판 이용할 것</a:t>
-            </a:r>
-            <a:endParaRPr lang="en-US" altLang="ko-KR" dirty="0"/>
-          </a:p>
-          <a:p>
-            <a:pPr lvl="1"/>
-            <a:r>
-              <a:rPr lang="ko-KR" altLang="en-US" sz="2000" dirty="0"/>
-              <a:t>너무 부끄러운 경우</a:t>
-            </a:r>
-            <a:r>
-              <a:rPr lang="en-US" altLang="ko-KR" sz="2000" dirty="0"/>
-              <a:t>, </a:t>
-            </a:r>
-            <a:r>
-              <a:rPr lang="ko-KR" altLang="en-US" sz="2000" dirty="0"/>
-              <a:t>이메일 이용 </a:t>
-            </a:r>
-            <a:r>
-              <a:rPr lang="en-US" altLang="ko-KR" sz="2000" dirty="0"/>
-              <a:t>: </a:t>
-            </a:r>
-            <a:r>
-              <a:rPr lang="en-US" altLang="ko-KR" sz="2000" dirty="0">
-                <a:hlinkClick r:id="rId3"/>
-              </a:rPr>
-              <a:t>hyunchan.park@jbnu.ac.kr</a:t>
-            </a:r>
-            <a:endParaRPr lang="en-US" altLang="ko-KR" sz="2000" dirty="0"/>
-          </a:p>
-          <a:p>
-            <a:pPr lvl="1"/>
-            <a:endParaRPr lang="ko-KR" altLang="en-US" sz="2000" dirty="0"/>
-          </a:p>
-        </p:txBody>
-      </p:sp>
-      <p:sp>
-        <p:nvSpPr>
-          <p:cNvPr id="4" name="슬라이드 번호 개체 틀 3"/>
-          <p:cNvSpPr>
-            <a:spLocks noGrp="1"/>
-          </p:cNvSpPr>
-          <p:nvPr>
-            <p:ph type="sldNum" sz="quarter" idx="12"/>
-          </p:nvPr>
-        </p:nvSpPr>
-        <p:spPr/>
-        <p:txBody>
-          <a:bodyPr/>
-          <a:lstStyle/>
-          <a:p>
-            <a:fld id="{64F0D409-D3F6-4EEC-8C77-1F5E89989FFB}" type="slidenum">
-              <a:rPr lang="ko-KR" altLang="en-US" smtClean="0"/>
-              <a:t>21</a:t>
-            </a:fld>
-            <a:endParaRPr lang="ko-KR" altLang="en-US"/>
-          </a:p>
-        </p:txBody>
-      </p:sp>
-    </p:spTree>
-    <p:extLst>
-      <p:ext uri="{BB962C8B-B14F-4D97-AF65-F5344CB8AC3E}">
-        <p14:creationId xmlns:p14="http://schemas.microsoft.com/office/powerpoint/2010/main" val="569624107"/>
-      </p:ext>
-    </p:extLst>
-  </p:cSld>
-  <p:clrMapOvr>
-    <a:masterClrMapping/>
-  </p:clrMapOvr>
-</p:sld>
-</file>
-
-<file path=ppt/slides/slide22.xml><?xml version="1.0" encoding="utf-8"?>
-<p:sld xmlns:a="http://schemas.openxmlformats.org/drawingml/2006/main" xmlns:r="http://schemas.openxmlformats.org/officeDocument/2006/relationships" xmlns:p="http://schemas.openxmlformats.org/presentationml/2006/main">
-  <p:cSld>
-    <p:spTree>
-      <p:nvGrpSpPr>
-        <p:cNvPr id="1" name=""/>
-        <p:cNvGrpSpPr/>
-        <p:nvPr/>
-      </p:nvGrpSpPr>
-      <p:grpSpPr>
-        <a:xfrm>
-          <a:off x="0" y="0"/>
-          <a:ext cx="0" cy="0"/>
-          <a:chOff x="0" y="0"/>
-          <a:chExt cx="0" cy="0"/>
-        </a:xfrm>
-      </p:grpSpPr>
-      <p:sp>
-        <p:nvSpPr>
-          <p:cNvPr id="2" name="제목 1"/>
-          <p:cNvSpPr>
-            <a:spLocks noGrp="1"/>
-          </p:cNvSpPr>
-          <p:nvPr>
-            <p:ph type="title"/>
-          </p:nvPr>
-        </p:nvSpPr>
-        <p:spPr/>
-        <p:txBody>
           <a:bodyPr/>
           <a:lstStyle/>
           <a:p>
@@ -11758,7 +10080,7 @@
           <a:p>
             <a:fld id="{64F0D409-D3F6-4EEC-8C77-1F5E89989FFB}" type="slidenum">
               <a:rPr lang="ko-KR" altLang="en-US" smtClean="0"/>
-              <a:t>22</a:t>
+              <a:t>21</a:t>
             </a:fld>
             <a:endParaRPr lang="ko-KR" altLang="en-US"/>
           </a:p>
@@ -11777,7 +10099,7 @@
 </p:sld>
 </file>
 
-<file path=ppt/slides/slide23.xml><?xml version="1.0" encoding="utf-8"?>
+<file path=ppt/slides/slide22.xml><?xml version="1.0" encoding="utf-8"?>
 <p:sld xmlns:a="http://schemas.openxmlformats.org/drawingml/2006/main" xmlns:r="http://schemas.openxmlformats.org/officeDocument/2006/relationships" xmlns:p="http://schemas.openxmlformats.org/presentationml/2006/main">
   <p:cSld>
     <p:spTree>
@@ -11905,7 +10227,7 @@
           <a:p>
             <a:fld id="{64F0D409-D3F6-4EEC-8C77-1F5E89989FFB}" type="slidenum">
               <a:rPr lang="ko-KR" altLang="en-US" smtClean="0"/>
-              <a:t>23</a:t>
+              <a:t>22</a:t>
             </a:fld>
             <a:endParaRPr lang="ko-KR" altLang="en-US"/>
           </a:p>

--- a/Slides 2020/0. Introduction OSS.pptx
+++ b/Slides 2020/0. Introduction OSS.pptx
@@ -218,7 +218,7 @@
           <a:p>
             <a:fld id="{3A51E6CB-1B67-49CD-819C-CBD1F8F15839}" type="datetimeFigureOut">
               <a:rPr lang="ko-KR" altLang="en-US" smtClean="0"/>
-              <a:t>2020-09-02</a:t>
+              <a:t>2020-10-26</a:t>
             </a:fld>
             <a:endParaRPr lang="ko-KR" altLang="en-US"/>
           </a:p>
@@ -700,7 +700,7 @@
           <a:p>
             <a:fld id="{1EA80F27-E9B9-4A8E-9A59-01CCB3F43850}" type="datetime1">
               <a:rPr lang="ko-KR" altLang="en-US" smtClean="0"/>
-              <a:t>2020-09-02</a:t>
+              <a:t>2020-10-26</a:t>
             </a:fld>
             <a:endParaRPr lang="ko-KR" altLang="en-US"/>
           </a:p>
@@ -916,7 +916,7 @@
           <a:p>
             <a:fld id="{7E5363F8-22A8-407F-82B0-EFC1D1C22895}" type="datetime1">
               <a:rPr lang="ko-KR" altLang="en-US" smtClean="0"/>
-              <a:t>2020-09-02</a:t>
+              <a:t>2020-10-26</a:t>
             </a:fld>
             <a:endParaRPr lang="ko-KR" altLang="en-US"/>
           </a:p>
@@ -1096,7 +1096,7 @@
           <a:p>
             <a:fld id="{8187739B-8E74-4F06-BBD0-F6D670C1F7A1}" type="datetime1">
               <a:rPr lang="ko-KR" altLang="en-US" smtClean="0"/>
-              <a:t>2020-09-02</a:t>
+              <a:t>2020-10-26</a:t>
             </a:fld>
             <a:endParaRPr lang="ko-KR" altLang="en-US"/>
           </a:p>
@@ -1266,7 +1266,7 @@
           <a:p>
             <a:fld id="{947C39E4-F1C0-46F5-93CB-857C8C3AEB8D}" type="datetime1">
               <a:rPr lang="ko-KR" altLang="en-US" smtClean="0"/>
-              <a:t>2020-09-02</a:t>
+              <a:t>2020-10-26</a:t>
             </a:fld>
             <a:endParaRPr lang="ko-KR" altLang="en-US"/>
           </a:p>
@@ -1510,7 +1510,7 @@
           <a:p>
             <a:fld id="{7818271D-E6C7-4286-B2FD-D9AA53F1E428}" type="datetime1">
               <a:rPr lang="ko-KR" altLang="en-US" smtClean="0"/>
-              <a:t>2020-09-02</a:t>
+              <a:t>2020-10-26</a:t>
             </a:fld>
             <a:endParaRPr lang="ko-KR" altLang="en-US"/>
           </a:p>
@@ -1742,7 +1742,7 @@
           <a:p>
             <a:fld id="{8CE3C26B-F624-420D-BF9D-391E2E695B27}" type="datetime1">
               <a:rPr lang="ko-KR" altLang="en-US" smtClean="0"/>
-              <a:t>2020-09-02</a:t>
+              <a:t>2020-10-26</a:t>
             </a:fld>
             <a:endParaRPr lang="ko-KR" altLang="en-US"/>
           </a:p>
@@ -2109,7 +2109,7 @@
           <a:p>
             <a:fld id="{A1FC83CE-7AD5-4A20-9998-54C7F9F05545}" type="datetime1">
               <a:rPr lang="ko-KR" altLang="en-US" smtClean="0"/>
-              <a:t>2020-09-02</a:t>
+              <a:t>2020-10-26</a:t>
             </a:fld>
             <a:endParaRPr lang="ko-KR" altLang="en-US"/>
           </a:p>
@@ -2227,7 +2227,7 @@
           <a:p>
             <a:fld id="{3A3E22EA-EB96-4ADF-ABA9-A693E5F7BB1E}" type="datetime1">
               <a:rPr lang="ko-KR" altLang="en-US" smtClean="0"/>
-              <a:t>2020-09-02</a:t>
+              <a:t>2020-10-26</a:t>
             </a:fld>
             <a:endParaRPr lang="ko-KR" altLang="en-US"/>
           </a:p>
@@ -2322,7 +2322,7 @@
           <a:p>
             <a:fld id="{0D5BD961-86A8-440A-8C4E-52B6CA6FECED}" type="datetime1">
               <a:rPr lang="ko-KR" altLang="en-US" smtClean="0"/>
-              <a:t>2020-09-02</a:t>
+              <a:t>2020-10-26</a:t>
             </a:fld>
             <a:endParaRPr lang="ko-KR" altLang="en-US"/>
           </a:p>
@@ -2599,7 +2599,7 @@
           <a:p>
             <a:fld id="{CD151CC0-1347-483B-8708-01772054FA68}" type="datetime1">
               <a:rPr lang="ko-KR" altLang="en-US" smtClean="0"/>
-              <a:t>2020-09-02</a:t>
+              <a:t>2020-10-26</a:t>
             </a:fld>
             <a:endParaRPr lang="ko-KR" altLang="en-US"/>
           </a:p>
@@ -2856,7 +2856,7 @@
           <a:p>
             <a:fld id="{57185993-49E6-4096-BF26-930E741DA796}" type="datetime1">
               <a:rPr lang="ko-KR" altLang="en-US" smtClean="0"/>
-              <a:t>2020-09-02</a:t>
+              <a:t>2020-10-26</a:t>
             </a:fld>
             <a:endParaRPr lang="ko-KR" altLang="en-US"/>
           </a:p>
@@ -3072,7 +3072,7 @@
           <a:p>
             <a:fld id="{170798F3-F6A9-4876-8D5A-30BE2843F4A2}" type="datetime1">
               <a:rPr lang="ko-KR" altLang="en-US" smtClean="0"/>
-              <a:t>2020-09-02</a:t>
+              <a:t>2020-10-26</a:t>
             </a:fld>
             <a:endParaRPr lang="ko-KR" altLang="en-US"/>
           </a:p>
@@ -5558,8 +5558,12 @@
           <a:lstStyle/>
           <a:p>
             <a:r>
+              <a:rPr lang="ko-KR" altLang="en-US"/>
+              <a:t>최종 </a:t>
+            </a:r>
+            <a:r>
               <a:rPr lang="ko-KR" altLang="en-US" dirty="0"/>
-              <a:t>개인 프로젝트</a:t>
+              <a:t>프로젝트</a:t>
             </a:r>
           </a:p>
         </p:txBody>
